--- a/FinalPowerpoint.pptx
+++ b/FinalPowerpoint.pptx
@@ -2,7 +2,7 @@
 <file path=ppt/presentation.xml><?xml version="1.0" encoding="utf-8"?>
 <p:presentation xmlns:a="http://schemas.openxmlformats.org/drawingml/2006/main" xmlns:r="http://schemas.openxmlformats.org/officeDocument/2006/relationships" xmlns:p="http://schemas.openxmlformats.org/presentationml/2006/main" saveSubsetFonts="1">
   <p:sldMasterIdLst>
-    <p:sldMasterId id="2147483714" r:id="rId1"/>
+    <p:sldMasterId id="2147483791" r:id="rId1"/>
   </p:sldMasterIdLst>
   <p:notesMasterIdLst>
     <p:notesMasterId r:id="rId11"/>
@@ -574,561 +574,113 @@
           <a:chExt cx="0" cy="0"/>
         </a:xfrm>
       </p:grpSpPr>
-      <p:grpSp>
-        <p:nvGrpSpPr>
-          <p:cNvPr id="7" name="Group 6"/>
-          <p:cNvGrpSpPr/>
+      <p:sp>
+        <p:nvSpPr>
+          <p:cNvPr id="7" name="Rectangle 6"/>
+          <p:cNvSpPr/>
           <p:nvPr/>
-        </p:nvGrpSpPr>
-        <p:grpSpPr>
-          <a:xfrm>
-            <a:off x="0" y="-8467"/>
-            <a:ext cx="12192000" cy="6866467"/>
-            <a:chOff x="0" y="-8467"/>
-            <a:chExt cx="12192000" cy="6866467"/>
-          </a:xfrm>
-        </p:grpSpPr>
-        <p:cxnSp>
-          <p:nvCxnSpPr>
-            <p:cNvPr id="32" name="Straight Connector 31"/>
-            <p:cNvCxnSpPr/>
-            <p:nvPr/>
-          </p:nvCxnSpPr>
-          <p:spPr>
-            <a:xfrm>
-              <a:off x="9371012" y="0"/>
-              <a:ext cx="1219200" cy="6858000"/>
-            </a:xfrm>
-            <a:prstGeom prst="line">
-              <a:avLst/>
-            </a:prstGeom>
-            <a:ln w="9525">
-              <a:solidFill>
-                <a:schemeClr val="bg1">
-                  <a:lumMod val="75000"/>
-                </a:schemeClr>
-              </a:solidFill>
-            </a:ln>
-          </p:spPr>
-          <p:style>
-            <a:lnRef idx="2">
-              <a:schemeClr val="accent1"/>
-            </a:lnRef>
-            <a:fillRef idx="0">
-              <a:schemeClr val="accent1"/>
-            </a:fillRef>
-            <a:effectRef idx="1">
-              <a:schemeClr val="accent1"/>
-            </a:effectRef>
-            <a:fontRef idx="minor">
-              <a:schemeClr val="tx1"/>
-            </a:fontRef>
-          </p:style>
-        </p:cxnSp>
-        <p:cxnSp>
-          <p:nvCxnSpPr>
-            <p:cNvPr id="21" name="Straight Connector 20"/>
-            <p:cNvCxnSpPr/>
-            <p:nvPr/>
-          </p:nvCxnSpPr>
-          <p:spPr>
-            <a:xfrm flipH="1">
-              <a:off x="7425267" y="3681413"/>
-              <a:ext cx="4763558" cy="3176587"/>
-            </a:xfrm>
-            <a:prstGeom prst="line">
-              <a:avLst/>
-            </a:prstGeom>
-            <a:ln w="9525">
-              <a:solidFill>
-                <a:schemeClr val="bg1">
-                  <a:lumMod val="85000"/>
-                </a:schemeClr>
-              </a:solidFill>
-            </a:ln>
-          </p:spPr>
-          <p:style>
-            <a:lnRef idx="2">
-              <a:schemeClr val="accent1"/>
-            </a:lnRef>
-            <a:fillRef idx="0">
-              <a:schemeClr val="accent1"/>
-            </a:fillRef>
-            <a:effectRef idx="1">
-              <a:schemeClr val="accent1"/>
-            </a:effectRef>
-            <a:fontRef idx="minor">
-              <a:schemeClr val="tx1"/>
-            </a:fontRef>
-          </p:style>
-        </p:cxnSp>
-        <p:sp>
-          <p:nvSpPr>
-            <p:cNvPr id="24" name="Rectangle 23"/>
-            <p:cNvSpPr/>
-            <p:nvPr/>
-          </p:nvSpPr>
-          <p:spPr>
-            <a:xfrm>
-              <a:off x="9181476" y="-8467"/>
-              <a:ext cx="3007349" cy="6866467"/>
-            </a:xfrm>
-            <a:custGeom>
-              <a:avLst/>
-              <a:gdLst/>
-              <a:ahLst/>
-              <a:cxnLst/>
-              <a:rect l="l" t="t" r="r" b="b"/>
-              <a:pathLst>
-                <a:path w="3007349" h="6866467">
-                  <a:moveTo>
-                    <a:pt x="2045532" y="0"/>
-                  </a:moveTo>
-                  <a:lnTo>
-                    <a:pt x="3007349" y="0"/>
-                  </a:lnTo>
-                  <a:lnTo>
-                    <a:pt x="3007349" y="6866467"/>
-                  </a:lnTo>
-                  <a:lnTo>
-                    <a:pt x="0" y="6866467"/>
-                  </a:lnTo>
-                  <a:lnTo>
-                    <a:pt x="2045532" y="0"/>
-                  </a:lnTo>
-                  <a:close/>
-                </a:path>
-              </a:pathLst>
-            </a:custGeom>
-            <a:solidFill>
-              <a:schemeClr val="accent1">
-                <a:alpha val="30000"/>
-              </a:schemeClr>
-            </a:solidFill>
-            <a:ln>
-              <a:noFill/>
-            </a:ln>
-            <a:effectLst/>
-          </p:spPr>
-          <p:style>
-            <a:lnRef idx="1">
-              <a:schemeClr val="accent1"/>
-            </a:lnRef>
-            <a:fillRef idx="3">
-              <a:schemeClr val="accent1"/>
-            </a:fillRef>
-            <a:effectRef idx="2">
-              <a:schemeClr val="accent1"/>
-            </a:effectRef>
-            <a:fontRef idx="minor">
-              <a:schemeClr val="lt1"/>
-            </a:fontRef>
-          </p:style>
-        </p:sp>
-        <p:sp>
-          <p:nvSpPr>
-            <p:cNvPr id="26" name="Rectangle 25"/>
-            <p:cNvSpPr/>
-            <p:nvPr/>
-          </p:nvSpPr>
-          <p:spPr>
-            <a:xfrm>
-              <a:off x="9603442" y="-8467"/>
-              <a:ext cx="2588558" cy="6866467"/>
-            </a:xfrm>
-            <a:custGeom>
-              <a:avLst/>
-              <a:gdLst/>
-              <a:ahLst/>
-              <a:cxnLst/>
-              <a:rect l="l" t="t" r="r" b="b"/>
-              <a:pathLst>
-                <a:path w="2573311" h="6866467">
-                  <a:moveTo>
-                    <a:pt x="0" y="0"/>
-                  </a:moveTo>
-                  <a:lnTo>
-                    <a:pt x="2573311" y="0"/>
-                  </a:lnTo>
-                  <a:lnTo>
-                    <a:pt x="2573311" y="6866467"/>
-                  </a:lnTo>
-                  <a:lnTo>
-                    <a:pt x="1202336" y="6866467"/>
-                  </a:lnTo>
-                  <a:lnTo>
-                    <a:pt x="0" y="0"/>
-                  </a:lnTo>
-                  <a:close/>
-                </a:path>
-              </a:pathLst>
-            </a:custGeom>
-            <a:solidFill>
-              <a:schemeClr val="accent1">
-                <a:alpha val="20000"/>
-              </a:schemeClr>
-            </a:solidFill>
-            <a:ln>
-              <a:noFill/>
-            </a:ln>
-            <a:effectLst/>
-          </p:spPr>
-          <p:style>
-            <a:lnRef idx="1">
-              <a:schemeClr val="accent1"/>
-            </a:lnRef>
-            <a:fillRef idx="3">
-              <a:schemeClr val="accent1"/>
-            </a:fillRef>
-            <a:effectRef idx="2">
-              <a:schemeClr val="accent1"/>
-            </a:effectRef>
-            <a:fontRef idx="minor">
-              <a:schemeClr val="lt1"/>
-            </a:fontRef>
-          </p:style>
-        </p:sp>
-        <p:sp>
-          <p:nvSpPr>
-            <p:cNvPr id="27" name="Isosceles Triangle 26"/>
-            <p:cNvSpPr/>
-            <p:nvPr/>
-          </p:nvSpPr>
-          <p:spPr>
-            <a:xfrm>
-              <a:off x="8932333" y="3048000"/>
-              <a:ext cx="3259667" cy="3810000"/>
-            </a:xfrm>
-            <a:prstGeom prst="triangle">
-              <a:avLst>
-                <a:gd name="adj" fmla="val 100000"/>
-              </a:avLst>
-            </a:prstGeom>
-            <a:solidFill>
-              <a:schemeClr val="accent2">
-                <a:alpha val="72000"/>
-              </a:schemeClr>
-            </a:solidFill>
-            <a:ln>
-              <a:noFill/>
-            </a:ln>
-            <a:effectLst/>
-          </p:spPr>
-          <p:style>
-            <a:lnRef idx="1">
-              <a:schemeClr val="accent1"/>
-            </a:lnRef>
-            <a:fillRef idx="3">
-              <a:schemeClr val="accent1"/>
-            </a:fillRef>
-            <a:effectRef idx="2">
-              <a:schemeClr val="accent1"/>
-            </a:effectRef>
-            <a:fontRef idx="minor">
-              <a:schemeClr val="lt1"/>
-            </a:fontRef>
-          </p:style>
-        </p:sp>
-        <p:sp>
-          <p:nvSpPr>
-            <p:cNvPr id="28" name="Rectangle 27"/>
-            <p:cNvSpPr/>
-            <p:nvPr/>
-          </p:nvSpPr>
-          <p:spPr>
-            <a:xfrm>
-              <a:off x="9334500" y="-8467"/>
-              <a:ext cx="2854326" cy="6866467"/>
-            </a:xfrm>
-            <a:custGeom>
-              <a:avLst/>
-              <a:gdLst/>
-              <a:ahLst/>
-              <a:cxnLst/>
-              <a:rect l="l" t="t" r="r" b="b"/>
-              <a:pathLst>
-                <a:path w="2858013" h="6866467">
-                  <a:moveTo>
-                    <a:pt x="0" y="0"/>
-                  </a:moveTo>
-                  <a:lnTo>
-                    <a:pt x="2858013" y="0"/>
-                  </a:lnTo>
-                  <a:lnTo>
-                    <a:pt x="2858013" y="6866467"/>
-                  </a:lnTo>
-                  <a:lnTo>
-                    <a:pt x="2473942" y="6866467"/>
-                  </a:lnTo>
-                  <a:lnTo>
-                    <a:pt x="0" y="0"/>
-                  </a:lnTo>
-                  <a:close/>
-                </a:path>
-              </a:pathLst>
-            </a:custGeom>
-            <a:solidFill>
-              <a:schemeClr val="accent2">
-                <a:lumMod val="75000"/>
-                <a:alpha val="70000"/>
-              </a:schemeClr>
-            </a:solidFill>
-            <a:ln>
-              <a:noFill/>
-            </a:ln>
-            <a:effectLst/>
-          </p:spPr>
-          <p:style>
-            <a:lnRef idx="1">
-              <a:schemeClr val="accent1"/>
-            </a:lnRef>
-            <a:fillRef idx="3">
-              <a:schemeClr val="accent1"/>
-            </a:fillRef>
-            <a:effectRef idx="2">
-              <a:schemeClr val="accent1"/>
-            </a:effectRef>
-            <a:fontRef idx="minor">
-              <a:schemeClr val="lt1"/>
-            </a:fontRef>
-          </p:style>
-        </p:sp>
-        <p:sp>
-          <p:nvSpPr>
-            <p:cNvPr id="29" name="Rectangle 28"/>
-            <p:cNvSpPr/>
-            <p:nvPr/>
-          </p:nvSpPr>
-          <p:spPr>
-            <a:xfrm>
-              <a:off x="10898730" y="-8467"/>
-              <a:ext cx="1290094" cy="6866467"/>
-            </a:xfrm>
-            <a:custGeom>
-              <a:avLst/>
-              <a:gdLst/>
-              <a:ahLst/>
-              <a:cxnLst/>
-              <a:rect l="l" t="t" r="r" b="b"/>
-              <a:pathLst>
-                <a:path w="1290094" h="6858000">
-                  <a:moveTo>
-                    <a:pt x="1019735" y="0"/>
-                  </a:moveTo>
-                  <a:lnTo>
-                    <a:pt x="1290094" y="0"/>
-                  </a:lnTo>
-                  <a:lnTo>
-                    <a:pt x="1290094" y="6858000"/>
-                  </a:lnTo>
-                  <a:lnTo>
-                    <a:pt x="0" y="6858000"/>
-                  </a:lnTo>
-                  <a:lnTo>
-                    <a:pt x="1019735" y="0"/>
-                  </a:lnTo>
-                  <a:close/>
-                </a:path>
-              </a:pathLst>
-            </a:custGeom>
-            <a:solidFill>
-              <a:schemeClr val="accent1">
-                <a:lumMod val="60000"/>
-                <a:lumOff val="40000"/>
-                <a:alpha val="70000"/>
-              </a:schemeClr>
-            </a:solidFill>
-            <a:ln>
-              <a:noFill/>
-            </a:ln>
-            <a:effectLst/>
-          </p:spPr>
-          <p:style>
-            <a:lnRef idx="1">
-              <a:schemeClr val="accent1"/>
-            </a:lnRef>
-            <a:fillRef idx="3">
-              <a:schemeClr val="accent1"/>
-            </a:fillRef>
-            <a:effectRef idx="2">
-              <a:schemeClr val="accent1"/>
-            </a:effectRef>
-            <a:fontRef idx="minor">
-              <a:schemeClr val="lt1"/>
-            </a:fontRef>
-          </p:style>
-        </p:sp>
-        <p:sp>
-          <p:nvSpPr>
-            <p:cNvPr id="30" name="Rectangle 29"/>
-            <p:cNvSpPr/>
-            <p:nvPr/>
-          </p:nvSpPr>
-          <p:spPr>
-            <a:xfrm>
-              <a:off x="10938999" y="-8467"/>
-              <a:ext cx="1249825" cy="6866467"/>
-            </a:xfrm>
-            <a:custGeom>
-              <a:avLst/>
-              <a:gdLst/>
-              <a:ahLst/>
-              <a:cxnLst/>
-              <a:rect l="l" t="t" r="r" b="b"/>
-              <a:pathLst>
-                <a:path w="1249825" h="6858000">
-                  <a:moveTo>
-                    <a:pt x="0" y="0"/>
-                  </a:moveTo>
-                  <a:lnTo>
-                    <a:pt x="1249825" y="0"/>
-                  </a:lnTo>
-                  <a:lnTo>
-                    <a:pt x="1249825" y="6858000"/>
-                  </a:lnTo>
-                  <a:lnTo>
-                    <a:pt x="1109382" y="6858000"/>
-                  </a:lnTo>
-                  <a:lnTo>
-                    <a:pt x="0" y="0"/>
-                  </a:lnTo>
-                  <a:close/>
-                </a:path>
-              </a:pathLst>
-            </a:custGeom>
-            <a:solidFill>
-              <a:schemeClr val="accent1">
-                <a:alpha val="65000"/>
-              </a:schemeClr>
-            </a:solidFill>
-            <a:ln>
-              <a:noFill/>
-            </a:ln>
-            <a:effectLst/>
-          </p:spPr>
-          <p:style>
-            <a:lnRef idx="1">
-              <a:schemeClr val="accent1"/>
-            </a:lnRef>
-            <a:fillRef idx="3">
-              <a:schemeClr val="accent1"/>
-            </a:fillRef>
-            <a:effectRef idx="2">
-              <a:schemeClr val="accent1"/>
-            </a:effectRef>
-            <a:fontRef idx="minor">
-              <a:schemeClr val="lt1"/>
-            </a:fontRef>
-          </p:style>
-        </p:sp>
-        <p:sp>
-          <p:nvSpPr>
-            <p:cNvPr id="31" name="Isosceles Triangle 30"/>
-            <p:cNvSpPr/>
-            <p:nvPr/>
-          </p:nvSpPr>
-          <p:spPr>
-            <a:xfrm>
-              <a:off x="10371666" y="3589867"/>
-              <a:ext cx="1817159" cy="3268133"/>
-            </a:xfrm>
-            <a:prstGeom prst="triangle">
-              <a:avLst>
-                <a:gd name="adj" fmla="val 100000"/>
-              </a:avLst>
-            </a:prstGeom>
-            <a:solidFill>
-              <a:schemeClr val="accent1">
-                <a:alpha val="80000"/>
-              </a:schemeClr>
-            </a:solidFill>
-            <a:ln>
-              <a:noFill/>
-            </a:ln>
-            <a:effectLst/>
-          </p:spPr>
-          <p:style>
-            <a:lnRef idx="1">
-              <a:schemeClr val="accent1"/>
-            </a:lnRef>
-            <a:fillRef idx="3">
-              <a:schemeClr val="accent1"/>
-            </a:fillRef>
-            <a:effectRef idx="2">
-              <a:schemeClr val="accent1"/>
-            </a:effectRef>
-            <a:fontRef idx="minor">
-              <a:schemeClr val="lt1"/>
-            </a:fontRef>
-          </p:style>
-        </p:sp>
-        <p:sp>
-          <p:nvSpPr>
-            <p:cNvPr id="19" name="Isosceles Triangle 18"/>
-            <p:cNvSpPr/>
-            <p:nvPr/>
-          </p:nvSpPr>
-          <p:spPr>
-            <a:xfrm rot="10800000">
-              <a:off x="0" y="0"/>
-              <a:ext cx="842596" cy="5666154"/>
-            </a:xfrm>
-            <a:prstGeom prst="triangle">
-              <a:avLst>
-                <a:gd name="adj" fmla="val 100000"/>
-              </a:avLst>
-            </a:prstGeom>
-            <a:solidFill>
-              <a:schemeClr val="accent1">
-                <a:alpha val="85000"/>
-              </a:schemeClr>
-            </a:solidFill>
-            <a:ln>
-              <a:noFill/>
-            </a:ln>
-            <a:effectLst/>
-          </p:spPr>
-          <p:style>
-            <a:lnRef idx="1">
-              <a:schemeClr val="accent1"/>
-            </a:lnRef>
-            <a:fillRef idx="3">
-              <a:schemeClr val="accent1"/>
-            </a:fillRef>
-            <a:effectRef idx="2">
-              <a:schemeClr val="accent1"/>
-            </a:effectRef>
-            <a:fontRef idx="minor">
-              <a:schemeClr val="lt1"/>
-            </a:fontRef>
-          </p:style>
-        </p:sp>
-      </p:grpSp>
-      <p:sp>
-        <p:nvSpPr>
-          <p:cNvPr id="2" name="Title 1"/>
-          <p:cNvSpPr>
-            <a:spLocks noGrp="1"/>
-          </p:cNvSpPr>
-          <p:nvPr>
-            <p:ph type="ctrTitle"/>
-          </p:nvPr>
         </p:nvSpPr>
         <p:spPr>
           <a:xfrm>
-            <a:off x="1507067" y="2404534"/>
-            <a:ext cx="7766936" cy="1646302"/>
+            <a:off x="3175" y="6400800"/>
+            <a:ext cx="12188825" cy="457200"/>
+          </a:xfrm>
+          <a:prstGeom prst="rect">
+            <a:avLst/>
+          </a:prstGeom>
+          <a:solidFill>
+            <a:schemeClr val="accent2"/>
+          </a:solidFill>
+          <a:ln>
+            <a:noFill/>
+          </a:ln>
+        </p:spPr>
+        <p:style>
+          <a:lnRef idx="2">
+            <a:schemeClr val="accent1">
+              <a:shade val="50000"/>
+            </a:schemeClr>
+          </a:lnRef>
+          <a:fillRef idx="1">
+            <a:schemeClr val="accent1"/>
+          </a:fillRef>
+          <a:effectRef idx="0">
+            <a:schemeClr val="accent1"/>
+          </a:effectRef>
+          <a:fontRef idx="minor">
+            <a:schemeClr val="lt1"/>
+          </a:fontRef>
+        </p:style>
+      </p:sp>
+      <p:sp>
+        <p:nvSpPr>
+          <p:cNvPr id="8" name="Rectangle 7"/>
+          <p:cNvSpPr/>
+          <p:nvPr/>
+        </p:nvSpPr>
+        <p:spPr>
+          <a:xfrm>
+            <a:off x="15" y="6334316"/>
+            <a:ext cx="12188825" cy="64008"/>
+          </a:xfrm>
+          <a:prstGeom prst="rect">
+            <a:avLst/>
+          </a:prstGeom>
+          <a:solidFill>
+            <a:schemeClr val="accent1"/>
+          </a:solidFill>
+          <a:ln>
+            <a:noFill/>
+          </a:ln>
+        </p:spPr>
+        <p:style>
+          <a:lnRef idx="2">
+            <a:schemeClr val="accent1">
+              <a:shade val="50000"/>
+            </a:schemeClr>
+          </a:lnRef>
+          <a:fillRef idx="1">
+            <a:schemeClr val="accent1"/>
+          </a:fillRef>
+          <a:effectRef idx="0">
+            <a:schemeClr val="accent1"/>
+          </a:effectRef>
+          <a:fontRef idx="minor">
+            <a:schemeClr val="lt1"/>
+          </a:fontRef>
+        </p:style>
+      </p:sp>
+      <p:sp>
+        <p:nvSpPr>
+          <p:cNvPr id="2" name="Title 1"/>
+          <p:cNvSpPr>
+            <a:spLocks noGrp="1"/>
+          </p:cNvSpPr>
+          <p:nvPr>
+            <p:ph type="ctrTitle"/>
+          </p:nvPr>
+        </p:nvSpPr>
+        <p:spPr>
+          <a:xfrm>
+            <a:off x="1097280" y="758952"/>
+            <a:ext cx="10058400" cy="3566160"/>
           </a:xfrm>
         </p:spPr>
         <p:txBody>
           <a:bodyPr anchor="b">
-            <a:noAutofit/>
+            <a:normAutofit/>
           </a:bodyPr>
           <a:lstStyle>
-            <a:lvl1pPr algn="r">
-              <a:defRPr sz="5400">
+            <a:lvl1pPr algn="l">
+              <a:lnSpc>
+                <a:spcPct val="85000"/>
+              </a:lnSpc>
+              <a:defRPr sz="8000" spc="-50" baseline="0">
                 <a:solidFill>
-                  <a:schemeClr val="accent1"/>
+                  <a:schemeClr val="tx1">
+                    <a:lumMod val="85000"/>
+                    <a:lumOff val="15000"/>
+                  </a:schemeClr>
                 </a:solidFill>
               </a:defRPr>
             </a:lvl1pPr>
@@ -1154,103 +706,55 @@
         </p:nvSpPr>
         <p:spPr>
           <a:xfrm>
-            <a:off x="1507067" y="4050833"/>
-            <a:ext cx="7766936" cy="1096899"/>
+            <a:off x="1100051" y="4455620"/>
+            <a:ext cx="10058400" cy="1143000"/>
           </a:xfrm>
         </p:spPr>
         <p:txBody>
-          <a:bodyPr anchor="t"/>
+          <a:bodyPr lIns="91440" rIns="91440">
+            <a:normAutofit/>
+          </a:bodyPr>
           <a:lstStyle>
-            <a:lvl1pPr marL="0" indent="0" algn="r">
-              <a:buNone/>
-              <a:defRPr>
+            <a:lvl1pPr marL="0" indent="0" algn="l">
+              <a:buNone/>
+              <a:defRPr sz="2400" cap="all" spc="200" baseline="0">
                 <a:solidFill>
-                  <a:schemeClr val="tx1">
-                    <a:lumMod val="50000"/>
-                    <a:lumOff val="50000"/>
-                  </a:schemeClr>
+                  <a:schemeClr val="tx2"/>
                 </a:solidFill>
+                <a:latin typeface="+mj-lt"/>
               </a:defRPr>
             </a:lvl1pPr>
             <a:lvl2pPr marL="457200" indent="0" algn="ctr">
               <a:buNone/>
-              <a:defRPr>
-                <a:solidFill>
-                  <a:schemeClr val="tx1">
-                    <a:tint val="75000"/>
-                  </a:schemeClr>
-                </a:solidFill>
-              </a:defRPr>
+              <a:defRPr sz="2400"/>
             </a:lvl2pPr>
             <a:lvl3pPr marL="914400" indent="0" algn="ctr">
               <a:buNone/>
-              <a:defRPr>
-                <a:solidFill>
-                  <a:schemeClr val="tx1">
-                    <a:tint val="75000"/>
-                  </a:schemeClr>
-                </a:solidFill>
-              </a:defRPr>
+              <a:defRPr sz="2400"/>
             </a:lvl3pPr>
             <a:lvl4pPr marL="1371600" indent="0" algn="ctr">
               <a:buNone/>
-              <a:defRPr>
-                <a:solidFill>
-                  <a:schemeClr val="tx1">
-                    <a:tint val="75000"/>
-                  </a:schemeClr>
-                </a:solidFill>
-              </a:defRPr>
+              <a:defRPr sz="2000"/>
             </a:lvl4pPr>
             <a:lvl5pPr marL="1828800" indent="0" algn="ctr">
               <a:buNone/>
-              <a:defRPr>
-                <a:solidFill>
-                  <a:schemeClr val="tx1">
-                    <a:tint val="75000"/>
-                  </a:schemeClr>
-                </a:solidFill>
-              </a:defRPr>
+              <a:defRPr sz="2000"/>
             </a:lvl5pPr>
             <a:lvl6pPr marL="2286000" indent="0" algn="ctr">
               <a:buNone/>
-              <a:defRPr>
-                <a:solidFill>
-                  <a:schemeClr val="tx1">
-                    <a:tint val="75000"/>
-                  </a:schemeClr>
-                </a:solidFill>
-              </a:defRPr>
+              <a:defRPr sz="2000"/>
             </a:lvl6pPr>
             <a:lvl7pPr marL="2743200" indent="0" algn="ctr">
               <a:buNone/>
-              <a:defRPr>
-                <a:solidFill>
-                  <a:schemeClr val="tx1">
-                    <a:tint val="75000"/>
-                  </a:schemeClr>
-                </a:solidFill>
-              </a:defRPr>
+              <a:defRPr sz="2000"/>
             </a:lvl7pPr>
             <a:lvl8pPr marL="3200400" indent="0" algn="ctr">
               <a:buNone/>
-              <a:defRPr>
-                <a:solidFill>
-                  <a:schemeClr val="tx1">
-                    <a:tint val="75000"/>
-                  </a:schemeClr>
-                </a:solidFill>
-              </a:defRPr>
+              <a:defRPr sz="2000"/>
             </a:lvl8pPr>
             <a:lvl9pPr marL="3657600" indent="0" algn="ctr">
               <a:buNone/>
-              <a:defRPr>
-                <a:solidFill>
-                  <a:schemeClr val="tx1">
-                    <a:tint val="75000"/>
-                  </a:schemeClr>
-                </a:solidFill>
-              </a:defRPr>
+              <a:defRPr sz="2000"/>
             </a:lvl9pPr>
           </a:lstStyle>
           <a:p>
@@ -1327,10 +831,48 @@
           </a:p>
         </p:txBody>
       </p:sp>
+      <p:cxnSp>
+        <p:nvCxnSpPr>
+          <p:cNvPr id="9" name="Straight Connector 8"/>
+          <p:cNvCxnSpPr/>
+          <p:nvPr/>
+        </p:nvCxnSpPr>
+        <p:spPr>
+          <a:xfrm>
+            <a:off x="1207658" y="4343400"/>
+            <a:ext cx="9875520" cy="0"/>
+          </a:xfrm>
+          <a:prstGeom prst="line">
+            <a:avLst/>
+          </a:prstGeom>
+          <a:ln w="6350">
+            <a:solidFill>
+              <a:schemeClr val="tx1">
+                <a:lumMod val="50000"/>
+                <a:lumOff val="50000"/>
+              </a:schemeClr>
+            </a:solidFill>
+          </a:ln>
+        </p:spPr>
+        <p:style>
+          <a:lnRef idx="1">
+            <a:schemeClr val="accent1"/>
+          </a:lnRef>
+          <a:fillRef idx="0">
+            <a:schemeClr val="accent1"/>
+          </a:fillRef>
+          <a:effectRef idx="0">
+            <a:schemeClr val="accent1"/>
+          </a:effectRef>
+          <a:fontRef idx="minor">
+            <a:schemeClr val="tx1"/>
+          </a:fontRef>
+        </p:style>
+      </p:cxnSp>
     </p:spTree>
     <p:extLst>
       <p:ext uri="{BB962C8B-B14F-4D97-AF65-F5344CB8AC3E}">
-        <p14:creationId xmlns:p14="http://schemas.microsoft.com/office/powerpoint/2010/main" val="2991904244"/>
+        <p14:creationId xmlns:p14="http://schemas.microsoft.com/office/powerpoint/2010/main" val="3403649177"/>
       </p:ext>
     </p:extLst>
   </p:cSld>
@@ -1341,1619 +883,6 @@
 </file>
 
 <file path=ppt/slideLayouts/slideLayout10.xml><?xml version="1.0" encoding="utf-8"?>
-<p:sldLayout xmlns:a="http://schemas.openxmlformats.org/drawingml/2006/main" xmlns:r="http://schemas.openxmlformats.org/officeDocument/2006/relationships" xmlns:p="http://schemas.openxmlformats.org/presentationml/2006/main" preserve="1">
-  <p:cSld name="Title and Caption">
-    <p:spTree>
-      <p:nvGrpSpPr>
-        <p:cNvPr id="1" name=""/>
-        <p:cNvGrpSpPr/>
-        <p:nvPr/>
-      </p:nvGrpSpPr>
-      <p:grpSpPr>
-        <a:xfrm>
-          <a:off x="0" y="0"/>
-          <a:ext cx="0" cy="0"/>
-          <a:chOff x="0" y="0"/>
-          <a:chExt cx="0" cy="0"/>
-        </a:xfrm>
-      </p:grpSpPr>
-      <p:sp>
-        <p:nvSpPr>
-          <p:cNvPr id="2" name="Title 1"/>
-          <p:cNvSpPr>
-            <a:spLocks noGrp="1"/>
-          </p:cNvSpPr>
-          <p:nvPr>
-            <p:ph type="title"/>
-          </p:nvPr>
-        </p:nvSpPr>
-        <p:spPr>
-          <a:xfrm>
-            <a:off x="677335" y="609600"/>
-            <a:ext cx="8596668" cy="3403600"/>
-          </a:xfrm>
-        </p:spPr>
-        <p:txBody>
-          <a:bodyPr anchor="ctr">
-            <a:normAutofit/>
-          </a:bodyPr>
-          <a:lstStyle>
-            <a:lvl1pPr algn="l">
-              <a:defRPr sz="4400" b="0" cap="none"/>
-            </a:lvl1pPr>
-          </a:lstStyle>
-          <a:p>
-            <a:r>
-              <a:rPr lang="en-US" smtClean="0"/>
-              <a:t>Click to edit Master title style</a:t>
-            </a:r>
-            <a:endParaRPr lang="en-US" dirty="0"/>
-          </a:p>
-        </p:txBody>
-      </p:sp>
-      <p:sp>
-        <p:nvSpPr>
-          <p:cNvPr id="3" name="Text Placeholder 2"/>
-          <p:cNvSpPr>
-            <a:spLocks noGrp="1"/>
-          </p:cNvSpPr>
-          <p:nvPr>
-            <p:ph type="body" idx="1"/>
-          </p:nvPr>
-        </p:nvSpPr>
-        <p:spPr>
-          <a:xfrm>
-            <a:off x="677335" y="4470400"/>
-            <a:ext cx="8596668" cy="1570962"/>
-          </a:xfrm>
-        </p:spPr>
-        <p:txBody>
-          <a:bodyPr anchor="ctr">
-            <a:normAutofit/>
-          </a:bodyPr>
-          <a:lstStyle>
-            <a:lvl1pPr marL="0" indent="0" algn="l">
-              <a:buNone/>
-              <a:defRPr sz="1800">
-                <a:solidFill>
-                  <a:schemeClr val="tx1">
-                    <a:lumMod val="75000"/>
-                    <a:lumOff val="25000"/>
-                  </a:schemeClr>
-                </a:solidFill>
-              </a:defRPr>
-            </a:lvl1pPr>
-            <a:lvl2pPr marL="457200" indent="0">
-              <a:buNone/>
-              <a:defRPr sz="1800">
-                <a:solidFill>
-                  <a:schemeClr val="tx1">
-                    <a:tint val="75000"/>
-                  </a:schemeClr>
-                </a:solidFill>
-              </a:defRPr>
-            </a:lvl2pPr>
-            <a:lvl3pPr marL="914400" indent="0">
-              <a:buNone/>
-              <a:defRPr sz="1600">
-                <a:solidFill>
-                  <a:schemeClr val="tx1">
-                    <a:tint val="75000"/>
-                  </a:schemeClr>
-                </a:solidFill>
-              </a:defRPr>
-            </a:lvl3pPr>
-            <a:lvl4pPr marL="1371600" indent="0">
-              <a:buNone/>
-              <a:defRPr sz="1400">
-                <a:solidFill>
-                  <a:schemeClr val="tx1">
-                    <a:tint val="75000"/>
-                  </a:schemeClr>
-                </a:solidFill>
-              </a:defRPr>
-            </a:lvl4pPr>
-            <a:lvl5pPr marL="1828800" indent="0">
-              <a:buNone/>
-              <a:defRPr sz="1400">
-                <a:solidFill>
-                  <a:schemeClr val="tx1">
-                    <a:tint val="75000"/>
-                  </a:schemeClr>
-                </a:solidFill>
-              </a:defRPr>
-            </a:lvl5pPr>
-            <a:lvl6pPr marL="2286000" indent="0">
-              <a:buNone/>
-              <a:defRPr sz="1400">
-                <a:solidFill>
-                  <a:schemeClr val="tx1">
-                    <a:tint val="75000"/>
-                  </a:schemeClr>
-                </a:solidFill>
-              </a:defRPr>
-            </a:lvl6pPr>
-            <a:lvl7pPr marL="2743200" indent="0">
-              <a:buNone/>
-              <a:defRPr sz="1400">
-                <a:solidFill>
-                  <a:schemeClr val="tx1">
-                    <a:tint val="75000"/>
-                  </a:schemeClr>
-                </a:solidFill>
-              </a:defRPr>
-            </a:lvl7pPr>
-            <a:lvl8pPr marL="3200400" indent="0">
-              <a:buNone/>
-              <a:defRPr sz="1400">
-                <a:solidFill>
-                  <a:schemeClr val="tx1">
-                    <a:tint val="75000"/>
-                  </a:schemeClr>
-                </a:solidFill>
-              </a:defRPr>
-            </a:lvl8pPr>
-            <a:lvl9pPr marL="3657600" indent="0">
-              <a:buNone/>
-              <a:defRPr sz="1400">
-                <a:solidFill>
-                  <a:schemeClr val="tx1">
-                    <a:tint val="75000"/>
-                  </a:schemeClr>
-                </a:solidFill>
-              </a:defRPr>
-            </a:lvl9pPr>
-          </a:lstStyle>
-          <a:p>
-            <a:pPr lvl="0"/>
-            <a:r>
-              <a:rPr lang="en-US" smtClean="0"/>
-              <a:t>Click to edit Master text styles</a:t>
-            </a:r>
-          </a:p>
-        </p:txBody>
-      </p:sp>
-      <p:sp>
-        <p:nvSpPr>
-          <p:cNvPr id="4" name="Date Placeholder 3"/>
-          <p:cNvSpPr>
-            <a:spLocks noGrp="1"/>
-          </p:cNvSpPr>
-          <p:nvPr>
-            <p:ph type="dt" sz="half" idx="10"/>
-          </p:nvPr>
-        </p:nvSpPr>
-        <p:spPr/>
-        <p:txBody>
-          <a:bodyPr/>
-          <a:lstStyle/>
-          <a:p>
-            <a:fld id="{C0FD0B5C-CE7F-4950-AA0C-34BF3742B9C4}" type="datetime1">
-              <a:rPr lang="en-US" smtClean="0"/>
-              <a:t>12/10/2014</a:t>
-            </a:fld>
-            <a:endParaRPr lang="en-US"/>
-          </a:p>
-        </p:txBody>
-      </p:sp>
-      <p:sp>
-        <p:nvSpPr>
-          <p:cNvPr id="5" name="Footer Placeholder 4"/>
-          <p:cNvSpPr>
-            <a:spLocks noGrp="1"/>
-          </p:cNvSpPr>
-          <p:nvPr>
-            <p:ph type="ftr" sz="quarter" idx="11"/>
-          </p:nvPr>
-        </p:nvSpPr>
-        <p:spPr/>
-        <p:txBody>
-          <a:bodyPr/>
-          <a:lstStyle/>
-          <a:p>
-            <a:endParaRPr lang="en-US"/>
-          </a:p>
-        </p:txBody>
-      </p:sp>
-      <p:sp>
-        <p:nvSpPr>
-          <p:cNvPr id="6" name="Slide Number Placeholder 5"/>
-          <p:cNvSpPr>
-            <a:spLocks noGrp="1"/>
-          </p:cNvSpPr>
-          <p:nvPr>
-            <p:ph type="sldNum" sz="quarter" idx="12"/>
-          </p:nvPr>
-        </p:nvSpPr>
-        <p:spPr/>
-        <p:txBody>
-          <a:bodyPr/>
-          <a:lstStyle/>
-          <a:p>
-            <a:fld id="{C67CCC65-C2A4-4966-8592-A835F56C992F}" type="slidenum">
-              <a:rPr lang="en-US" smtClean="0"/>
-              <a:t>‹#›</a:t>
-            </a:fld>
-            <a:endParaRPr lang="en-US"/>
-          </a:p>
-        </p:txBody>
-      </p:sp>
-    </p:spTree>
-    <p:extLst>
-      <p:ext uri="{BB962C8B-B14F-4D97-AF65-F5344CB8AC3E}">
-        <p14:creationId xmlns:p14="http://schemas.microsoft.com/office/powerpoint/2010/main" val="7996823"/>
-      </p:ext>
-    </p:extLst>
-  </p:cSld>
-  <p:clrMapOvr>
-    <a:masterClrMapping/>
-  </p:clrMapOvr>
-</p:sldLayout>
-</file>
-
-<file path=ppt/slideLayouts/slideLayout11.xml><?xml version="1.0" encoding="utf-8"?>
-<p:sldLayout xmlns:a="http://schemas.openxmlformats.org/drawingml/2006/main" xmlns:r="http://schemas.openxmlformats.org/officeDocument/2006/relationships" xmlns:p="http://schemas.openxmlformats.org/presentationml/2006/main" preserve="1">
-  <p:cSld name="Quote with Caption">
-    <p:spTree>
-      <p:nvGrpSpPr>
-        <p:cNvPr id="1" name=""/>
-        <p:cNvGrpSpPr/>
-        <p:nvPr/>
-      </p:nvGrpSpPr>
-      <p:grpSpPr>
-        <a:xfrm>
-          <a:off x="0" y="0"/>
-          <a:ext cx="0" cy="0"/>
-          <a:chOff x="0" y="0"/>
-          <a:chExt cx="0" cy="0"/>
-        </a:xfrm>
-      </p:grpSpPr>
-      <p:sp>
-        <p:nvSpPr>
-          <p:cNvPr id="2" name="Title 1"/>
-          <p:cNvSpPr>
-            <a:spLocks noGrp="1"/>
-          </p:cNvSpPr>
-          <p:nvPr>
-            <p:ph type="title"/>
-          </p:nvPr>
-        </p:nvSpPr>
-        <p:spPr>
-          <a:xfrm>
-            <a:off x="931334" y="609600"/>
-            <a:ext cx="8094134" cy="3022600"/>
-          </a:xfrm>
-        </p:spPr>
-        <p:txBody>
-          <a:bodyPr anchor="ctr">
-            <a:normAutofit/>
-          </a:bodyPr>
-          <a:lstStyle>
-            <a:lvl1pPr algn="l">
-              <a:defRPr sz="4400" b="0" cap="none"/>
-            </a:lvl1pPr>
-          </a:lstStyle>
-          <a:p>
-            <a:r>
-              <a:rPr lang="en-US" smtClean="0"/>
-              <a:t>Click to edit Master title style</a:t>
-            </a:r>
-            <a:endParaRPr lang="en-US" dirty="0"/>
-          </a:p>
-        </p:txBody>
-      </p:sp>
-      <p:sp>
-        <p:nvSpPr>
-          <p:cNvPr id="23" name="Text Placeholder 9"/>
-          <p:cNvSpPr>
-            <a:spLocks noGrp="1"/>
-          </p:cNvSpPr>
-          <p:nvPr>
-            <p:ph type="body" sz="quarter" idx="13"/>
-          </p:nvPr>
-        </p:nvSpPr>
-        <p:spPr>
-          <a:xfrm>
-            <a:off x="1366139" y="3632200"/>
-            <a:ext cx="7224524" cy="381000"/>
-          </a:xfrm>
-        </p:spPr>
-        <p:txBody>
-          <a:bodyPr anchor="ctr">
-            <a:noAutofit/>
-          </a:bodyPr>
-          <a:lstStyle>
-            <a:lvl1pPr marL="0" indent="0">
-              <a:buFontTx/>
-              <a:buNone/>
-              <a:defRPr sz="1600">
-                <a:solidFill>
-                  <a:schemeClr val="tx1">
-                    <a:lumMod val="50000"/>
-                    <a:lumOff val="50000"/>
-                  </a:schemeClr>
-                </a:solidFill>
-              </a:defRPr>
-            </a:lvl1pPr>
-            <a:lvl2pPr marL="457200" indent="0">
-              <a:buFontTx/>
-              <a:buNone/>
-              <a:defRPr/>
-            </a:lvl2pPr>
-            <a:lvl3pPr marL="914400" indent="0">
-              <a:buFontTx/>
-              <a:buNone/>
-              <a:defRPr/>
-            </a:lvl3pPr>
-            <a:lvl4pPr marL="1371600" indent="0">
-              <a:buFontTx/>
-              <a:buNone/>
-              <a:defRPr/>
-            </a:lvl4pPr>
-            <a:lvl5pPr marL="1828800" indent="0">
-              <a:buFontTx/>
-              <a:buNone/>
-              <a:defRPr/>
-            </a:lvl5pPr>
-          </a:lstStyle>
-          <a:p>
-            <a:pPr lvl="0"/>
-            <a:r>
-              <a:rPr lang="en-US" smtClean="0"/>
-              <a:t>Click to edit Master text styles</a:t>
-            </a:r>
-          </a:p>
-        </p:txBody>
-      </p:sp>
-      <p:sp>
-        <p:nvSpPr>
-          <p:cNvPr id="3" name="Text Placeholder 2"/>
-          <p:cNvSpPr>
-            <a:spLocks noGrp="1"/>
-          </p:cNvSpPr>
-          <p:nvPr>
-            <p:ph type="body" idx="1"/>
-          </p:nvPr>
-        </p:nvSpPr>
-        <p:spPr>
-          <a:xfrm>
-            <a:off x="677335" y="4470400"/>
-            <a:ext cx="8596668" cy="1570962"/>
-          </a:xfrm>
-        </p:spPr>
-        <p:txBody>
-          <a:bodyPr anchor="ctr">
-            <a:normAutofit/>
-          </a:bodyPr>
-          <a:lstStyle>
-            <a:lvl1pPr marL="0" indent="0" algn="l">
-              <a:buNone/>
-              <a:defRPr sz="1800">
-                <a:solidFill>
-                  <a:schemeClr val="tx1">
-                    <a:lumMod val="75000"/>
-                    <a:lumOff val="25000"/>
-                  </a:schemeClr>
-                </a:solidFill>
-              </a:defRPr>
-            </a:lvl1pPr>
-            <a:lvl2pPr marL="457200" indent="0">
-              <a:buNone/>
-              <a:defRPr sz="1800">
-                <a:solidFill>
-                  <a:schemeClr val="tx1">
-                    <a:tint val="75000"/>
-                  </a:schemeClr>
-                </a:solidFill>
-              </a:defRPr>
-            </a:lvl2pPr>
-            <a:lvl3pPr marL="914400" indent="0">
-              <a:buNone/>
-              <a:defRPr sz="1600">
-                <a:solidFill>
-                  <a:schemeClr val="tx1">
-                    <a:tint val="75000"/>
-                  </a:schemeClr>
-                </a:solidFill>
-              </a:defRPr>
-            </a:lvl3pPr>
-            <a:lvl4pPr marL="1371600" indent="0">
-              <a:buNone/>
-              <a:defRPr sz="1400">
-                <a:solidFill>
-                  <a:schemeClr val="tx1">
-                    <a:tint val="75000"/>
-                  </a:schemeClr>
-                </a:solidFill>
-              </a:defRPr>
-            </a:lvl4pPr>
-            <a:lvl5pPr marL="1828800" indent="0">
-              <a:buNone/>
-              <a:defRPr sz="1400">
-                <a:solidFill>
-                  <a:schemeClr val="tx1">
-                    <a:tint val="75000"/>
-                  </a:schemeClr>
-                </a:solidFill>
-              </a:defRPr>
-            </a:lvl5pPr>
-            <a:lvl6pPr marL="2286000" indent="0">
-              <a:buNone/>
-              <a:defRPr sz="1400">
-                <a:solidFill>
-                  <a:schemeClr val="tx1">
-                    <a:tint val="75000"/>
-                  </a:schemeClr>
-                </a:solidFill>
-              </a:defRPr>
-            </a:lvl6pPr>
-            <a:lvl7pPr marL="2743200" indent="0">
-              <a:buNone/>
-              <a:defRPr sz="1400">
-                <a:solidFill>
-                  <a:schemeClr val="tx1">
-                    <a:tint val="75000"/>
-                  </a:schemeClr>
-                </a:solidFill>
-              </a:defRPr>
-            </a:lvl7pPr>
-            <a:lvl8pPr marL="3200400" indent="0">
-              <a:buNone/>
-              <a:defRPr sz="1400">
-                <a:solidFill>
-                  <a:schemeClr val="tx1">
-                    <a:tint val="75000"/>
-                  </a:schemeClr>
-                </a:solidFill>
-              </a:defRPr>
-            </a:lvl8pPr>
-            <a:lvl9pPr marL="3657600" indent="0">
-              <a:buNone/>
-              <a:defRPr sz="1400">
-                <a:solidFill>
-                  <a:schemeClr val="tx1">
-                    <a:tint val="75000"/>
-                  </a:schemeClr>
-                </a:solidFill>
-              </a:defRPr>
-            </a:lvl9pPr>
-          </a:lstStyle>
-          <a:p>
-            <a:pPr lvl="0"/>
-            <a:r>
-              <a:rPr lang="en-US" smtClean="0"/>
-              <a:t>Click to edit Master text styles</a:t>
-            </a:r>
-          </a:p>
-        </p:txBody>
-      </p:sp>
-      <p:sp>
-        <p:nvSpPr>
-          <p:cNvPr id="4" name="Date Placeholder 3"/>
-          <p:cNvSpPr>
-            <a:spLocks noGrp="1"/>
-          </p:cNvSpPr>
-          <p:nvPr>
-            <p:ph type="dt" sz="half" idx="10"/>
-          </p:nvPr>
-        </p:nvSpPr>
-        <p:spPr/>
-        <p:txBody>
-          <a:bodyPr/>
-          <a:lstStyle/>
-          <a:p>
-            <a:fld id="{E1929E45-AB7E-47AF-AE0A-BB5FADB6BB11}" type="datetime1">
-              <a:rPr lang="en-US" smtClean="0"/>
-              <a:t>12/10/2014</a:t>
-            </a:fld>
-            <a:endParaRPr lang="en-US"/>
-          </a:p>
-        </p:txBody>
-      </p:sp>
-      <p:sp>
-        <p:nvSpPr>
-          <p:cNvPr id="5" name="Footer Placeholder 4"/>
-          <p:cNvSpPr>
-            <a:spLocks noGrp="1"/>
-          </p:cNvSpPr>
-          <p:nvPr>
-            <p:ph type="ftr" sz="quarter" idx="11"/>
-          </p:nvPr>
-        </p:nvSpPr>
-        <p:spPr/>
-        <p:txBody>
-          <a:bodyPr/>
-          <a:lstStyle/>
-          <a:p>
-            <a:endParaRPr lang="en-US"/>
-          </a:p>
-        </p:txBody>
-      </p:sp>
-      <p:sp>
-        <p:nvSpPr>
-          <p:cNvPr id="6" name="Slide Number Placeholder 5"/>
-          <p:cNvSpPr>
-            <a:spLocks noGrp="1"/>
-          </p:cNvSpPr>
-          <p:nvPr>
-            <p:ph type="sldNum" sz="quarter" idx="12"/>
-          </p:nvPr>
-        </p:nvSpPr>
-        <p:spPr/>
-        <p:txBody>
-          <a:bodyPr/>
-          <a:lstStyle/>
-          <a:p>
-            <a:fld id="{C67CCC65-C2A4-4966-8592-A835F56C992F}" type="slidenum">
-              <a:rPr lang="en-US" smtClean="0"/>
-              <a:t>‹#›</a:t>
-            </a:fld>
-            <a:endParaRPr lang="en-US"/>
-          </a:p>
-        </p:txBody>
-      </p:sp>
-      <p:sp>
-        <p:nvSpPr>
-          <p:cNvPr id="20" name="TextBox 19"/>
-          <p:cNvSpPr txBox="1"/>
-          <p:nvPr/>
-        </p:nvSpPr>
-        <p:spPr>
-          <a:xfrm>
-            <a:off x="541870" y="790378"/>
-            <a:ext cx="609600" cy="584776"/>
-          </a:xfrm>
-          <a:prstGeom prst="rect">
-            <a:avLst/>
-          </a:prstGeom>
-        </p:spPr>
-        <p:txBody>
-          <a:bodyPr vert="horz" lIns="91440" tIns="45720" rIns="91440" bIns="45720" rtlCol="0" anchor="ctr">
-            <a:noAutofit/>
-          </a:bodyPr>
-          <a:lstStyle/>
-          <a:p>
-            <a:pPr lvl="0"/>
-            <a:r>
-              <a:rPr lang="en-US" sz="8000" baseline="0" dirty="0">
-                <a:ln w="3175" cmpd="sng">
-                  <a:noFill/>
-                </a:ln>
-                <a:solidFill>
-                  <a:schemeClr val="accent1">
-                    <a:lumMod val="60000"/>
-                    <a:lumOff val="40000"/>
-                  </a:schemeClr>
-                </a:solidFill>
-                <a:effectLst/>
-                <a:latin typeface="Arial"/>
-              </a:rPr>
-              <a:t>“</a:t>
-            </a:r>
-          </a:p>
-        </p:txBody>
-      </p:sp>
-      <p:sp>
-        <p:nvSpPr>
-          <p:cNvPr id="22" name="TextBox 21"/>
-          <p:cNvSpPr txBox="1"/>
-          <p:nvPr/>
-        </p:nvSpPr>
-        <p:spPr>
-          <a:xfrm>
-            <a:off x="8893011" y="2886556"/>
-            <a:ext cx="609600" cy="584776"/>
-          </a:xfrm>
-          <a:prstGeom prst="rect">
-            <a:avLst/>
-          </a:prstGeom>
-        </p:spPr>
-        <p:txBody>
-          <a:bodyPr vert="horz" lIns="91440" tIns="45720" rIns="91440" bIns="45720" rtlCol="0" anchor="ctr">
-            <a:noAutofit/>
-          </a:bodyPr>
-          <a:lstStyle/>
-          <a:p>
-            <a:pPr lvl="0"/>
-            <a:r>
-              <a:rPr lang="en-US" sz="8000" baseline="0" dirty="0">
-                <a:ln w="3175" cmpd="sng">
-                  <a:noFill/>
-                </a:ln>
-                <a:solidFill>
-                  <a:schemeClr val="accent1">
-                    <a:lumMod val="60000"/>
-                    <a:lumOff val="40000"/>
-                  </a:schemeClr>
-                </a:solidFill>
-                <a:latin typeface="Arial"/>
-              </a:rPr>
-              <a:t>”</a:t>
-            </a:r>
-            <a:endParaRPr lang="en-US" dirty="0">
-              <a:solidFill>
-                <a:schemeClr val="accent1">
-                  <a:lumMod val="60000"/>
-                  <a:lumOff val="40000"/>
-                </a:schemeClr>
-              </a:solidFill>
-              <a:latin typeface="Arial"/>
-            </a:endParaRPr>
-          </a:p>
-        </p:txBody>
-      </p:sp>
-    </p:spTree>
-    <p:extLst>
-      <p:ext uri="{BB962C8B-B14F-4D97-AF65-F5344CB8AC3E}">
-        <p14:creationId xmlns:p14="http://schemas.microsoft.com/office/powerpoint/2010/main" val="3411157167"/>
-      </p:ext>
-    </p:extLst>
-  </p:cSld>
-  <p:clrMapOvr>
-    <a:masterClrMapping/>
-  </p:clrMapOvr>
-</p:sldLayout>
-</file>
-
-<file path=ppt/slideLayouts/slideLayout12.xml><?xml version="1.0" encoding="utf-8"?>
-<p:sldLayout xmlns:a="http://schemas.openxmlformats.org/drawingml/2006/main" xmlns:r="http://schemas.openxmlformats.org/officeDocument/2006/relationships" xmlns:p="http://schemas.openxmlformats.org/presentationml/2006/main" preserve="1">
-  <p:cSld name="Name Card">
-    <p:spTree>
-      <p:nvGrpSpPr>
-        <p:cNvPr id="1" name=""/>
-        <p:cNvGrpSpPr/>
-        <p:nvPr/>
-      </p:nvGrpSpPr>
-      <p:grpSpPr>
-        <a:xfrm>
-          <a:off x="0" y="0"/>
-          <a:ext cx="0" cy="0"/>
-          <a:chOff x="0" y="0"/>
-          <a:chExt cx="0" cy="0"/>
-        </a:xfrm>
-      </p:grpSpPr>
-      <p:sp>
-        <p:nvSpPr>
-          <p:cNvPr id="2" name="Title 1"/>
-          <p:cNvSpPr>
-            <a:spLocks noGrp="1"/>
-          </p:cNvSpPr>
-          <p:nvPr>
-            <p:ph type="title"/>
-          </p:nvPr>
-        </p:nvSpPr>
-        <p:spPr>
-          <a:xfrm>
-            <a:off x="677335" y="1931988"/>
-            <a:ext cx="8596668" cy="2595460"/>
-          </a:xfrm>
-        </p:spPr>
-        <p:txBody>
-          <a:bodyPr anchor="b">
-            <a:normAutofit/>
-          </a:bodyPr>
-          <a:lstStyle>
-            <a:lvl1pPr algn="l">
-              <a:defRPr sz="4400" b="0" cap="none"/>
-            </a:lvl1pPr>
-          </a:lstStyle>
-          <a:p>
-            <a:r>
-              <a:rPr lang="en-US" smtClean="0"/>
-              <a:t>Click to edit Master title style</a:t>
-            </a:r>
-            <a:endParaRPr lang="en-US" dirty="0"/>
-          </a:p>
-        </p:txBody>
-      </p:sp>
-      <p:sp>
-        <p:nvSpPr>
-          <p:cNvPr id="3" name="Text Placeholder 2"/>
-          <p:cNvSpPr>
-            <a:spLocks noGrp="1"/>
-          </p:cNvSpPr>
-          <p:nvPr>
-            <p:ph type="body" idx="1"/>
-          </p:nvPr>
-        </p:nvSpPr>
-        <p:spPr>
-          <a:xfrm>
-            <a:off x="677335" y="4527448"/>
-            <a:ext cx="8596668" cy="1513914"/>
-          </a:xfrm>
-        </p:spPr>
-        <p:txBody>
-          <a:bodyPr anchor="t">
-            <a:normAutofit/>
-          </a:bodyPr>
-          <a:lstStyle>
-            <a:lvl1pPr marL="0" indent="0" algn="l">
-              <a:buNone/>
-              <a:defRPr sz="1800">
-                <a:solidFill>
-                  <a:schemeClr val="tx1">
-                    <a:lumMod val="75000"/>
-                    <a:lumOff val="25000"/>
-                  </a:schemeClr>
-                </a:solidFill>
-              </a:defRPr>
-            </a:lvl1pPr>
-            <a:lvl2pPr marL="457200" indent="0">
-              <a:buNone/>
-              <a:defRPr sz="1800">
-                <a:solidFill>
-                  <a:schemeClr val="tx1">
-                    <a:tint val="75000"/>
-                  </a:schemeClr>
-                </a:solidFill>
-              </a:defRPr>
-            </a:lvl2pPr>
-            <a:lvl3pPr marL="914400" indent="0">
-              <a:buNone/>
-              <a:defRPr sz="1600">
-                <a:solidFill>
-                  <a:schemeClr val="tx1">
-                    <a:tint val="75000"/>
-                  </a:schemeClr>
-                </a:solidFill>
-              </a:defRPr>
-            </a:lvl3pPr>
-            <a:lvl4pPr marL="1371600" indent="0">
-              <a:buNone/>
-              <a:defRPr sz="1400">
-                <a:solidFill>
-                  <a:schemeClr val="tx1">
-                    <a:tint val="75000"/>
-                  </a:schemeClr>
-                </a:solidFill>
-              </a:defRPr>
-            </a:lvl4pPr>
-            <a:lvl5pPr marL="1828800" indent="0">
-              <a:buNone/>
-              <a:defRPr sz="1400">
-                <a:solidFill>
-                  <a:schemeClr val="tx1">
-                    <a:tint val="75000"/>
-                  </a:schemeClr>
-                </a:solidFill>
-              </a:defRPr>
-            </a:lvl5pPr>
-            <a:lvl6pPr marL="2286000" indent="0">
-              <a:buNone/>
-              <a:defRPr sz="1400">
-                <a:solidFill>
-                  <a:schemeClr val="tx1">
-                    <a:tint val="75000"/>
-                  </a:schemeClr>
-                </a:solidFill>
-              </a:defRPr>
-            </a:lvl6pPr>
-            <a:lvl7pPr marL="2743200" indent="0">
-              <a:buNone/>
-              <a:defRPr sz="1400">
-                <a:solidFill>
-                  <a:schemeClr val="tx1">
-                    <a:tint val="75000"/>
-                  </a:schemeClr>
-                </a:solidFill>
-              </a:defRPr>
-            </a:lvl7pPr>
-            <a:lvl8pPr marL="3200400" indent="0">
-              <a:buNone/>
-              <a:defRPr sz="1400">
-                <a:solidFill>
-                  <a:schemeClr val="tx1">
-                    <a:tint val="75000"/>
-                  </a:schemeClr>
-                </a:solidFill>
-              </a:defRPr>
-            </a:lvl8pPr>
-            <a:lvl9pPr marL="3657600" indent="0">
-              <a:buNone/>
-              <a:defRPr sz="1400">
-                <a:solidFill>
-                  <a:schemeClr val="tx1">
-                    <a:tint val="75000"/>
-                  </a:schemeClr>
-                </a:solidFill>
-              </a:defRPr>
-            </a:lvl9pPr>
-          </a:lstStyle>
-          <a:p>
-            <a:pPr lvl="0"/>
-            <a:r>
-              <a:rPr lang="en-US" smtClean="0"/>
-              <a:t>Click to edit Master text styles</a:t>
-            </a:r>
-          </a:p>
-        </p:txBody>
-      </p:sp>
-      <p:sp>
-        <p:nvSpPr>
-          <p:cNvPr id="4" name="Date Placeholder 3"/>
-          <p:cNvSpPr>
-            <a:spLocks noGrp="1"/>
-          </p:cNvSpPr>
-          <p:nvPr>
-            <p:ph type="dt" sz="half" idx="10"/>
-          </p:nvPr>
-        </p:nvSpPr>
-        <p:spPr/>
-        <p:txBody>
-          <a:bodyPr/>
-          <a:lstStyle/>
-          <a:p>
-            <a:fld id="{3D124A20-F0E3-44F2-B777-FF911F8E30C2}" type="datetime1">
-              <a:rPr lang="en-US" smtClean="0"/>
-              <a:t>12/10/2014</a:t>
-            </a:fld>
-            <a:endParaRPr lang="en-US"/>
-          </a:p>
-        </p:txBody>
-      </p:sp>
-      <p:sp>
-        <p:nvSpPr>
-          <p:cNvPr id="5" name="Footer Placeholder 4"/>
-          <p:cNvSpPr>
-            <a:spLocks noGrp="1"/>
-          </p:cNvSpPr>
-          <p:nvPr>
-            <p:ph type="ftr" sz="quarter" idx="11"/>
-          </p:nvPr>
-        </p:nvSpPr>
-        <p:spPr/>
-        <p:txBody>
-          <a:bodyPr/>
-          <a:lstStyle/>
-          <a:p>
-            <a:endParaRPr lang="en-US"/>
-          </a:p>
-        </p:txBody>
-      </p:sp>
-      <p:sp>
-        <p:nvSpPr>
-          <p:cNvPr id="6" name="Slide Number Placeholder 5"/>
-          <p:cNvSpPr>
-            <a:spLocks noGrp="1"/>
-          </p:cNvSpPr>
-          <p:nvPr>
-            <p:ph type="sldNum" sz="quarter" idx="12"/>
-          </p:nvPr>
-        </p:nvSpPr>
-        <p:spPr/>
-        <p:txBody>
-          <a:bodyPr/>
-          <a:lstStyle/>
-          <a:p>
-            <a:fld id="{C67CCC65-C2A4-4966-8592-A835F56C992F}" type="slidenum">
-              <a:rPr lang="en-US" smtClean="0"/>
-              <a:t>‹#›</a:t>
-            </a:fld>
-            <a:endParaRPr lang="en-US"/>
-          </a:p>
-        </p:txBody>
-      </p:sp>
-    </p:spTree>
-    <p:extLst>
-      <p:ext uri="{BB962C8B-B14F-4D97-AF65-F5344CB8AC3E}">
-        <p14:creationId xmlns:p14="http://schemas.microsoft.com/office/powerpoint/2010/main" val="1210177593"/>
-      </p:ext>
-    </p:extLst>
-  </p:cSld>
-  <p:clrMapOvr>
-    <a:masterClrMapping/>
-  </p:clrMapOvr>
-</p:sldLayout>
-</file>
-
-<file path=ppt/slideLayouts/slideLayout13.xml><?xml version="1.0" encoding="utf-8"?>
-<p:sldLayout xmlns:a="http://schemas.openxmlformats.org/drawingml/2006/main" xmlns:r="http://schemas.openxmlformats.org/officeDocument/2006/relationships" xmlns:p="http://schemas.openxmlformats.org/presentationml/2006/main" preserve="1">
-  <p:cSld name="Quote Name Card">
-    <p:spTree>
-      <p:nvGrpSpPr>
-        <p:cNvPr id="1" name=""/>
-        <p:cNvGrpSpPr/>
-        <p:nvPr/>
-      </p:nvGrpSpPr>
-      <p:grpSpPr>
-        <a:xfrm>
-          <a:off x="0" y="0"/>
-          <a:ext cx="0" cy="0"/>
-          <a:chOff x="0" y="0"/>
-          <a:chExt cx="0" cy="0"/>
-        </a:xfrm>
-      </p:grpSpPr>
-      <p:sp>
-        <p:nvSpPr>
-          <p:cNvPr id="2" name="Title 1"/>
-          <p:cNvSpPr>
-            <a:spLocks noGrp="1"/>
-          </p:cNvSpPr>
-          <p:nvPr>
-            <p:ph type="title"/>
-          </p:nvPr>
-        </p:nvSpPr>
-        <p:spPr>
-          <a:xfrm>
-            <a:off x="931334" y="609600"/>
-            <a:ext cx="8094134" cy="3022600"/>
-          </a:xfrm>
-        </p:spPr>
-        <p:txBody>
-          <a:bodyPr anchor="ctr">
-            <a:normAutofit/>
-          </a:bodyPr>
-          <a:lstStyle>
-            <a:lvl1pPr algn="l">
-              <a:defRPr sz="4400" b="0" cap="none"/>
-            </a:lvl1pPr>
-          </a:lstStyle>
-          <a:p>
-            <a:r>
-              <a:rPr lang="en-US" smtClean="0"/>
-              <a:t>Click to edit Master title style</a:t>
-            </a:r>
-            <a:endParaRPr lang="en-US" dirty="0"/>
-          </a:p>
-        </p:txBody>
-      </p:sp>
-      <p:sp>
-        <p:nvSpPr>
-          <p:cNvPr id="23" name="Text Placeholder 9"/>
-          <p:cNvSpPr>
-            <a:spLocks noGrp="1"/>
-          </p:cNvSpPr>
-          <p:nvPr>
-            <p:ph type="body" sz="quarter" idx="13"/>
-          </p:nvPr>
-        </p:nvSpPr>
-        <p:spPr>
-          <a:xfrm>
-            <a:off x="677332" y="4013200"/>
-            <a:ext cx="8596669" cy="514248"/>
-          </a:xfrm>
-        </p:spPr>
-        <p:txBody>
-          <a:bodyPr anchor="b">
-            <a:noAutofit/>
-          </a:bodyPr>
-          <a:lstStyle>
-            <a:lvl1pPr marL="0" indent="0">
-              <a:buFontTx/>
-              <a:buNone/>
-              <a:defRPr sz="2400">
-                <a:solidFill>
-                  <a:schemeClr val="tx1">
-                    <a:lumMod val="75000"/>
-                    <a:lumOff val="25000"/>
-                  </a:schemeClr>
-                </a:solidFill>
-              </a:defRPr>
-            </a:lvl1pPr>
-            <a:lvl2pPr marL="457200" indent="0">
-              <a:buFontTx/>
-              <a:buNone/>
-              <a:defRPr/>
-            </a:lvl2pPr>
-            <a:lvl3pPr marL="914400" indent="0">
-              <a:buFontTx/>
-              <a:buNone/>
-              <a:defRPr/>
-            </a:lvl3pPr>
-            <a:lvl4pPr marL="1371600" indent="0">
-              <a:buFontTx/>
-              <a:buNone/>
-              <a:defRPr/>
-            </a:lvl4pPr>
-            <a:lvl5pPr marL="1828800" indent="0">
-              <a:buFontTx/>
-              <a:buNone/>
-              <a:defRPr/>
-            </a:lvl5pPr>
-          </a:lstStyle>
-          <a:p>
-            <a:pPr lvl="0"/>
-            <a:r>
-              <a:rPr lang="en-US" smtClean="0"/>
-              <a:t>Click to edit Master text styles</a:t>
-            </a:r>
-          </a:p>
-        </p:txBody>
-      </p:sp>
-      <p:sp>
-        <p:nvSpPr>
-          <p:cNvPr id="3" name="Text Placeholder 2"/>
-          <p:cNvSpPr>
-            <a:spLocks noGrp="1"/>
-          </p:cNvSpPr>
-          <p:nvPr>
-            <p:ph type="body" idx="1"/>
-          </p:nvPr>
-        </p:nvSpPr>
-        <p:spPr>
-          <a:xfrm>
-            <a:off x="677335" y="4527448"/>
-            <a:ext cx="8596668" cy="1513914"/>
-          </a:xfrm>
-        </p:spPr>
-        <p:txBody>
-          <a:bodyPr anchor="t">
-            <a:normAutofit/>
-          </a:bodyPr>
-          <a:lstStyle>
-            <a:lvl1pPr marL="0" indent="0" algn="l">
-              <a:buNone/>
-              <a:defRPr sz="1800">
-                <a:solidFill>
-                  <a:schemeClr val="tx1">
-                    <a:lumMod val="50000"/>
-                    <a:lumOff val="50000"/>
-                  </a:schemeClr>
-                </a:solidFill>
-              </a:defRPr>
-            </a:lvl1pPr>
-            <a:lvl2pPr marL="457200" indent="0">
-              <a:buNone/>
-              <a:defRPr sz="1800">
-                <a:solidFill>
-                  <a:schemeClr val="tx1">
-                    <a:tint val="75000"/>
-                  </a:schemeClr>
-                </a:solidFill>
-              </a:defRPr>
-            </a:lvl2pPr>
-            <a:lvl3pPr marL="914400" indent="0">
-              <a:buNone/>
-              <a:defRPr sz="1600">
-                <a:solidFill>
-                  <a:schemeClr val="tx1">
-                    <a:tint val="75000"/>
-                  </a:schemeClr>
-                </a:solidFill>
-              </a:defRPr>
-            </a:lvl3pPr>
-            <a:lvl4pPr marL="1371600" indent="0">
-              <a:buNone/>
-              <a:defRPr sz="1400">
-                <a:solidFill>
-                  <a:schemeClr val="tx1">
-                    <a:tint val="75000"/>
-                  </a:schemeClr>
-                </a:solidFill>
-              </a:defRPr>
-            </a:lvl4pPr>
-            <a:lvl5pPr marL="1828800" indent="0">
-              <a:buNone/>
-              <a:defRPr sz="1400">
-                <a:solidFill>
-                  <a:schemeClr val="tx1">
-                    <a:tint val="75000"/>
-                  </a:schemeClr>
-                </a:solidFill>
-              </a:defRPr>
-            </a:lvl5pPr>
-            <a:lvl6pPr marL="2286000" indent="0">
-              <a:buNone/>
-              <a:defRPr sz="1400">
-                <a:solidFill>
-                  <a:schemeClr val="tx1">
-                    <a:tint val="75000"/>
-                  </a:schemeClr>
-                </a:solidFill>
-              </a:defRPr>
-            </a:lvl6pPr>
-            <a:lvl7pPr marL="2743200" indent="0">
-              <a:buNone/>
-              <a:defRPr sz="1400">
-                <a:solidFill>
-                  <a:schemeClr val="tx1">
-                    <a:tint val="75000"/>
-                  </a:schemeClr>
-                </a:solidFill>
-              </a:defRPr>
-            </a:lvl7pPr>
-            <a:lvl8pPr marL="3200400" indent="0">
-              <a:buNone/>
-              <a:defRPr sz="1400">
-                <a:solidFill>
-                  <a:schemeClr val="tx1">
-                    <a:tint val="75000"/>
-                  </a:schemeClr>
-                </a:solidFill>
-              </a:defRPr>
-            </a:lvl8pPr>
-            <a:lvl9pPr marL="3657600" indent="0">
-              <a:buNone/>
-              <a:defRPr sz="1400">
-                <a:solidFill>
-                  <a:schemeClr val="tx1">
-                    <a:tint val="75000"/>
-                  </a:schemeClr>
-                </a:solidFill>
-              </a:defRPr>
-            </a:lvl9pPr>
-          </a:lstStyle>
-          <a:p>
-            <a:pPr lvl="0"/>
-            <a:r>
-              <a:rPr lang="en-US" smtClean="0"/>
-              <a:t>Click to edit Master text styles</a:t>
-            </a:r>
-          </a:p>
-        </p:txBody>
-      </p:sp>
-      <p:sp>
-        <p:nvSpPr>
-          <p:cNvPr id="4" name="Date Placeholder 3"/>
-          <p:cNvSpPr>
-            <a:spLocks noGrp="1"/>
-          </p:cNvSpPr>
-          <p:nvPr>
-            <p:ph type="dt" sz="half" idx="10"/>
-          </p:nvPr>
-        </p:nvSpPr>
-        <p:spPr/>
-        <p:txBody>
-          <a:bodyPr/>
-          <a:lstStyle/>
-          <a:p>
-            <a:fld id="{EE2B668E-92B6-419A-8F83-B00B20DA4564}" type="datetime1">
-              <a:rPr lang="en-US" smtClean="0"/>
-              <a:t>12/10/2014</a:t>
-            </a:fld>
-            <a:endParaRPr lang="en-US"/>
-          </a:p>
-        </p:txBody>
-      </p:sp>
-      <p:sp>
-        <p:nvSpPr>
-          <p:cNvPr id="5" name="Footer Placeholder 4"/>
-          <p:cNvSpPr>
-            <a:spLocks noGrp="1"/>
-          </p:cNvSpPr>
-          <p:nvPr>
-            <p:ph type="ftr" sz="quarter" idx="11"/>
-          </p:nvPr>
-        </p:nvSpPr>
-        <p:spPr/>
-        <p:txBody>
-          <a:bodyPr/>
-          <a:lstStyle/>
-          <a:p>
-            <a:endParaRPr lang="en-US"/>
-          </a:p>
-        </p:txBody>
-      </p:sp>
-      <p:sp>
-        <p:nvSpPr>
-          <p:cNvPr id="6" name="Slide Number Placeholder 5"/>
-          <p:cNvSpPr>
-            <a:spLocks noGrp="1"/>
-          </p:cNvSpPr>
-          <p:nvPr>
-            <p:ph type="sldNum" sz="quarter" idx="12"/>
-          </p:nvPr>
-        </p:nvSpPr>
-        <p:spPr/>
-        <p:txBody>
-          <a:bodyPr/>
-          <a:lstStyle/>
-          <a:p>
-            <a:fld id="{C67CCC65-C2A4-4966-8592-A835F56C992F}" type="slidenum">
-              <a:rPr lang="en-US" smtClean="0"/>
-              <a:t>‹#›</a:t>
-            </a:fld>
-            <a:endParaRPr lang="en-US"/>
-          </a:p>
-        </p:txBody>
-      </p:sp>
-      <p:sp>
-        <p:nvSpPr>
-          <p:cNvPr id="24" name="TextBox 23"/>
-          <p:cNvSpPr txBox="1"/>
-          <p:nvPr/>
-        </p:nvSpPr>
-        <p:spPr>
-          <a:xfrm>
-            <a:off x="541870" y="790378"/>
-            <a:ext cx="609600" cy="584776"/>
-          </a:xfrm>
-          <a:prstGeom prst="rect">
-            <a:avLst/>
-          </a:prstGeom>
-        </p:spPr>
-        <p:txBody>
-          <a:bodyPr vert="horz" lIns="91440" tIns="45720" rIns="91440" bIns="45720" rtlCol="0" anchor="ctr">
-            <a:noAutofit/>
-          </a:bodyPr>
-          <a:lstStyle/>
-          <a:p>
-            <a:pPr lvl="0"/>
-            <a:r>
-              <a:rPr lang="en-US" sz="8000" baseline="0" dirty="0">
-                <a:ln w="3175" cmpd="sng">
-                  <a:noFill/>
-                </a:ln>
-                <a:solidFill>
-                  <a:schemeClr val="accent1">
-                    <a:lumMod val="60000"/>
-                    <a:lumOff val="40000"/>
-                  </a:schemeClr>
-                </a:solidFill>
-                <a:effectLst/>
-                <a:latin typeface="Arial"/>
-              </a:rPr>
-              <a:t>“</a:t>
-            </a:r>
-          </a:p>
-        </p:txBody>
-      </p:sp>
-      <p:sp>
-        <p:nvSpPr>
-          <p:cNvPr id="25" name="TextBox 24"/>
-          <p:cNvSpPr txBox="1"/>
-          <p:nvPr/>
-        </p:nvSpPr>
-        <p:spPr>
-          <a:xfrm>
-            <a:off x="8893011" y="2886556"/>
-            <a:ext cx="609600" cy="584776"/>
-          </a:xfrm>
-          <a:prstGeom prst="rect">
-            <a:avLst/>
-          </a:prstGeom>
-        </p:spPr>
-        <p:txBody>
-          <a:bodyPr vert="horz" lIns="91440" tIns="45720" rIns="91440" bIns="45720" rtlCol="0" anchor="ctr">
-            <a:noAutofit/>
-          </a:bodyPr>
-          <a:lstStyle/>
-          <a:p>
-            <a:pPr lvl="0"/>
-            <a:r>
-              <a:rPr lang="en-US" sz="8000" baseline="0" dirty="0">
-                <a:ln w="3175" cmpd="sng">
-                  <a:noFill/>
-                </a:ln>
-                <a:solidFill>
-                  <a:schemeClr val="accent1">
-                    <a:lumMod val="60000"/>
-                    <a:lumOff val="40000"/>
-                  </a:schemeClr>
-                </a:solidFill>
-                <a:effectLst/>
-                <a:latin typeface="Arial"/>
-              </a:rPr>
-              <a:t>”</a:t>
-            </a:r>
-          </a:p>
-        </p:txBody>
-      </p:sp>
-    </p:spTree>
-    <p:extLst>
-      <p:ext uri="{BB962C8B-B14F-4D97-AF65-F5344CB8AC3E}">
-        <p14:creationId xmlns:p14="http://schemas.microsoft.com/office/powerpoint/2010/main" val="1371446287"/>
-      </p:ext>
-    </p:extLst>
-  </p:cSld>
-  <p:clrMapOvr>
-    <a:masterClrMapping/>
-  </p:clrMapOvr>
-</p:sldLayout>
-</file>
-
-<file path=ppt/slideLayouts/slideLayout14.xml><?xml version="1.0" encoding="utf-8"?>
-<p:sldLayout xmlns:a="http://schemas.openxmlformats.org/drawingml/2006/main" xmlns:r="http://schemas.openxmlformats.org/officeDocument/2006/relationships" xmlns:p="http://schemas.openxmlformats.org/presentationml/2006/main" preserve="1">
-  <p:cSld name="True or False">
-    <p:spTree>
-      <p:nvGrpSpPr>
-        <p:cNvPr id="1" name=""/>
-        <p:cNvGrpSpPr/>
-        <p:nvPr/>
-      </p:nvGrpSpPr>
-      <p:grpSpPr>
-        <a:xfrm>
-          <a:off x="0" y="0"/>
-          <a:ext cx="0" cy="0"/>
-          <a:chOff x="0" y="0"/>
-          <a:chExt cx="0" cy="0"/>
-        </a:xfrm>
-      </p:grpSpPr>
-      <p:sp>
-        <p:nvSpPr>
-          <p:cNvPr id="2" name="Title 1"/>
-          <p:cNvSpPr>
-            <a:spLocks noGrp="1"/>
-          </p:cNvSpPr>
-          <p:nvPr>
-            <p:ph type="title"/>
-          </p:nvPr>
-        </p:nvSpPr>
-        <p:spPr>
-          <a:xfrm>
-            <a:off x="685799" y="609600"/>
-            <a:ext cx="8588203" cy="3022600"/>
-          </a:xfrm>
-        </p:spPr>
-        <p:txBody>
-          <a:bodyPr anchor="ctr">
-            <a:normAutofit/>
-          </a:bodyPr>
-          <a:lstStyle>
-            <a:lvl1pPr algn="l">
-              <a:defRPr sz="4400" b="0" cap="none"/>
-            </a:lvl1pPr>
-          </a:lstStyle>
-          <a:p>
-            <a:r>
-              <a:rPr lang="en-US" smtClean="0"/>
-              <a:t>Click to edit Master title style</a:t>
-            </a:r>
-            <a:endParaRPr lang="en-US" dirty="0"/>
-          </a:p>
-        </p:txBody>
-      </p:sp>
-      <p:sp>
-        <p:nvSpPr>
-          <p:cNvPr id="23" name="Text Placeholder 9"/>
-          <p:cNvSpPr>
-            <a:spLocks noGrp="1"/>
-          </p:cNvSpPr>
-          <p:nvPr>
-            <p:ph type="body" sz="quarter" idx="13"/>
-          </p:nvPr>
-        </p:nvSpPr>
-        <p:spPr>
-          <a:xfrm>
-            <a:off x="677332" y="4013200"/>
-            <a:ext cx="8596669" cy="514248"/>
-          </a:xfrm>
-        </p:spPr>
-        <p:txBody>
-          <a:bodyPr anchor="b">
-            <a:noAutofit/>
-          </a:bodyPr>
-          <a:lstStyle>
-            <a:lvl1pPr marL="0" indent="0">
-              <a:buFontTx/>
-              <a:buNone/>
-              <a:defRPr sz="2400">
-                <a:solidFill>
-                  <a:schemeClr val="accent1"/>
-                </a:solidFill>
-              </a:defRPr>
-            </a:lvl1pPr>
-            <a:lvl2pPr marL="457200" indent="0">
-              <a:buFontTx/>
-              <a:buNone/>
-              <a:defRPr/>
-            </a:lvl2pPr>
-            <a:lvl3pPr marL="914400" indent="0">
-              <a:buFontTx/>
-              <a:buNone/>
-              <a:defRPr/>
-            </a:lvl3pPr>
-            <a:lvl4pPr marL="1371600" indent="0">
-              <a:buFontTx/>
-              <a:buNone/>
-              <a:defRPr/>
-            </a:lvl4pPr>
-            <a:lvl5pPr marL="1828800" indent="0">
-              <a:buFontTx/>
-              <a:buNone/>
-              <a:defRPr/>
-            </a:lvl5pPr>
-          </a:lstStyle>
-          <a:p>
-            <a:pPr lvl="0"/>
-            <a:r>
-              <a:rPr lang="en-US" smtClean="0"/>
-              <a:t>Click to edit Master text styles</a:t>
-            </a:r>
-          </a:p>
-        </p:txBody>
-      </p:sp>
-      <p:sp>
-        <p:nvSpPr>
-          <p:cNvPr id="3" name="Text Placeholder 2"/>
-          <p:cNvSpPr>
-            <a:spLocks noGrp="1"/>
-          </p:cNvSpPr>
-          <p:nvPr>
-            <p:ph type="body" idx="1"/>
-          </p:nvPr>
-        </p:nvSpPr>
-        <p:spPr>
-          <a:xfrm>
-            <a:off x="677335" y="4527448"/>
-            <a:ext cx="8596668" cy="1513914"/>
-          </a:xfrm>
-        </p:spPr>
-        <p:txBody>
-          <a:bodyPr anchor="t">
-            <a:normAutofit/>
-          </a:bodyPr>
-          <a:lstStyle>
-            <a:lvl1pPr marL="0" indent="0" algn="l">
-              <a:buNone/>
-              <a:defRPr sz="1800">
-                <a:solidFill>
-                  <a:schemeClr val="tx1">
-                    <a:lumMod val="50000"/>
-                    <a:lumOff val="50000"/>
-                  </a:schemeClr>
-                </a:solidFill>
-              </a:defRPr>
-            </a:lvl1pPr>
-            <a:lvl2pPr marL="457200" indent="0">
-              <a:buNone/>
-              <a:defRPr sz="1800">
-                <a:solidFill>
-                  <a:schemeClr val="tx1">
-                    <a:tint val="75000"/>
-                  </a:schemeClr>
-                </a:solidFill>
-              </a:defRPr>
-            </a:lvl2pPr>
-            <a:lvl3pPr marL="914400" indent="0">
-              <a:buNone/>
-              <a:defRPr sz="1600">
-                <a:solidFill>
-                  <a:schemeClr val="tx1">
-                    <a:tint val="75000"/>
-                  </a:schemeClr>
-                </a:solidFill>
-              </a:defRPr>
-            </a:lvl3pPr>
-            <a:lvl4pPr marL="1371600" indent="0">
-              <a:buNone/>
-              <a:defRPr sz="1400">
-                <a:solidFill>
-                  <a:schemeClr val="tx1">
-                    <a:tint val="75000"/>
-                  </a:schemeClr>
-                </a:solidFill>
-              </a:defRPr>
-            </a:lvl4pPr>
-            <a:lvl5pPr marL="1828800" indent="0">
-              <a:buNone/>
-              <a:defRPr sz="1400">
-                <a:solidFill>
-                  <a:schemeClr val="tx1">
-                    <a:tint val="75000"/>
-                  </a:schemeClr>
-                </a:solidFill>
-              </a:defRPr>
-            </a:lvl5pPr>
-            <a:lvl6pPr marL="2286000" indent="0">
-              <a:buNone/>
-              <a:defRPr sz="1400">
-                <a:solidFill>
-                  <a:schemeClr val="tx1">
-                    <a:tint val="75000"/>
-                  </a:schemeClr>
-                </a:solidFill>
-              </a:defRPr>
-            </a:lvl6pPr>
-            <a:lvl7pPr marL="2743200" indent="0">
-              <a:buNone/>
-              <a:defRPr sz="1400">
-                <a:solidFill>
-                  <a:schemeClr val="tx1">
-                    <a:tint val="75000"/>
-                  </a:schemeClr>
-                </a:solidFill>
-              </a:defRPr>
-            </a:lvl7pPr>
-            <a:lvl8pPr marL="3200400" indent="0">
-              <a:buNone/>
-              <a:defRPr sz="1400">
-                <a:solidFill>
-                  <a:schemeClr val="tx1">
-                    <a:tint val="75000"/>
-                  </a:schemeClr>
-                </a:solidFill>
-              </a:defRPr>
-            </a:lvl8pPr>
-            <a:lvl9pPr marL="3657600" indent="0">
-              <a:buNone/>
-              <a:defRPr sz="1400">
-                <a:solidFill>
-                  <a:schemeClr val="tx1">
-                    <a:tint val="75000"/>
-                  </a:schemeClr>
-                </a:solidFill>
-              </a:defRPr>
-            </a:lvl9pPr>
-          </a:lstStyle>
-          <a:p>
-            <a:pPr lvl="0"/>
-            <a:r>
-              <a:rPr lang="en-US" smtClean="0"/>
-              <a:t>Click to edit Master text styles</a:t>
-            </a:r>
-          </a:p>
-        </p:txBody>
-      </p:sp>
-      <p:sp>
-        <p:nvSpPr>
-          <p:cNvPr id="4" name="Date Placeholder 3"/>
-          <p:cNvSpPr>
-            <a:spLocks noGrp="1"/>
-          </p:cNvSpPr>
-          <p:nvPr>
-            <p:ph type="dt" sz="half" idx="10"/>
-          </p:nvPr>
-        </p:nvSpPr>
-        <p:spPr/>
-        <p:txBody>
-          <a:bodyPr/>
-          <a:lstStyle/>
-          <a:p>
-            <a:fld id="{91CD09FC-B3EE-46EE-B89B-C6DFE3A03082}" type="datetime1">
-              <a:rPr lang="en-US" smtClean="0"/>
-              <a:t>12/10/2014</a:t>
-            </a:fld>
-            <a:endParaRPr lang="en-US"/>
-          </a:p>
-        </p:txBody>
-      </p:sp>
-      <p:sp>
-        <p:nvSpPr>
-          <p:cNvPr id="5" name="Footer Placeholder 4"/>
-          <p:cNvSpPr>
-            <a:spLocks noGrp="1"/>
-          </p:cNvSpPr>
-          <p:nvPr>
-            <p:ph type="ftr" sz="quarter" idx="11"/>
-          </p:nvPr>
-        </p:nvSpPr>
-        <p:spPr/>
-        <p:txBody>
-          <a:bodyPr/>
-          <a:lstStyle/>
-          <a:p>
-            <a:endParaRPr lang="en-US"/>
-          </a:p>
-        </p:txBody>
-      </p:sp>
-      <p:sp>
-        <p:nvSpPr>
-          <p:cNvPr id="6" name="Slide Number Placeholder 5"/>
-          <p:cNvSpPr>
-            <a:spLocks noGrp="1"/>
-          </p:cNvSpPr>
-          <p:nvPr>
-            <p:ph type="sldNum" sz="quarter" idx="12"/>
-          </p:nvPr>
-        </p:nvSpPr>
-        <p:spPr/>
-        <p:txBody>
-          <a:bodyPr/>
-          <a:lstStyle/>
-          <a:p>
-            <a:fld id="{C67CCC65-C2A4-4966-8592-A835F56C992F}" type="slidenum">
-              <a:rPr lang="en-US" smtClean="0"/>
-              <a:t>‹#›</a:t>
-            </a:fld>
-            <a:endParaRPr lang="en-US"/>
-          </a:p>
-        </p:txBody>
-      </p:sp>
-    </p:spTree>
-    <p:extLst>
-      <p:ext uri="{BB962C8B-B14F-4D97-AF65-F5344CB8AC3E}">
-        <p14:creationId xmlns:p14="http://schemas.microsoft.com/office/powerpoint/2010/main" val="232754907"/>
-      </p:ext>
-    </p:extLst>
-  </p:cSld>
-  <p:clrMapOvr>
-    <a:masterClrMapping/>
-  </p:clrMapOvr>
-</p:sldLayout>
-</file>
-
-<file path=ppt/slideLayouts/slideLayout15.xml><?xml version="1.0" encoding="utf-8"?>
 <p:sldLayout xmlns:a="http://schemas.openxmlformats.org/drawingml/2006/main" xmlns:r="http://schemas.openxmlformats.org/officeDocument/2006/relationships" xmlns:p="http://schemas.openxmlformats.org/presentationml/2006/main" type="vertTx" preserve="1">
   <p:cSld name="Title and Vertical Text">
     <p:spTree>
@@ -3005,7 +934,7 @@
         </p:nvSpPr>
         <p:spPr/>
         <p:txBody>
-          <a:bodyPr vert="eaVert"/>
+          <a:bodyPr vert="eaVert" lIns="45720" tIns="0" rIns="45720" bIns="0"/>
           <a:lstStyle/>
           <a:p>
             <a:pPr lvl="0"/>
@@ -3113,7 +1042,7 @@
     </p:spTree>
     <p:extLst>
       <p:ext uri="{BB962C8B-B14F-4D97-AF65-F5344CB8AC3E}">
-        <p14:creationId xmlns:p14="http://schemas.microsoft.com/office/powerpoint/2010/main" val="398506713"/>
+        <p14:creationId xmlns:p14="http://schemas.microsoft.com/office/powerpoint/2010/main" val="2923023155"/>
       </p:ext>
     </p:extLst>
   </p:cSld>
@@ -3123,8 +1052,8 @@
 </p:sldLayout>
 </file>
 
-<file path=ppt/slideLayouts/slideLayout16.xml><?xml version="1.0" encoding="utf-8"?>
-<p:sldLayout xmlns:a="http://schemas.openxmlformats.org/drawingml/2006/main" xmlns:r="http://schemas.openxmlformats.org/officeDocument/2006/relationships" xmlns:p="http://schemas.openxmlformats.org/presentationml/2006/main" type="vertTitleAndTx" preserve="1">
+<file path=ppt/slideLayouts/slideLayout11.xml><?xml version="1.0" encoding="utf-8"?>
+<p:sldLayout xmlns:a="http://schemas.openxmlformats.org/drawingml/2006/main" xmlns:r="http://schemas.openxmlformats.org/officeDocument/2006/relationships" xmlns:p="http://schemas.openxmlformats.org/presentationml/2006/main" showMasterSp="0" type="vertTitleAndTx" preserve="1">
   <p:cSld name="Vertical Title and Text">
     <p:spTree>
       <p:nvGrpSpPr>
@@ -3142,22 +1071,98 @@
       </p:grpSpPr>
       <p:sp>
         <p:nvSpPr>
-          <p:cNvPr id="2" name="Vertical Title 1"/>
-          <p:cNvSpPr>
-            <a:spLocks noGrp="1"/>
-          </p:cNvSpPr>
-          <p:nvPr>
-            <p:ph type="title" orient="vert"/>
-          </p:nvPr>
+          <p:cNvPr id="7" name="Rectangle 6"/>
+          <p:cNvSpPr/>
+          <p:nvPr/>
         </p:nvSpPr>
         <p:spPr>
           <a:xfrm>
-            <a:off x="7967673" y="609599"/>
-            <a:ext cx="1304743" cy="5251451"/>
+            <a:off x="3175" y="6400800"/>
+            <a:ext cx="12188825" cy="457200"/>
+          </a:xfrm>
+          <a:prstGeom prst="rect">
+            <a:avLst/>
+          </a:prstGeom>
+          <a:solidFill>
+            <a:schemeClr val="accent2"/>
+          </a:solidFill>
+          <a:ln>
+            <a:noFill/>
+          </a:ln>
+        </p:spPr>
+        <p:style>
+          <a:lnRef idx="2">
+            <a:schemeClr val="accent1">
+              <a:shade val="50000"/>
+            </a:schemeClr>
+          </a:lnRef>
+          <a:fillRef idx="1">
+            <a:schemeClr val="accent1"/>
+          </a:fillRef>
+          <a:effectRef idx="0">
+            <a:schemeClr val="accent1"/>
+          </a:effectRef>
+          <a:fontRef idx="minor">
+            <a:schemeClr val="lt1"/>
+          </a:fontRef>
+        </p:style>
+      </p:sp>
+      <p:sp>
+        <p:nvSpPr>
+          <p:cNvPr id="8" name="Rectangle 7"/>
+          <p:cNvSpPr/>
+          <p:nvPr/>
+        </p:nvSpPr>
+        <p:spPr>
+          <a:xfrm>
+            <a:off x="15" y="6334316"/>
+            <a:ext cx="12188825" cy="64008"/>
+          </a:xfrm>
+          <a:prstGeom prst="rect">
+            <a:avLst/>
+          </a:prstGeom>
+          <a:solidFill>
+            <a:schemeClr val="accent1"/>
+          </a:solidFill>
+          <a:ln>
+            <a:noFill/>
+          </a:ln>
+        </p:spPr>
+        <p:style>
+          <a:lnRef idx="2">
+            <a:schemeClr val="accent1">
+              <a:shade val="50000"/>
+            </a:schemeClr>
+          </a:lnRef>
+          <a:fillRef idx="1">
+            <a:schemeClr val="accent1"/>
+          </a:fillRef>
+          <a:effectRef idx="0">
+            <a:schemeClr val="accent1"/>
+          </a:effectRef>
+          <a:fontRef idx="minor">
+            <a:schemeClr val="lt1"/>
+          </a:fontRef>
+        </p:style>
+      </p:sp>
+      <p:sp>
+        <p:nvSpPr>
+          <p:cNvPr id="2" name="Vertical Title 1"/>
+          <p:cNvSpPr>
+            <a:spLocks noGrp="1"/>
+          </p:cNvSpPr>
+          <p:nvPr>
+            <p:ph type="title" orient="vert"/>
+          </p:nvPr>
+        </p:nvSpPr>
+        <p:spPr>
+          <a:xfrm>
+            <a:off x="8724900" y="414778"/>
+            <a:ext cx="2628900" cy="5757421"/>
           </a:xfrm>
         </p:spPr>
         <p:txBody>
-          <a:bodyPr vert="eaVert" anchor="ctr"/>
+          <a:bodyPr vert="eaVert"/>
           <a:lstStyle/>
           <a:p>
             <a:r>
@@ -3180,12 +1185,12 @@
         </p:nvSpPr>
         <p:spPr>
           <a:xfrm>
-            <a:off x="677335" y="609600"/>
-            <a:ext cx="7060150" cy="5251450"/>
+            <a:off x="838200" y="414778"/>
+            <a:ext cx="7734300" cy="5757422"/>
           </a:xfrm>
         </p:spPr>
         <p:txBody>
-          <a:bodyPr vert="eaVert"/>
+          <a:bodyPr vert="eaVert" lIns="45720" tIns="0" rIns="45720" bIns="0"/>
           <a:lstStyle/>
           <a:p>
             <a:pPr lvl="0"/>
@@ -3293,7 +1298,7 @@
     </p:spTree>
     <p:extLst>
       <p:ext uri="{BB962C8B-B14F-4D97-AF65-F5344CB8AC3E}">
-        <p14:creationId xmlns:p14="http://schemas.microsoft.com/office/powerpoint/2010/main" val="2207529252"/>
+        <p14:creationId xmlns:p14="http://schemas.microsoft.com/office/powerpoint/2010/main" val="142804196"/>
       </p:ext>
     </p:extLst>
   </p:cSld>
@@ -3332,12 +1337,10 @@
         </p:nvSpPr>
         <p:spPr/>
         <p:txBody>
-          <a:bodyPr>
-            <a:normAutofit/>
-          </a:bodyPr>
+          <a:bodyPr/>
           <a:lstStyle>
-            <a:lvl1pPr>
-              <a:defRPr sz="3600"/>
+            <a:lvl1pPr marL="0">
+              <a:defRPr/>
             </a:lvl1pPr>
           </a:lstStyle>
           <a:p>
@@ -3469,7 +1472,7 @@
     </p:spTree>
     <p:extLst>
       <p:ext uri="{BB962C8B-B14F-4D97-AF65-F5344CB8AC3E}">
-        <p14:creationId xmlns:p14="http://schemas.microsoft.com/office/powerpoint/2010/main" val="1317247357"/>
+        <p14:creationId xmlns:p14="http://schemas.microsoft.com/office/powerpoint/2010/main" val="2884137678"/>
       </p:ext>
     </p:extLst>
   </p:cSld>
@@ -3480,8 +1483,16 @@
 </file>
 
 <file path=ppt/slideLayouts/slideLayout3.xml><?xml version="1.0" encoding="utf-8"?>
-<p:sldLayout xmlns:a="http://schemas.openxmlformats.org/drawingml/2006/main" xmlns:r="http://schemas.openxmlformats.org/officeDocument/2006/relationships" xmlns:p="http://schemas.openxmlformats.org/presentationml/2006/main" type="secHead" preserve="1">
+<p:sldLayout xmlns:a="http://schemas.openxmlformats.org/drawingml/2006/main" xmlns:r="http://schemas.openxmlformats.org/officeDocument/2006/relationships" xmlns:p="http://schemas.openxmlformats.org/presentationml/2006/main" showMasterSp="0" type="secHead" preserve="1">
   <p:cSld name="Section Header">
+    <p:bg>
+      <p:bgPr>
+        <a:solidFill>
+          <a:schemeClr val="bg1"/>
+        </a:solidFill>
+        <a:effectLst/>
+      </p:bgPr>
+    </p:bg>
     <p:spTree>
       <p:nvGrpSpPr>
         <p:cNvPr id="1" name=""/>
@@ -3498,25 +1509,113 @@
       </p:grpSpPr>
       <p:sp>
         <p:nvSpPr>
-          <p:cNvPr id="2" name="Title 1"/>
-          <p:cNvSpPr>
-            <a:spLocks noGrp="1"/>
-          </p:cNvSpPr>
-          <p:nvPr>
-            <p:ph type="title"/>
-          </p:nvPr>
+          <p:cNvPr id="7" name="Rectangle 6"/>
+          <p:cNvSpPr/>
+          <p:nvPr/>
         </p:nvSpPr>
         <p:spPr>
           <a:xfrm>
-            <a:off x="677335" y="2700867"/>
-            <a:ext cx="8596668" cy="1826581"/>
+            <a:off x="3175" y="6400800"/>
+            <a:ext cx="12188825" cy="457200"/>
+          </a:xfrm>
+          <a:prstGeom prst="rect">
+            <a:avLst/>
+          </a:prstGeom>
+          <a:solidFill>
+            <a:schemeClr val="accent2"/>
+          </a:solidFill>
+          <a:ln>
+            <a:noFill/>
+          </a:ln>
+        </p:spPr>
+        <p:style>
+          <a:lnRef idx="2">
+            <a:schemeClr val="accent1">
+              <a:shade val="50000"/>
+            </a:schemeClr>
+          </a:lnRef>
+          <a:fillRef idx="1">
+            <a:schemeClr val="accent1"/>
+          </a:fillRef>
+          <a:effectRef idx="0">
+            <a:schemeClr val="accent1"/>
+          </a:effectRef>
+          <a:fontRef idx="minor">
+            <a:schemeClr val="lt1"/>
+          </a:fontRef>
+        </p:style>
+      </p:sp>
+      <p:sp>
+        <p:nvSpPr>
+          <p:cNvPr id="8" name="Rectangle 7"/>
+          <p:cNvSpPr/>
+          <p:nvPr/>
+        </p:nvSpPr>
+        <p:spPr>
+          <a:xfrm>
+            <a:off x="15" y="6334316"/>
+            <a:ext cx="12188825" cy="64008"/>
+          </a:xfrm>
+          <a:prstGeom prst="rect">
+            <a:avLst/>
+          </a:prstGeom>
+          <a:solidFill>
+            <a:schemeClr val="accent1"/>
+          </a:solidFill>
+          <a:ln>
+            <a:noFill/>
+          </a:ln>
+        </p:spPr>
+        <p:style>
+          <a:lnRef idx="2">
+            <a:schemeClr val="accent1">
+              <a:shade val="50000"/>
+            </a:schemeClr>
+          </a:lnRef>
+          <a:fillRef idx="1">
+            <a:schemeClr val="accent1"/>
+          </a:fillRef>
+          <a:effectRef idx="0">
+            <a:schemeClr val="accent1"/>
+          </a:effectRef>
+          <a:fontRef idx="minor">
+            <a:schemeClr val="lt1"/>
+          </a:fontRef>
+        </p:style>
+      </p:sp>
+      <p:sp>
+        <p:nvSpPr>
+          <p:cNvPr id="2" name="Title 1"/>
+          <p:cNvSpPr>
+            <a:spLocks noGrp="1"/>
+          </p:cNvSpPr>
+          <p:nvPr>
+            <p:ph type="title"/>
+          </p:nvPr>
+        </p:nvSpPr>
+        <p:spPr>
+          <a:xfrm>
+            <a:off x="1097280" y="758952"/>
+            <a:ext cx="10058400" cy="3566160"/>
           </a:xfrm>
         </p:spPr>
         <p:txBody>
-          <a:bodyPr anchor="b"/>
+          <a:bodyPr anchor="b" anchorCtr="0">
+            <a:normAutofit/>
+          </a:bodyPr>
           <a:lstStyle>
-            <a:lvl1pPr algn="l">
-              <a:defRPr sz="4000" b="0" cap="none"/>
+            <a:lvl1pPr>
+              <a:lnSpc>
+                <a:spcPct val="85000"/>
+              </a:lnSpc>
+              <a:defRPr sz="8000" b="0">
+                <a:solidFill>
+                  <a:schemeClr val="tx1">
+                    <a:lumMod val="85000"/>
+                    <a:lumOff val="15000"/>
+                  </a:schemeClr>
+                </a:solidFill>
+              </a:defRPr>
             </a:lvl1pPr>
           </a:lstStyle>
           <a:p>
@@ -3540,22 +1639,22 @@
         </p:nvSpPr>
         <p:spPr>
           <a:xfrm>
-            <a:off x="677335" y="4527448"/>
-            <a:ext cx="8596668" cy="860400"/>
+            <a:off x="1097280" y="4453128"/>
+            <a:ext cx="10058400" cy="1143000"/>
           </a:xfrm>
         </p:spPr>
         <p:txBody>
-          <a:bodyPr anchor="t"/>
+          <a:bodyPr lIns="91440" rIns="91440" anchor="t" anchorCtr="0">
+            <a:normAutofit/>
+          </a:bodyPr>
           <a:lstStyle>
-            <a:lvl1pPr marL="0" indent="0" algn="l">
-              <a:buNone/>
-              <a:defRPr sz="2000">
+            <a:lvl1pPr marL="0" indent="0">
+              <a:buNone/>
+              <a:defRPr sz="2400" cap="all" spc="200" baseline="0">
                 <a:solidFill>
-                  <a:schemeClr val="tx1">
-                    <a:lumMod val="50000"/>
-                    <a:lumOff val="50000"/>
-                  </a:schemeClr>
+                  <a:schemeClr val="tx2"/>
                 </a:solidFill>
+                <a:latin typeface="+mj-lt"/>
               </a:defRPr>
             </a:lvl1pPr>
             <a:lvl2pPr marL="457200" indent="0">
@@ -3713,10 +1812,48 @@
           </a:p>
         </p:txBody>
       </p:sp>
+      <p:cxnSp>
+        <p:nvCxnSpPr>
+          <p:cNvPr id="9" name="Straight Connector 8"/>
+          <p:cNvCxnSpPr/>
+          <p:nvPr/>
+        </p:nvCxnSpPr>
+        <p:spPr>
+          <a:xfrm>
+            <a:off x="1207658" y="4343400"/>
+            <a:ext cx="9875520" cy="0"/>
+          </a:xfrm>
+          <a:prstGeom prst="line">
+            <a:avLst/>
+          </a:prstGeom>
+          <a:ln w="6350">
+            <a:solidFill>
+              <a:schemeClr val="tx1">
+                <a:lumMod val="50000"/>
+                <a:lumOff val="50000"/>
+              </a:schemeClr>
+            </a:solidFill>
+          </a:ln>
+        </p:spPr>
+        <p:style>
+          <a:lnRef idx="1">
+            <a:schemeClr val="accent1"/>
+          </a:lnRef>
+          <a:fillRef idx="0">
+            <a:schemeClr val="accent1"/>
+          </a:fillRef>
+          <a:effectRef idx="0">
+            <a:schemeClr val="accent1"/>
+          </a:effectRef>
+          <a:fontRef idx="minor">
+            <a:schemeClr val="tx1"/>
+          </a:fontRef>
+        </p:style>
+      </p:cxnSp>
     </p:spTree>
     <p:extLst>
       <p:ext uri="{BB962C8B-B14F-4D97-AF65-F5344CB8AC3E}">
-        <p14:creationId xmlns:p14="http://schemas.microsoft.com/office/powerpoint/2010/main" val="587297955"/>
+        <p14:creationId xmlns:p14="http://schemas.microsoft.com/office/powerpoint/2010/main" val="1611344775"/>
       </p:ext>
     </p:extLst>
   </p:cSld>
@@ -3745,79 +1882,27 @@
       </p:grpSpPr>
       <p:sp>
         <p:nvSpPr>
-          <p:cNvPr id="2" name="Title 1"/>
+          <p:cNvPr id="8" name="Title 7"/>
           <p:cNvSpPr>
             <a:spLocks noGrp="1"/>
           </p:cNvSpPr>
           <p:nvPr>
             <p:ph type="title"/>
-          </p:nvPr>
-        </p:nvSpPr>
-        <p:spPr/>
-        <p:txBody>
-          <a:bodyPr/>
-          <a:lstStyle/>
-          <a:p>
-            <a:r>
-              <a:rPr lang="en-US" smtClean="0"/>
-              <a:t>Click to edit Master title style</a:t>
-            </a:r>
-            <a:endParaRPr lang="en-US" dirty="0"/>
-          </a:p>
-        </p:txBody>
-      </p:sp>
-      <p:sp>
-        <p:nvSpPr>
-          <p:cNvPr id="3" name="Content Placeholder 2"/>
-          <p:cNvSpPr>
-            <a:spLocks noGrp="1"/>
-          </p:cNvSpPr>
-          <p:nvPr>
-            <p:ph sz="half" idx="1"/>
           </p:nvPr>
         </p:nvSpPr>
         <p:spPr>
           <a:xfrm>
-            <a:off x="677334" y="2160589"/>
-            <a:ext cx="4184035" cy="3880772"/>
+            <a:off x="1097280" y="286603"/>
+            <a:ext cx="10058400" cy="1450757"/>
           </a:xfrm>
         </p:spPr>
         <p:txBody>
           <a:bodyPr/>
           <a:lstStyle/>
           <a:p>
-            <a:pPr lvl="0"/>
-            <a:r>
-              <a:rPr lang="en-US" smtClean="0"/>
-              <a:t>Click to edit Master text styles</a:t>
-            </a:r>
-          </a:p>
-          <a:p>
-            <a:pPr lvl="1"/>
-            <a:r>
-              <a:rPr lang="en-US" smtClean="0"/>
-              <a:t>Second level</a:t>
-            </a:r>
-          </a:p>
-          <a:p>
-            <a:pPr lvl="2"/>
-            <a:r>
-              <a:rPr lang="en-US" smtClean="0"/>
-              <a:t>Third level</a:t>
-            </a:r>
-          </a:p>
-          <a:p>
-            <a:pPr lvl="3"/>
-            <a:r>
-              <a:rPr lang="en-US" smtClean="0"/>
-              <a:t>Fourth level</a:t>
-            </a:r>
-          </a:p>
-          <a:p>
-            <a:pPr lvl="4"/>
-            <a:r>
-              <a:rPr lang="en-US" smtClean="0"/>
-              <a:t>Fifth level</a:t>
+            <a:r>
+              <a:rPr lang="en-US" smtClean="0"/>
+              <a:t>Click to edit Master title style</a:t>
             </a:r>
             <a:endParaRPr lang="en-US" dirty="0"/>
           </a:p>
@@ -3825,18 +1910,75 @@
       </p:sp>
       <p:sp>
         <p:nvSpPr>
-          <p:cNvPr id="4" name="Content Placeholder 3"/>
-          <p:cNvSpPr>
-            <a:spLocks noGrp="1"/>
-          </p:cNvSpPr>
-          <p:nvPr>
-            <p:ph sz="half" idx="2"/>
+          <p:cNvPr id="3" name="Content Placeholder 2"/>
+          <p:cNvSpPr>
+            <a:spLocks noGrp="1"/>
+          </p:cNvSpPr>
+          <p:nvPr>
+            <p:ph sz="half" idx="1"/>
           </p:nvPr>
         </p:nvSpPr>
         <p:spPr>
           <a:xfrm>
-            <a:off x="5089970" y="2160589"/>
-            <a:ext cx="4184034" cy="3880773"/>
+            <a:off x="1097279" y="1845734"/>
+            <a:ext cx="4937760" cy="4023360"/>
+          </a:xfrm>
+        </p:spPr>
+        <p:txBody>
+          <a:bodyPr/>
+          <a:lstStyle/>
+          <a:p>
+            <a:pPr lvl="0"/>
+            <a:r>
+              <a:rPr lang="en-US" smtClean="0"/>
+              <a:t>Click to edit Master text styles</a:t>
+            </a:r>
+          </a:p>
+          <a:p>
+            <a:pPr lvl="1"/>
+            <a:r>
+              <a:rPr lang="en-US" smtClean="0"/>
+              <a:t>Second level</a:t>
+            </a:r>
+          </a:p>
+          <a:p>
+            <a:pPr lvl="2"/>
+            <a:r>
+              <a:rPr lang="en-US" smtClean="0"/>
+              <a:t>Third level</a:t>
+            </a:r>
+          </a:p>
+          <a:p>
+            <a:pPr lvl="3"/>
+            <a:r>
+              <a:rPr lang="en-US" smtClean="0"/>
+              <a:t>Fourth level</a:t>
+            </a:r>
+          </a:p>
+          <a:p>
+            <a:pPr lvl="4"/>
+            <a:r>
+              <a:rPr lang="en-US" smtClean="0"/>
+              <a:t>Fifth level</a:t>
+            </a:r>
+            <a:endParaRPr lang="en-US" dirty="0"/>
+          </a:p>
+        </p:txBody>
+      </p:sp>
+      <p:sp>
+        <p:nvSpPr>
+          <p:cNvPr id="4" name="Content Placeholder 3"/>
+          <p:cNvSpPr>
+            <a:spLocks noGrp="1"/>
+          </p:cNvSpPr>
+          <p:nvPr>
+            <p:ph sz="half" idx="2"/>
+          </p:nvPr>
+        </p:nvSpPr>
+        <p:spPr>
+          <a:xfrm>
+            <a:off x="6217920" y="1845735"/>
+            <a:ext cx="4937760" cy="4023360"/>
           </a:xfrm>
         </p:spPr>
         <p:txBody>
@@ -3948,7 +2090,7 @@
     </p:spTree>
     <p:extLst>
       <p:ext uri="{BB962C8B-B14F-4D97-AF65-F5344CB8AC3E}">
-        <p14:creationId xmlns:p14="http://schemas.microsoft.com/office/powerpoint/2010/main" val="2800928321"/>
+        <p14:creationId xmlns:p14="http://schemas.microsoft.com/office/powerpoint/2010/main" val="703092213"/>
       </p:ext>
     </p:extLst>
   </p:cSld>
@@ -3977,55 +2119,60 @@
       </p:grpSpPr>
       <p:sp>
         <p:nvSpPr>
-          <p:cNvPr id="2" name="Title 1"/>
+          <p:cNvPr id="10" name="Title 9"/>
           <p:cNvSpPr>
             <a:spLocks noGrp="1"/>
           </p:cNvSpPr>
           <p:nvPr>
             <p:ph type="title"/>
-          </p:nvPr>
-        </p:nvSpPr>
-        <p:spPr/>
-        <p:txBody>
-          <a:bodyPr/>
-          <a:lstStyle>
-            <a:lvl1pPr>
-              <a:defRPr/>
-            </a:lvl1pPr>
-          </a:lstStyle>
-          <a:p>
-            <a:r>
-              <a:rPr lang="en-US" smtClean="0"/>
-              <a:t>Click to edit Master title style</a:t>
-            </a:r>
-            <a:endParaRPr lang="en-US" dirty="0"/>
-          </a:p>
-        </p:txBody>
-      </p:sp>
-      <p:sp>
-        <p:nvSpPr>
-          <p:cNvPr id="3" name="Text Placeholder 2"/>
-          <p:cNvSpPr>
-            <a:spLocks noGrp="1"/>
-          </p:cNvSpPr>
-          <p:nvPr>
-            <p:ph type="body" idx="1"/>
           </p:nvPr>
         </p:nvSpPr>
         <p:spPr>
           <a:xfrm>
-            <a:off x="675745" y="2160983"/>
-            <a:ext cx="4185623" cy="576262"/>
+            <a:off x="1097280" y="286603"/>
+            <a:ext cx="10058400" cy="1450757"/>
           </a:xfrm>
         </p:spPr>
         <p:txBody>
-          <a:bodyPr anchor="b">
-            <a:noAutofit/>
+          <a:bodyPr/>
+          <a:lstStyle/>
+          <a:p>
+            <a:r>
+              <a:rPr lang="en-US" smtClean="0"/>
+              <a:t>Click to edit Master title style</a:t>
+            </a:r>
+            <a:endParaRPr lang="en-US" dirty="0"/>
+          </a:p>
+        </p:txBody>
+      </p:sp>
+      <p:sp>
+        <p:nvSpPr>
+          <p:cNvPr id="3" name="Text Placeholder 2"/>
+          <p:cNvSpPr>
+            <a:spLocks noGrp="1"/>
+          </p:cNvSpPr>
+          <p:nvPr>
+            <p:ph type="body" idx="1"/>
+          </p:nvPr>
+        </p:nvSpPr>
+        <p:spPr>
+          <a:xfrm>
+            <a:off x="1097280" y="1846052"/>
+            <a:ext cx="4937760" cy="736282"/>
+          </a:xfrm>
+        </p:spPr>
+        <p:txBody>
+          <a:bodyPr lIns="91440" rIns="91440" anchor="ctr">
+            <a:normAutofit/>
           </a:bodyPr>
           <a:lstStyle>
             <a:lvl1pPr marL="0" indent="0">
               <a:buNone/>
-              <a:defRPr sz="2400" b="0"/>
+              <a:defRPr sz="2000" b="0" cap="all" baseline="0">
+                <a:solidFill>
+                  <a:schemeClr val="tx2"/>
+                </a:solidFill>
+              </a:defRPr>
             </a:lvl1pPr>
             <a:lvl2pPr marL="457200" indent="0">
               <a:buNone/>
@@ -4081,14 +2228,12 @@
         </p:nvSpPr>
         <p:spPr>
           <a:xfrm>
-            <a:off x="675745" y="2737245"/>
-            <a:ext cx="4185623" cy="3304117"/>
+            <a:off x="1097280" y="2582334"/>
+            <a:ext cx="4937760" cy="3378200"/>
           </a:xfrm>
         </p:spPr>
         <p:txBody>
-          <a:bodyPr>
-            <a:normAutofit/>
-          </a:bodyPr>
+          <a:bodyPr/>
           <a:lstStyle/>
           <a:p>
             <a:pPr lvl="0"/>
@@ -4140,18 +2285,22 @@
         </p:nvSpPr>
         <p:spPr>
           <a:xfrm>
-            <a:off x="5088383" y="2160983"/>
-            <a:ext cx="4185618" cy="576262"/>
+            <a:off x="6217920" y="1846052"/>
+            <a:ext cx="4937760" cy="736282"/>
           </a:xfrm>
         </p:spPr>
         <p:txBody>
-          <a:bodyPr anchor="b">
-            <a:noAutofit/>
+          <a:bodyPr lIns="91440" rIns="91440" anchor="ctr">
+            <a:normAutofit/>
           </a:bodyPr>
           <a:lstStyle>
             <a:lvl1pPr marL="0" indent="0">
               <a:buNone/>
-              <a:defRPr sz="2400" b="0"/>
+              <a:defRPr sz="2000" b="0" cap="all" baseline="0">
+                <a:solidFill>
+                  <a:schemeClr val="tx2"/>
+                </a:solidFill>
+              </a:defRPr>
             </a:lvl1pPr>
             <a:lvl2pPr marL="457200" indent="0">
               <a:buNone/>
@@ -4207,14 +2356,12 @@
         </p:nvSpPr>
         <p:spPr>
           <a:xfrm>
-            <a:off x="5088384" y="2737245"/>
-            <a:ext cx="4185617" cy="3304117"/>
+            <a:off x="6217920" y="2582334"/>
+            <a:ext cx="4937760" cy="3378200"/>
           </a:xfrm>
         </p:spPr>
         <p:txBody>
-          <a:bodyPr>
-            <a:normAutofit/>
-          </a:bodyPr>
+          <a:bodyPr/>
           <a:lstStyle/>
           <a:p>
             <a:pPr lvl="0"/>
@@ -4322,7 +2469,7 @@
     </p:spTree>
     <p:extLst>
       <p:ext uri="{BB962C8B-B14F-4D97-AF65-F5344CB8AC3E}">
-        <p14:creationId xmlns:p14="http://schemas.microsoft.com/office/powerpoint/2010/main" val="3741285638"/>
+        <p14:creationId xmlns:p14="http://schemas.microsoft.com/office/powerpoint/2010/main" val="695602057"/>
       </p:ext>
     </p:extLst>
   </p:cSld>
@@ -4359,12 +2506,7 @@
             <p:ph type="title"/>
           </p:nvPr>
         </p:nvSpPr>
-        <p:spPr>
-          <a:xfrm>
-            <a:off x="677334" y="609600"/>
-            <a:ext cx="8596668" cy="1320800"/>
-          </a:xfrm>
-        </p:spPr>
+        <p:spPr/>
         <p:txBody>
           <a:bodyPr/>
           <a:lstStyle/>
@@ -4445,7 +2587,7 @@
     </p:spTree>
     <p:extLst>
       <p:ext uri="{BB962C8B-B14F-4D97-AF65-F5344CB8AC3E}">
-        <p14:creationId xmlns:p14="http://schemas.microsoft.com/office/powerpoint/2010/main" val="676279334"/>
+        <p14:creationId xmlns:p14="http://schemas.microsoft.com/office/powerpoint/2010/main" val="3175436122"/>
       </p:ext>
     </p:extLst>
   </p:cSld>
@@ -4456,7 +2598,7 @@
 </file>
 
 <file path=ppt/slideLayouts/slideLayout7.xml><?xml version="1.0" encoding="utf-8"?>
-<p:sldLayout xmlns:a="http://schemas.openxmlformats.org/drawingml/2006/main" xmlns:r="http://schemas.openxmlformats.org/officeDocument/2006/relationships" xmlns:p="http://schemas.openxmlformats.org/presentationml/2006/main" type="blank" preserve="1">
+<p:sldLayout xmlns:a="http://schemas.openxmlformats.org/drawingml/2006/main" xmlns:r="http://schemas.openxmlformats.org/officeDocument/2006/relationships" xmlns:p="http://schemas.openxmlformats.org/presentationml/2006/main" showMasterSp="0" type="blank" preserve="1">
   <p:cSld name="Blank">
     <p:spTree>
       <p:nvGrpSpPr>
@@ -4474,7 +2616,83 @@
       </p:grpSpPr>
       <p:sp>
         <p:nvSpPr>
-          <p:cNvPr id="2" name="Date Placeholder 1"/>
+          <p:cNvPr id="5" name="Rectangle 4"/>
+          <p:cNvSpPr/>
+          <p:nvPr/>
+        </p:nvSpPr>
+        <p:spPr>
+          <a:xfrm>
+            <a:off x="3175" y="6400800"/>
+            <a:ext cx="12188825" cy="457200"/>
+          </a:xfrm>
+          <a:prstGeom prst="rect">
+            <a:avLst/>
+          </a:prstGeom>
+          <a:solidFill>
+            <a:schemeClr val="accent2"/>
+          </a:solidFill>
+          <a:ln>
+            <a:noFill/>
+          </a:ln>
+        </p:spPr>
+        <p:style>
+          <a:lnRef idx="2">
+            <a:schemeClr val="accent1">
+              <a:shade val="50000"/>
+            </a:schemeClr>
+          </a:lnRef>
+          <a:fillRef idx="1">
+            <a:schemeClr val="accent1"/>
+          </a:fillRef>
+          <a:effectRef idx="0">
+            <a:schemeClr val="accent1"/>
+          </a:effectRef>
+          <a:fontRef idx="minor">
+            <a:schemeClr val="lt1"/>
+          </a:fontRef>
+        </p:style>
+      </p:sp>
+      <p:sp>
+        <p:nvSpPr>
+          <p:cNvPr id="6" name="Rectangle 5"/>
+          <p:cNvSpPr/>
+          <p:nvPr/>
+        </p:nvSpPr>
+        <p:spPr>
+          <a:xfrm>
+            <a:off x="15" y="6334316"/>
+            <a:ext cx="12188825" cy="64008"/>
+          </a:xfrm>
+          <a:prstGeom prst="rect">
+            <a:avLst/>
+          </a:prstGeom>
+          <a:solidFill>
+            <a:schemeClr val="accent1"/>
+          </a:solidFill>
+          <a:ln>
+            <a:noFill/>
+          </a:ln>
+        </p:spPr>
+        <p:style>
+          <a:lnRef idx="2">
+            <a:schemeClr val="accent1">
+              <a:shade val="50000"/>
+            </a:schemeClr>
+          </a:lnRef>
+          <a:fillRef idx="1">
+            <a:schemeClr val="accent1"/>
+          </a:fillRef>
+          <a:effectRef idx="0">
+            <a:schemeClr val="accent1"/>
+          </a:effectRef>
+          <a:fontRef idx="minor">
+            <a:schemeClr val="lt1"/>
+          </a:fontRef>
+        </p:style>
+      </p:sp>
+      <p:sp>
+        <p:nvSpPr>
+          <p:cNvPr id="7" name="Date Placeholder 6"/>
           <p:cNvSpPr>
             <a:spLocks noGrp="1"/>
           </p:cNvSpPr>
@@ -4497,7 +2715,7 @@
       </p:sp>
       <p:sp>
         <p:nvSpPr>
-          <p:cNvPr id="3" name="Footer Placeholder 2"/>
+          <p:cNvPr id="8" name="Footer Placeholder 7"/>
           <p:cNvSpPr>
             <a:spLocks noGrp="1"/>
           </p:cNvSpPr>
@@ -4508,7 +2726,15 @@
         <p:spPr/>
         <p:txBody>
           <a:bodyPr/>
-          <a:lstStyle/>
+          <a:lstStyle>
+            <a:lvl1pPr>
+              <a:defRPr>
+                <a:solidFill>
+                  <a:srgbClr val="FFFFFF"/>
+                </a:solidFill>
+              </a:defRPr>
+            </a:lvl1pPr>
+          </a:lstStyle>
           <a:p>
             <a:endParaRPr lang="en-US"/>
           </a:p>
@@ -4516,7 +2742,7 @@
       </p:sp>
       <p:sp>
         <p:nvSpPr>
-          <p:cNvPr id="4" name="Slide Number Placeholder 3"/>
+          <p:cNvPr id="9" name="Slide Number Placeholder 8"/>
           <p:cNvSpPr>
             <a:spLocks noGrp="1"/>
           </p:cNvSpPr>
@@ -4540,7 +2766,7 @@
     </p:spTree>
     <p:extLst>
       <p:ext uri="{BB962C8B-B14F-4D97-AF65-F5344CB8AC3E}">
-        <p14:creationId xmlns:p14="http://schemas.microsoft.com/office/powerpoint/2010/main" val="2382647178"/>
+        <p14:creationId xmlns:p14="http://schemas.microsoft.com/office/powerpoint/2010/main" val="4282346544"/>
       </p:ext>
     </p:extLst>
   </p:cSld>
@@ -4551,7 +2777,7 @@
 </file>
 
 <file path=ppt/slideLayouts/slideLayout8.xml><?xml version="1.0" encoding="utf-8"?>
-<p:sldLayout xmlns:a="http://schemas.openxmlformats.org/drawingml/2006/main" xmlns:r="http://schemas.openxmlformats.org/officeDocument/2006/relationships" xmlns:p="http://schemas.openxmlformats.org/presentationml/2006/main" type="objTx" preserve="1">
+<p:sldLayout xmlns:a="http://schemas.openxmlformats.org/drawingml/2006/main" xmlns:r="http://schemas.openxmlformats.org/officeDocument/2006/relationships" xmlns:p="http://schemas.openxmlformats.org/presentationml/2006/main" showMasterSp="0" type="objTx" preserve="1">
   <p:cSld name="Content with Caption">
     <p:spTree>
       <p:nvGrpSpPr>
@@ -4569,18 +2795,94 @@
       </p:grpSpPr>
       <p:sp>
         <p:nvSpPr>
-          <p:cNvPr id="2" name="Title 1"/>
-          <p:cNvSpPr>
-            <a:spLocks noGrp="1"/>
-          </p:cNvSpPr>
-          <p:nvPr>
-            <p:ph type="title"/>
-          </p:nvPr>
+          <p:cNvPr id="8" name="Rectangle 7"/>
+          <p:cNvSpPr/>
+          <p:nvPr/>
         </p:nvSpPr>
         <p:spPr>
           <a:xfrm>
-            <a:off x="677334" y="1498604"/>
-            <a:ext cx="3854528" cy="1278466"/>
+            <a:off x="16" y="0"/>
+            <a:ext cx="4050791" cy="6858000"/>
+          </a:xfrm>
+          <a:prstGeom prst="rect">
+            <a:avLst/>
+          </a:prstGeom>
+          <a:solidFill>
+            <a:schemeClr val="accent2"/>
+          </a:solidFill>
+          <a:ln>
+            <a:noFill/>
+          </a:ln>
+        </p:spPr>
+        <p:style>
+          <a:lnRef idx="2">
+            <a:schemeClr val="accent1">
+              <a:shade val="50000"/>
+            </a:schemeClr>
+          </a:lnRef>
+          <a:fillRef idx="1">
+            <a:schemeClr val="accent1"/>
+          </a:fillRef>
+          <a:effectRef idx="0">
+            <a:schemeClr val="accent1"/>
+          </a:effectRef>
+          <a:fontRef idx="minor">
+            <a:schemeClr val="lt1"/>
+          </a:fontRef>
+        </p:style>
+      </p:sp>
+      <p:sp>
+        <p:nvSpPr>
+          <p:cNvPr id="9" name="Rectangle 8"/>
+          <p:cNvSpPr/>
+          <p:nvPr/>
+        </p:nvSpPr>
+        <p:spPr>
+          <a:xfrm>
+            <a:off x="4040071" y="0"/>
+            <a:ext cx="64008" cy="6858000"/>
+          </a:xfrm>
+          <a:prstGeom prst="rect">
+            <a:avLst/>
+          </a:prstGeom>
+          <a:solidFill>
+            <a:schemeClr val="accent1"/>
+          </a:solidFill>
+          <a:ln>
+            <a:noFill/>
+          </a:ln>
+        </p:spPr>
+        <p:style>
+          <a:lnRef idx="2">
+            <a:schemeClr val="accent1">
+              <a:shade val="50000"/>
+            </a:schemeClr>
+          </a:lnRef>
+          <a:fillRef idx="1">
+            <a:schemeClr val="accent1"/>
+          </a:fillRef>
+          <a:effectRef idx="0">
+            <a:schemeClr val="accent1"/>
+          </a:effectRef>
+          <a:fontRef idx="minor">
+            <a:schemeClr val="lt1"/>
+          </a:fontRef>
+        </p:style>
+      </p:sp>
+      <p:sp>
+        <p:nvSpPr>
+          <p:cNvPr id="2" name="Title 1"/>
+          <p:cNvSpPr>
+            <a:spLocks noGrp="1"/>
+          </p:cNvSpPr>
+          <p:nvPr>
+            <p:ph type="title"/>
+          </p:nvPr>
+        </p:nvSpPr>
+        <p:spPr>
+          <a:xfrm>
+            <a:off x="457200" y="594359"/>
+            <a:ext cx="3200400" cy="2286000"/>
           </a:xfrm>
         </p:spPr>
         <p:txBody>
@@ -4589,7 +2891,11 @@
           </a:bodyPr>
           <a:lstStyle>
             <a:lvl1pPr>
-              <a:defRPr sz="2000"/>
+              <a:defRPr sz="3600" b="0">
+                <a:solidFill>
+                  <a:srgbClr val="FFFFFF"/>
+                </a:solidFill>
+              </a:defRPr>
             </a:lvl1pPr>
           </a:lstStyle>
           <a:p>
@@ -4613,14 +2919,12 @@
         </p:nvSpPr>
         <p:spPr>
           <a:xfrm>
-            <a:off x="4760461" y="514924"/>
-            <a:ext cx="4513541" cy="5526437"/>
+            <a:off x="4800600" y="731520"/>
+            <a:ext cx="6492240" cy="5257800"/>
           </a:xfrm>
         </p:spPr>
         <p:txBody>
-          <a:bodyPr>
-            <a:normAutofit/>
-          </a:bodyPr>
+          <a:bodyPr/>
           <a:lstStyle/>
           <a:p>
             <a:pPr lvl="0"/>
@@ -4672,50 +2976,54 @@
         </p:nvSpPr>
         <p:spPr>
           <a:xfrm>
-            <a:off x="677334" y="2777069"/>
-            <a:ext cx="3854528" cy="2584449"/>
+            <a:off x="457200" y="2926080"/>
+            <a:ext cx="3200400" cy="3379124"/>
           </a:xfrm>
         </p:spPr>
         <p:txBody>
-          <a:bodyPr>
+          <a:bodyPr lIns="91440" rIns="91440">
             <a:normAutofit/>
           </a:bodyPr>
           <a:lstStyle>
             <a:lvl1pPr marL="0" indent="0">
               <a:buNone/>
-              <a:defRPr sz="1400"/>
+              <a:defRPr sz="1500">
+                <a:solidFill>
+                  <a:srgbClr val="FFFFFF"/>
+                </a:solidFill>
+              </a:defRPr>
             </a:lvl1pPr>
-            <a:lvl2pPr marL="457063" indent="0">
-              <a:buNone/>
-              <a:defRPr sz="1400"/>
+            <a:lvl2pPr marL="457200" indent="0">
+              <a:buNone/>
+              <a:defRPr sz="1200"/>
             </a:lvl2pPr>
-            <a:lvl3pPr marL="914126" indent="0">
-              <a:buNone/>
-              <a:defRPr sz="1200"/>
+            <a:lvl3pPr marL="914400" indent="0">
+              <a:buNone/>
+              <a:defRPr sz="1000"/>
             </a:lvl3pPr>
-            <a:lvl4pPr marL="1371189" indent="0">
-              <a:buNone/>
-              <a:defRPr sz="1000"/>
+            <a:lvl4pPr marL="1371600" indent="0">
+              <a:buNone/>
+              <a:defRPr sz="900"/>
             </a:lvl4pPr>
-            <a:lvl5pPr marL="1828251" indent="0">
-              <a:buNone/>
-              <a:defRPr sz="1000"/>
+            <a:lvl5pPr marL="1828800" indent="0">
+              <a:buNone/>
+              <a:defRPr sz="900"/>
             </a:lvl5pPr>
-            <a:lvl6pPr marL="2285314" indent="0">
-              <a:buNone/>
-              <a:defRPr sz="1000"/>
+            <a:lvl6pPr marL="2286000" indent="0">
+              <a:buNone/>
+              <a:defRPr sz="900"/>
             </a:lvl6pPr>
-            <a:lvl7pPr marL="2742377" indent="0">
-              <a:buNone/>
-              <a:defRPr sz="1000"/>
+            <a:lvl7pPr marL="2743200" indent="0">
+              <a:buNone/>
+              <a:defRPr sz="900"/>
             </a:lvl7pPr>
-            <a:lvl8pPr marL="3199440" indent="0">
-              <a:buNone/>
-              <a:defRPr sz="1000"/>
+            <a:lvl8pPr marL="3200400" indent="0">
+              <a:buNone/>
+              <a:defRPr sz="900"/>
             </a:lvl8pPr>
-            <a:lvl9pPr marL="3656503" indent="0">
-              <a:buNone/>
-              <a:defRPr sz="1000"/>
+            <a:lvl9pPr marL="3657600" indent="0">
+              <a:buNone/>
+              <a:defRPr sz="900"/>
             </a:lvl9pPr>
           </a:lstStyle>
           <a:p>
@@ -4737,10 +3045,19 @@
             <p:ph type="dt" sz="half" idx="10"/>
           </p:nvPr>
         </p:nvSpPr>
-        <p:spPr/>
-        <p:txBody>
-          <a:bodyPr/>
-          <a:lstStyle/>
+        <p:spPr>
+          <a:xfrm>
+            <a:off x="465512" y="6459785"/>
+            <a:ext cx="2618510" cy="365125"/>
+          </a:xfrm>
+        </p:spPr>
+        <p:txBody>
+          <a:bodyPr/>
+          <a:lstStyle>
+            <a:lvl1pPr algn="l">
+              <a:defRPr/>
+            </a:lvl1pPr>
+          </a:lstStyle>
           <a:p>
             <a:fld id="{0BFDBD8B-4FB8-46F1-96F7-FD34B2070C79}" type="datetime1">
               <a:rPr lang="en-US" smtClean="0"/>
@@ -4760,29 +3077,50 @@
             <p:ph type="ftr" sz="quarter" idx="11"/>
           </p:nvPr>
         </p:nvSpPr>
+        <p:spPr>
+          <a:xfrm>
+            <a:off x="4800600" y="6459785"/>
+            <a:ext cx="4648200" cy="365125"/>
+          </a:xfrm>
+        </p:spPr>
+        <p:txBody>
+          <a:bodyPr/>
+          <a:lstStyle>
+            <a:lvl1pPr algn="l">
+              <a:defRPr>
+                <a:solidFill>
+                  <a:schemeClr val="tx2"/>
+                </a:solidFill>
+              </a:defRPr>
+            </a:lvl1pPr>
+          </a:lstStyle>
+          <a:p>
+            <a:endParaRPr lang="en-US"/>
+          </a:p>
+        </p:txBody>
+      </p:sp>
+      <p:sp>
+        <p:nvSpPr>
+          <p:cNvPr id="7" name="Slide Number Placeholder 6"/>
+          <p:cNvSpPr>
+            <a:spLocks noGrp="1"/>
+          </p:cNvSpPr>
+          <p:nvPr>
+            <p:ph type="sldNum" sz="quarter" idx="12"/>
+          </p:nvPr>
+        </p:nvSpPr>
         <p:spPr/>
         <p:txBody>
           <a:bodyPr/>
-          <a:lstStyle/>
-          <a:p>
-            <a:endParaRPr lang="en-US"/>
-          </a:p>
-        </p:txBody>
-      </p:sp>
-      <p:sp>
-        <p:nvSpPr>
-          <p:cNvPr id="7" name="Slide Number Placeholder 6"/>
-          <p:cNvSpPr>
-            <a:spLocks noGrp="1"/>
-          </p:cNvSpPr>
-          <p:nvPr>
-            <p:ph type="sldNum" sz="quarter" idx="12"/>
-          </p:nvPr>
-        </p:nvSpPr>
-        <p:spPr/>
-        <p:txBody>
-          <a:bodyPr/>
-          <a:lstStyle/>
+          <a:lstStyle>
+            <a:lvl1pPr>
+              <a:defRPr>
+                <a:solidFill>
+                  <a:schemeClr val="tx2"/>
+                </a:solidFill>
+              </a:defRPr>
+            </a:lvl1pPr>
+          </a:lstStyle>
           <a:p>
             <a:fld id="{C67CCC65-C2A4-4966-8592-A835F56C992F}" type="slidenum">
               <a:rPr lang="en-US" smtClean="0"/>
@@ -4795,7 +3133,7 @@
     </p:spTree>
     <p:extLst>
       <p:ext uri="{BB962C8B-B14F-4D97-AF65-F5344CB8AC3E}">
-        <p14:creationId xmlns:p14="http://schemas.microsoft.com/office/powerpoint/2010/main" val="2508778958"/>
+        <p14:creationId xmlns:p14="http://schemas.microsoft.com/office/powerpoint/2010/main" val="1234848261"/>
       </p:ext>
     </p:extLst>
   </p:cSld>
@@ -4806,7 +3144,7 @@
 </file>
 
 <file path=ppt/slideLayouts/slideLayout9.xml><?xml version="1.0" encoding="utf-8"?>
-<p:sldLayout xmlns:a="http://schemas.openxmlformats.org/drawingml/2006/main" xmlns:r="http://schemas.openxmlformats.org/officeDocument/2006/relationships" xmlns:p="http://schemas.openxmlformats.org/presentationml/2006/main" type="picTx" preserve="1">
+<p:sldLayout xmlns:a="http://schemas.openxmlformats.org/drawingml/2006/main" xmlns:r="http://schemas.openxmlformats.org/officeDocument/2006/relationships" xmlns:p="http://schemas.openxmlformats.org/presentationml/2006/main" showMasterSp="0" type="picTx" preserve="1">
   <p:cSld name="Picture with Caption">
     <p:spTree>
       <p:nvGrpSpPr>
@@ -4824,27 +3162,107 @@
       </p:grpSpPr>
       <p:sp>
         <p:nvSpPr>
-          <p:cNvPr id="2" name="Title 1"/>
-          <p:cNvSpPr>
-            <a:spLocks noGrp="1"/>
-          </p:cNvSpPr>
-          <p:nvPr>
-            <p:ph type="title"/>
-          </p:nvPr>
+          <p:cNvPr id="8" name="Rectangle 7"/>
+          <p:cNvSpPr/>
+          <p:nvPr/>
         </p:nvSpPr>
         <p:spPr>
           <a:xfrm>
-            <a:off x="677334" y="4800600"/>
-            <a:ext cx="8596667" cy="566738"/>
+            <a:off x="0" y="4953000"/>
+            <a:ext cx="12188825" cy="1905000"/>
+          </a:xfrm>
+          <a:prstGeom prst="rect">
+            <a:avLst/>
+          </a:prstGeom>
+          <a:solidFill>
+            <a:schemeClr val="accent2"/>
+          </a:solidFill>
+          <a:ln>
+            <a:noFill/>
+          </a:ln>
+        </p:spPr>
+        <p:style>
+          <a:lnRef idx="2">
+            <a:schemeClr val="accent1">
+              <a:shade val="50000"/>
+            </a:schemeClr>
+          </a:lnRef>
+          <a:fillRef idx="1">
+            <a:schemeClr val="accent1"/>
+          </a:fillRef>
+          <a:effectRef idx="0">
+            <a:schemeClr val="accent1"/>
+          </a:effectRef>
+          <a:fontRef idx="minor">
+            <a:schemeClr val="lt1"/>
+          </a:fontRef>
+        </p:style>
+      </p:sp>
+      <p:sp>
+        <p:nvSpPr>
+          <p:cNvPr id="9" name="Rectangle 8"/>
+          <p:cNvSpPr/>
+          <p:nvPr/>
+        </p:nvSpPr>
+        <p:spPr>
+          <a:xfrm>
+            <a:off x="15" y="4915076"/>
+            <a:ext cx="12188825" cy="64008"/>
+          </a:xfrm>
+          <a:prstGeom prst="rect">
+            <a:avLst/>
+          </a:prstGeom>
+          <a:solidFill>
+            <a:schemeClr val="accent1"/>
+          </a:solidFill>
+          <a:ln>
+            <a:noFill/>
+          </a:ln>
+        </p:spPr>
+        <p:style>
+          <a:lnRef idx="2">
+            <a:schemeClr val="accent1">
+              <a:shade val="50000"/>
+            </a:schemeClr>
+          </a:lnRef>
+          <a:fillRef idx="1">
+            <a:schemeClr val="accent1"/>
+          </a:fillRef>
+          <a:effectRef idx="0">
+            <a:schemeClr val="accent1"/>
+          </a:effectRef>
+          <a:fontRef idx="minor">
+            <a:schemeClr val="lt1"/>
+          </a:fontRef>
+        </p:style>
+      </p:sp>
+      <p:sp>
+        <p:nvSpPr>
+          <p:cNvPr id="2" name="Title 1"/>
+          <p:cNvSpPr>
+            <a:spLocks noGrp="1"/>
+          </p:cNvSpPr>
+          <p:nvPr>
+            <p:ph type="title"/>
+          </p:nvPr>
+        </p:nvSpPr>
+        <p:spPr>
+          <a:xfrm>
+            <a:off x="1097280" y="5074920"/>
+            <a:ext cx="10113264" cy="822960"/>
           </a:xfrm>
         </p:spPr>
         <p:txBody>
-          <a:bodyPr anchor="b">
-            <a:normAutofit/>
+          <a:bodyPr lIns="91440" tIns="0" rIns="91440" bIns="0" anchor="b">
+            <a:noAutofit/>
           </a:bodyPr>
           <a:lstStyle>
-            <a:lvl1pPr algn="l">
-              <a:defRPr sz="2400" b="0"/>
+            <a:lvl1pPr>
+              <a:defRPr sz="3600" b="0">
+                <a:solidFill>
+                  <a:srgbClr val="FFFFFF"/>
+                </a:solidFill>
+              </a:defRPr>
             </a:lvl1pPr>
           </a:lstStyle>
           <a:p>
@@ -4868,85 +3286,103 @@
         </p:nvSpPr>
         <p:spPr>
           <a:xfrm>
-            <a:off x="677334" y="609600"/>
-            <a:ext cx="8596668" cy="3845718"/>
+            <a:off x="15" y="0"/>
+            <a:ext cx="12191985" cy="4915076"/>
+          </a:xfrm>
+          <a:blipFill>
+            <a:blip r:embed="rId2"/>
+            <a:stretch>
+              <a:fillRect/>
+            </a:stretch>
+          </a:blipFill>
+        </p:spPr>
+        <p:txBody>
+          <a:bodyPr lIns="457200" tIns="457200" anchor="t"/>
+          <a:lstStyle>
+            <a:lvl1pPr marL="0" indent="0">
+              <a:buNone/>
+              <a:defRPr sz="3200">
+                <a:solidFill>
+                  <a:schemeClr val="bg1"/>
+                </a:solidFill>
+              </a:defRPr>
+            </a:lvl1pPr>
+            <a:lvl2pPr marL="457200" indent="0">
+              <a:buNone/>
+              <a:defRPr sz="2800"/>
+            </a:lvl2pPr>
+            <a:lvl3pPr marL="914400" indent="0">
+              <a:buNone/>
+              <a:defRPr sz="2400"/>
+            </a:lvl3pPr>
+            <a:lvl4pPr marL="1371600" indent="0">
+              <a:buNone/>
+              <a:defRPr sz="2000"/>
+            </a:lvl4pPr>
+            <a:lvl5pPr marL="1828800" indent="0">
+              <a:buNone/>
+              <a:defRPr sz="2000"/>
+            </a:lvl5pPr>
+            <a:lvl6pPr marL="2286000" indent="0">
+              <a:buNone/>
+              <a:defRPr sz="2000"/>
+            </a:lvl6pPr>
+            <a:lvl7pPr marL="2743200" indent="0">
+              <a:buNone/>
+              <a:defRPr sz="2000"/>
+            </a:lvl7pPr>
+            <a:lvl8pPr marL="3200400" indent="0">
+              <a:buNone/>
+              <a:defRPr sz="2000"/>
+            </a:lvl8pPr>
+            <a:lvl9pPr marL="3657600" indent="0">
+              <a:buNone/>
+              <a:defRPr sz="2000"/>
+            </a:lvl9pPr>
+          </a:lstStyle>
+          <a:p>
+            <a:r>
+              <a:rPr lang="en-US" smtClean="0"/>
+              <a:t>Click icon to add picture</a:t>
+            </a:r>
+            <a:endParaRPr lang="en-US" dirty="0"/>
+          </a:p>
+        </p:txBody>
+      </p:sp>
+      <p:sp>
+        <p:nvSpPr>
+          <p:cNvPr id="4" name="Text Placeholder 3"/>
+          <p:cNvSpPr>
+            <a:spLocks noGrp="1"/>
+          </p:cNvSpPr>
+          <p:nvPr>
+            <p:ph type="body" sz="half" idx="2"/>
+          </p:nvPr>
+        </p:nvSpPr>
+        <p:spPr>
+          <a:xfrm>
+            <a:off x="1097280" y="5907023"/>
+            <a:ext cx="10113264" cy="594360"/>
           </a:xfrm>
         </p:spPr>
         <p:txBody>
-          <a:bodyPr anchor="t">
-            <a:normAutofit/>
-          </a:bodyPr>
-          <a:lstStyle>
-            <a:lvl1pPr marL="0" indent="0" algn="ctr">
-              <a:buNone/>
-              <a:defRPr sz="1600"/>
-            </a:lvl1pPr>
-            <a:lvl2pPr marL="457200" indent="0">
-              <a:buNone/>
-              <a:defRPr sz="1600"/>
-            </a:lvl2pPr>
-            <a:lvl3pPr marL="914400" indent="0">
-              <a:buNone/>
-              <a:defRPr sz="1600"/>
-            </a:lvl3pPr>
-            <a:lvl4pPr marL="1371600" indent="0">
-              <a:buNone/>
-              <a:defRPr sz="1600"/>
-            </a:lvl4pPr>
-            <a:lvl5pPr marL="1828800" indent="0">
-              <a:buNone/>
-              <a:defRPr sz="1600"/>
-            </a:lvl5pPr>
-            <a:lvl6pPr marL="2286000" indent="0">
-              <a:buNone/>
-              <a:defRPr sz="1600"/>
-            </a:lvl6pPr>
-            <a:lvl7pPr marL="2743200" indent="0">
-              <a:buNone/>
-              <a:defRPr sz="1600"/>
-            </a:lvl7pPr>
-            <a:lvl8pPr marL="3200400" indent="0">
-              <a:buNone/>
-              <a:defRPr sz="1600"/>
-            </a:lvl8pPr>
-            <a:lvl9pPr marL="3657600" indent="0">
-              <a:buNone/>
-              <a:defRPr sz="1600"/>
-            </a:lvl9pPr>
-          </a:lstStyle>
-          <a:p>
-            <a:r>
-              <a:rPr lang="en-US" smtClean="0"/>
-              <a:t>Click icon to add picture</a:t>
-            </a:r>
-            <a:endParaRPr lang="en-US" dirty="0"/>
-          </a:p>
-        </p:txBody>
-      </p:sp>
-      <p:sp>
-        <p:nvSpPr>
-          <p:cNvPr id="4" name="Text Placeholder 3"/>
-          <p:cNvSpPr>
-            <a:spLocks noGrp="1"/>
-          </p:cNvSpPr>
-          <p:nvPr>
-            <p:ph type="body" sz="half" idx="2"/>
-          </p:nvPr>
-        </p:nvSpPr>
-        <p:spPr>
-          <a:xfrm>
-            <a:off x="677334" y="5367338"/>
-            <a:ext cx="8596667" cy="674024"/>
-          </a:xfrm>
-        </p:spPr>
-        <p:txBody>
-          <a:bodyPr>
+          <a:bodyPr lIns="91440" tIns="0" rIns="91440" bIns="0">
             <a:normAutofit/>
           </a:bodyPr>
           <a:lstStyle>
             <a:lvl1pPr marL="0" indent="0">
-              <a:buNone/>
-              <a:defRPr sz="1200"/>
+              <a:spcBef>
+                <a:spcPts val="0"/>
+              </a:spcBef>
+              <a:spcAft>
+                <a:spcPts val="600"/>
+              </a:spcAft>
+              <a:buNone/>
+              <a:defRPr sz="1500">
+                <a:solidFill>
+                  <a:srgbClr val="FFFFFF"/>
+                </a:solidFill>
+              </a:defRPr>
             </a:lvl1pPr>
             <a:lvl2pPr marL="457200" indent="0">
               <a:buNone/>
@@ -5058,7 +3494,7 @@
     </p:spTree>
     <p:extLst>
       <p:ext uri="{BB962C8B-B14F-4D97-AF65-F5344CB8AC3E}">
-        <p14:creationId xmlns:p14="http://schemas.microsoft.com/office/powerpoint/2010/main" val="613728421"/>
+        <p14:creationId xmlns:p14="http://schemas.microsoft.com/office/powerpoint/2010/main" val="3860156726"/>
       </p:ext>
     </p:extLst>
   </p:cSld>
@@ -5090,557 +3526,103 @@
           <a:chExt cx="0" cy="0"/>
         </a:xfrm>
       </p:grpSpPr>
-      <p:grpSp>
-        <p:nvGrpSpPr>
-          <p:cNvPr id="7" name="Group 6"/>
-          <p:cNvGrpSpPr/>
+      <p:sp>
+        <p:nvSpPr>
+          <p:cNvPr id="7" name="Rectangle 6"/>
+          <p:cNvSpPr/>
           <p:nvPr/>
-        </p:nvGrpSpPr>
-        <p:grpSpPr>
-          <a:xfrm>
-            <a:off x="0" y="-8467"/>
-            <a:ext cx="12192000" cy="6866467"/>
-            <a:chOff x="0" y="-8467"/>
-            <a:chExt cx="12192000" cy="6866467"/>
-          </a:xfrm>
-        </p:grpSpPr>
-        <p:cxnSp>
-          <p:nvCxnSpPr>
-            <p:cNvPr id="20" name="Straight Connector 19"/>
-            <p:cNvCxnSpPr/>
-            <p:nvPr/>
-          </p:nvCxnSpPr>
-          <p:spPr>
-            <a:xfrm>
-              <a:off x="9371012" y="0"/>
-              <a:ext cx="1219200" cy="6858000"/>
-            </a:xfrm>
-            <a:prstGeom prst="line">
-              <a:avLst/>
-            </a:prstGeom>
-            <a:ln w="9525">
-              <a:solidFill>
-                <a:schemeClr val="bg1">
-                  <a:lumMod val="75000"/>
-                </a:schemeClr>
-              </a:solidFill>
-            </a:ln>
-          </p:spPr>
-          <p:style>
-            <a:lnRef idx="2">
-              <a:schemeClr val="accent1"/>
-            </a:lnRef>
-            <a:fillRef idx="0">
-              <a:schemeClr val="accent1"/>
-            </a:fillRef>
-            <a:effectRef idx="1">
-              <a:schemeClr val="accent1"/>
-            </a:effectRef>
-            <a:fontRef idx="minor">
-              <a:schemeClr val="tx1"/>
-            </a:fontRef>
-          </p:style>
-        </p:cxnSp>
-        <p:cxnSp>
-          <p:nvCxnSpPr>
-            <p:cNvPr id="21" name="Straight Connector 20"/>
-            <p:cNvCxnSpPr/>
-            <p:nvPr/>
-          </p:nvCxnSpPr>
-          <p:spPr>
-            <a:xfrm flipH="1">
-              <a:off x="7425267" y="3681413"/>
-              <a:ext cx="4763558" cy="3176587"/>
-            </a:xfrm>
-            <a:prstGeom prst="line">
-              <a:avLst/>
-            </a:prstGeom>
-            <a:ln w="9525">
-              <a:solidFill>
-                <a:schemeClr val="bg1">
-                  <a:lumMod val="85000"/>
-                </a:schemeClr>
-              </a:solidFill>
-            </a:ln>
-          </p:spPr>
-          <p:style>
-            <a:lnRef idx="2">
-              <a:schemeClr val="accent1"/>
-            </a:lnRef>
-            <a:fillRef idx="0">
-              <a:schemeClr val="accent1"/>
-            </a:fillRef>
-            <a:effectRef idx="1">
-              <a:schemeClr val="accent1"/>
-            </a:effectRef>
-            <a:fontRef idx="minor">
-              <a:schemeClr val="tx1"/>
-            </a:fontRef>
-          </p:style>
-        </p:cxnSp>
-        <p:sp>
-          <p:nvSpPr>
-            <p:cNvPr id="22" name="Rectangle 23"/>
-            <p:cNvSpPr/>
-            <p:nvPr/>
-          </p:nvSpPr>
-          <p:spPr>
-            <a:xfrm>
-              <a:off x="9181476" y="-8467"/>
-              <a:ext cx="3007349" cy="6866467"/>
-            </a:xfrm>
-            <a:custGeom>
-              <a:avLst/>
-              <a:gdLst/>
-              <a:ahLst/>
-              <a:cxnLst/>
-              <a:rect l="l" t="t" r="r" b="b"/>
-              <a:pathLst>
-                <a:path w="3007349" h="6866467">
-                  <a:moveTo>
-                    <a:pt x="2045532" y="0"/>
-                  </a:moveTo>
-                  <a:lnTo>
-                    <a:pt x="3007349" y="0"/>
-                  </a:lnTo>
-                  <a:lnTo>
-                    <a:pt x="3007349" y="6866467"/>
-                  </a:lnTo>
-                  <a:lnTo>
-                    <a:pt x="0" y="6866467"/>
-                  </a:lnTo>
-                  <a:lnTo>
-                    <a:pt x="2045532" y="0"/>
-                  </a:lnTo>
-                  <a:close/>
-                </a:path>
-              </a:pathLst>
-            </a:custGeom>
-            <a:solidFill>
-              <a:schemeClr val="accent1">
-                <a:alpha val="30000"/>
-              </a:schemeClr>
-            </a:solidFill>
-            <a:ln>
-              <a:noFill/>
-            </a:ln>
-            <a:effectLst/>
-          </p:spPr>
-          <p:style>
-            <a:lnRef idx="1">
-              <a:schemeClr val="accent1"/>
-            </a:lnRef>
-            <a:fillRef idx="3">
-              <a:schemeClr val="accent1"/>
-            </a:fillRef>
-            <a:effectRef idx="2">
-              <a:schemeClr val="accent1"/>
-            </a:effectRef>
-            <a:fontRef idx="minor">
-              <a:schemeClr val="lt1"/>
-            </a:fontRef>
-          </p:style>
-        </p:sp>
-        <p:sp>
-          <p:nvSpPr>
-            <p:cNvPr id="23" name="Rectangle 25"/>
-            <p:cNvSpPr/>
-            <p:nvPr/>
-          </p:nvSpPr>
-          <p:spPr>
-            <a:xfrm>
-              <a:off x="9603442" y="-8467"/>
-              <a:ext cx="2588558" cy="6866467"/>
-            </a:xfrm>
-            <a:custGeom>
-              <a:avLst/>
-              <a:gdLst/>
-              <a:ahLst/>
-              <a:cxnLst/>
-              <a:rect l="l" t="t" r="r" b="b"/>
-              <a:pathLst>
-                <a:path w="2573311" h="6866467">
-                  <a:moveTo>
-                    <a:pt x="0" y="0"/>
-                  </a:moveTo>
-                  <a:lnTo>
-                    <a:pt x="2573311" y="0"/>
-                  </a:lnTo>
-                  <a:lnTo>
-                    <a:pt x="2573311" y="6866467"/>
-                  </a:lnTo>
-                  <a:lnTo>
-                    <a:pt x="1202336" y="6866467"/>
-                  </a:lnTo>
-                  <a:lnTo>
-                    <a:pt x="0" y="0"/>
-                  </a:lnTo>
-                  <a:close/>
-                </a:path>
-              </a:pathLst>
-            </a:custGeom>
-            <a:solidFill>
-              <a:schemeClr val="accent1">
-                <a:alpha val="20000"/>
-              </a:schemeClr>
-            </a:solidFill>
-            <a:ln>
-              <a:noFill/>
-            </a:ln>
-            <a:effectLst/>
-          </p:spPr>
-          <p:style>
-            <a:lnRef idx="1">
-              <a:schemeClr val="accent1"/>
-            </a:lnRef>
-            <a:fillRef idx="3">
-              <a:schemeClr val="accent1"/>
-            </a:fillRef>
-            <a:effectRef idx="2">
-              <a:schemeClr val="accent1"/>
-            </a:effectRef>
-            <a:fontRef idx="minor">
-              <a:schemeClr val="lt1"/>
-            </a:fontRef>
-          </p:style>
-        </p:sp>
-        <p:sp>
-          <p:nvSpPr>
-            <p:cNvPr id="24" name="Isosceles Triangle 23"/>
-            <p:cNvSpPr/>
-            <p:nvPr/>
-          </p:nvSpPr>
-          <p:spPr>
-            <a:xfrm>
-              <a:off x="8932333" y="3048000"/>
-              <a:ext cx="3259667" cy="3810000"/>
-            </a:xfrm>
-            <a:prstGeom prst="triangle">
-              <a:avLst>
-                <a:gd name="adj" fmla="val 100000"/>
-              </a:avLst>
-            </a:prstGeom>
-            <a:solidFill>
-              <a:schemeClr val="accent2">
-                <a:alpha val="72000"/>
-              </a:schemeClr>
-            </a:solidFill>
-            <a:ln>
-              <a:noFill/>
-            </a:ln>
-            <a:effectLst/>
-          </p:spPr>
-          <p:style>
-            <a:lnRef idx="1">
-              <a:schemeClr val="accent1"/>
-            </a:lnRef>
-            <a:fillRef idx="3">
-              <a:schemeClr val="accent1"/>
-            </a:fillRef>
-            <a:effectRef idx="2">
-              <a:schemeClr val="accent1"/>
-            </a:effectRef>
-            <a:fontRef idx="minor">
-              <a:schemeClr val="lt1"/>
-            </a:fontRef>
-          </p:style>
-        </p:sp>
-        <p:sp>
-          <p:nvSpPr>
-            <p:cNvPr id="25" name="Rectangle 27"/>
-            <p:cNvSpPr/>
-            <p:nvPr/>
-          </p:nvSpPr>
-          <p:spPr>
-            <a:xfrm>
-              <a:off x="9334500" y="-8467"/>
-              <a:ext cx="2854326" cy="6866467"/>
-            </a:xfrm>
-            <a:custGeom>
-              <a:avLst/>
-              <a:gdLst/>
-              <a:ahLst/>
-              <a:cxnLst/>
-              <a:rect l="l" t="t" r="r" b="b"/>
-              <a:pathLst>
-                <a:path w="2858013" h="6866467">
-                  <a:moveTo>
-                    <a:pt x="0" y="0"/>
-                  </a:moveTo>
-                  <a:lnTo>
-                    <a:pt x="2858013" y="0"/>
-                  </a:lnTo>
-                  <a:lnTo>
-                    <a:pt x="2858013" y="6866467"/>
-                  </a:lnTo>
-                  <a:lnTo>
-                    <a:pt x="2473942" y="6866467"/>
-                  </a:lnTo>
-                  <a:lnTo>
-                    <a:pt x="0" y="0"/>
-                  </a:lnTo>
-                  <a:close/>
-                </a:path>
-              </a:pathLst>
-            </a:custGeom>
-            <a:solidFill>
-              <a:schemeClr val="accent2">
-                <a:lumMod val="75000"/>
-                <a:alpha val="70000"/>
-              </a:schemeClr>
-            </a:solidFill>
-            <a:ln>
-              <a:noFill/>
-            </a:ln>
-            <a:effectLst/>
-          </p:spPr>
-          <p:style>
-            <a:lnRef idx="1">
-              <a:schemeClr val="accent1"/>
-            </a:lnRef>
-            <a:fillRef idx="3">
-              <a:schemeClr val="accent1"/>
-            </a:fillRef>
-            <a:effectRef idx="2">
-              <a:schemeClr val="accent1"/>
-            </a:effectRef>
-            <a:fontRef idx="minor">
-              <a:schemeClr val="lt1"/>
-            </a:fontRef>
-          </p:style>
-        </p:sp>
-        <p:sp>
-          <p:nvSpPr>
-            <p:cNvPr id="26" name="Rectangle 28"/>
-            <p:cNvSpPr/>
-            <p:nvPr/>
-          </p:nvSpPr>
-          <p:spPr>
-            <a:xfrm>
-              <a:off x="10898730" y="-8467"/>
-              <a:ext cx="1290094" cy="6866467"/>
-            </a:xfrm>
-            <a:custGeom>
-              <a:avLst/>
-              <a:gdLst/>
-              <a:ahLst/>
-              <a:cxnLst/>
-              <a:rect l="l" t="t" r="r" b="b"/>
-              <a:pathLst>
-                <a:path w="1290094" h="6858000">
-                  <a:moveTo>
-                    <a:pt x="1019735" y="0"/>
-                  </a:moveTo>
-                  <a:lnTo>
-                    <a:pt x="1290094" y="0"/>
-                  </a:lnTo>
-                  <a:lnTo>
-                    <a:pt x="1290094" y="6858000"/>
-                  </a:lnTo>
-                  <a:lnTo>
-                    <a:pt x="0" y="6858000"/>
-                  </a:lnTo>
-                  <a:lnTo>
-                    <a:pt x="1019735" y="0"/>
-                  </a:lnTo>
-                  <a:close/>
-                </a:path>
-              </a:pathLst>
-            </a:custGeom>
-            <a:solidFill>
-              <a:schemeClr val="accent1">
-                <a:lumMod val="60000"/>
-                <a:lumOff val="40000"/>
-                <a:alpha val="70000"/>
-              </a:schemeClr>
-            </a:solidFill>
-            <a:ln>
-              <a:noFill/>
-            </a:ln>
-            <a:effectLst/>
-          </p:spPr>
-          <p:style>
-            <a:lnRef idx="1">
-              <a:schemeClr val="accent1"/>
-            </a:lnRef>
-            <a:fillRef idx="3">
-              <a:schemeClr val="accent1"/>
-            </a:fillRef>
-            <a:effectRef idx="2">
-              <a:schemeClr val="accent1"/>
-            </a:effectRef>
-            <a:fontRef idx="minor">
-              <a:schemeClr val="lt1"/>
-            </a:fontRef>
-          </p:style>
-        </p:sp>
-        <p:sp>
-          <p:nvSpPr>
-            <p:cNvPr id="27" name="Rectangle 29"/>
-            <p:cNvSpPr/>
-            <p:nvPr/>
-          </p:nvSpPr>
-          <p:spPr>
-            <a:xfrm>
-              <a:off x="10938999" y="-8467"/>
-              <a:ext cx="1249825" cy="6866467"/>
-            </a:xfrm>
-            <a:custGeom>
-              <a:avLst/>
-              <a:gdLst/>
-              <a:ahLst/>
-              <a:cxnLst/>
-              <a:rect l="l" t="t" r="r" b="b"/>
-              <a:pathLst>
-                <a:path w="1249825" h="6858000">
-                  <a:moveTo>
-                    <a:pt x="0" y="0"/>
-                  </a:moveTo>
-                  <a:lnTo>
-                    <a:pt x="1249825" y="0"/>
-                  </a:lnTo>
-                  <a:lnTo>
-                    <a:pt x="1249825" y="6858000"/>
-                  </a:lnTo>
-                  <a:lnTo>
-                    <a:pt x="1109382" y="6858000"/>
-                  </a:lnTo>
-                  <a:lnTo>
-                    <a:pt x="0" y="0"/>
-                  </a:lnTo>
-                  <a:close/>
-                </a:path>
-              </a:pathLst>
-            </a:custGeom>
-            <a:solidFill>
-              <a:schemeClr val="accent1">
-                <a:alpha val="65000"/>
-              </a:schemeClr>
-            </a:solidFill>
-            <a:ln>
-              <a:noFill/>
-            </a:ln>
-            <a:effectLst/>
-          </p:spPr>
-          <p:style>
-            <a:lnRef idx="1">
-              <a:schemeClr val="accent1"/>
-            </a:lnRef>
-            <a:fillRef idx="3">
-              <a:schemeClr val="accent1"/>
-            </a:fillRef>
-            <a:effectRef idx="2">
-              <a:schemeClr val="accent1"/>
-            </a:effectRef>
-            <a:fontRef idx="minor">
-              <a:schemeClr val="lt1"/>
-            </a:fontRef>
-          </p:style>
-        </p:sp>
-        <p:sp>
-          <p:nvSpPr>
-            <p:cNvPr id="28" name="Isosceles Triangle 27"/>
-            <p:cNvSpPr/>
-            <p:nvPr/>
-          </p:nvSpPr>
-          <p:spPr>
-            <a:xfrm>
-              <a:off x="10371666" y="3589867"/>
-              <a:ext cx="1817159" cy="3268133"/>
-            </a:xfrm>
-            <a:prstGeom prst="triangle">
-              <a:avLst>
-                <a:gd name="adj" fmla="val 100000"/>
-              </a:avLst>
-            </a:prstGeom>
-            <a:solidFill>
-              <a:schemeClr val="accent1">
-                <a:alpha val="80000"/>
-              </a:schemeClr>
-            </a:solidFill>
-            <a:ln>
-              <a:noFill/>
-            </a:ln>
-            <a:effectLst/>
-          </p:spPr>
-          <p:style>
-            <a:lnRef idx="1">
-              <a:schemeClr val="accent1"/>
-            </a:lnRef>
-            <a:fillRef idx="3">
-              <a:schemeClr val="accent1"/>
-            </a:fillRef>
-            <a:effectRef idx="2">
-              <a:schemeClr val="accent1"/>
-            </a:effectRef>
-            <a:fontRef idx="minor">
-              <a:schemeClr val="lt1"/>
-            </a:fontRef>
-          </p:style>
-        </p:sp>
-        <p:sp>
-          <p:nvSpPr>
-            <p:cNvPr id="29" name="Isosceles Triangle 28"/>
-            <p:cNvSpPr/>
-            <p:nvPr/>
-          </p:nvSpPr>
-          <p:spPr>
-            <a:xfrm>
-              <a:off x="0" y="4013200"/>
-              <a:ext cx="448733" cy="2844800"/>
-            </a:xfrm>
-            <a:prstGeom prst="triangle">
-              <a:avLst>
-                <a:gd name="adj" fmla="val 0"/>
-              </a:avLst>
-            </a:prstGeom>
-            <a:solidFill>
-              <a:schemeClr val="accent1">
-                <a:alpha val="85000"/>
-              </a:schemeClr>
-            </a:solidFill>
-            <a:ln>
-              <a:noFill/>
-            </a:ln>
-            <a:effectLst/>
-          </p:spPr>
-          <p:style>
-            <a:lnRef idx="1">
-              <a:schemeClr val="accent1"/>
-            </a:lnRef>
-            <a:fillRef idx="3">
-              <a:schemeClr val="accent1"/>
-            </a:fillRef>
-            <a:effectRef idx="2">
-              <a:schemeClr val="accent1"/>
-            </a:effectRef>
-            <a:fontRef idx="minor">
-              <a:schemeClr val="lt1"/>
-            </a:fontRef>
-          </p:style>
-        </p:sp>
-      </p:grpSp>
-      <p:sp>
-        <p:nvSpPr>
-          <p:cNvPr id="2" name="Title Placeholder 1"/>
-          <p:cNvSpPr>
-            <a:spLocks noGrp="1"/>
-          </p:cNvSpPr>
-          <p:nvPr>
-            <p:ph type="title"/>
-          </p:nvPr>
         </p:nvSpPr>
         <p:spPr>
           <a:xfrm>
-            <a:off x="677334" y="609600"/>
-            <a:ext cx="8596668" cy="1320800"/>
+            <a:off x="1" y="6400800"/>
+            <a:ext cx="12192000" cy="457200"/>
+          </a:xfrm>
+          <a:prstGeom prst="rect">
+            <a:avLst/>
+          </a:prstGeom>
+          <a:solidFill>
+            <a:schemeClr val="accent2"/>
+          </a:solidFill>
+          <a:ln>
+            <a:noFill/>
+          </a:ln>
+        </p:spPr>
+        <p:style>
+          <a:lnRef idx="2">
+            <a:schemeClr val="accent1">
+              <a:shade val="50000"/>
+            </a:schemeClr>
+          </a:lnRef>
+          <a:fillRef idx="1">
+            <a:schemeClr val="accent1"/>
+          </a:fillRef>
+          <a:effectRef idx="0">
+            <a:schemeClr val="accent1"/>
+          </a:effectRef>
+          <a:fontRef idx="minor">
+            <a:schemeClr val="lt1"/>
+          </a:fontRef>
+        </p:style>
+      </p:sp>
+      <p:sp>
+        <p:nvSpPr>
+          <p:cNvPr id="9" name="Rectangle 8"/>
+          <p:cNvSpPr/>
+          <p:nvPr/>
+        </p:nvSpPr>
+        <p:spPr>
+          <a:xfrm>
+            <a:off x="0" y="6334316"/>
+            <a:ext cx="12192001" cy="65998"/>
+          </a:xfrm>
+          <a:prstGeom prst="rect">
+            <a:avLst/>
+          </a:prstGeom>
+          <a:solidFill>
+            <a:schemeClr val="accent1"/>
+          </a:solidFill>
+          <a:ln>
+            <a:noFill/>
+          </a:ln>
+        </p:spPr>
+        <p:style>
+          <a:lnRef idx="2">
+            <a:schemeClr val="accent1">
+              <a:shade val="50000"/>
+            </a:schemeClr>
+          </a:lnRef>
+          <a:fillRef idx="1">
+            <a:schemeClr val="accent1"/>
+          </a:fillRef>
+          <a:effectRef idx="0">
+            <a:schemeClr val="accent1"/>
+          </a:effectRef>
+          <a:fontRef idx="minor">
+            <a:schemeClr val="lt1"/>
+          </a:fontRef>
+        </p:style>
+      </p:sp>
+      <p:sp>
+        <p:nvSpPr>
+          <p:cNvPr id="2" name="Title Placeholder 1"/>
+          <p:cNvSpPr>
+            <a:spLocks noGrp="1"/>
+          </p:cNvSpPr>
+          <p:nvPr>
+            <p:ph type="title"/>
+          </p:nvPr>
+        </p:nvSpPr>
+        <p:spPr>
+          <a:xfrm>
+            <a:off x="1097280" y="286603"/>
+            <a:ext cx="10058400" cy="1450757"/>
           </a:xfrm>
           <a:prstGeom prst="rect">
             <a:avLst/>
           </a:prstGeom>
         </p:spPr>
         <p:txBody>
-          <a:bodyPr vert="horz" lIns="91440" tIns="45720" rIns="91440" bIns="45720" rtlCol="0" anchor="t">
+          <a:bodyPr vert="horz" lIns="91440" tIns="45720" rIns="91440" bIns="45720" rtlCol="0" anchor="b">
             <a:normAutofit/>
           </a:bodyPr>
           <a:lstStyle/>
@@ -5665,15 +3647,15 @@
         </p:nvSpPr>
         <p:spPr>
           <a:xfrm>
-            <a:off x="677334" y="2160589"/>
-            <a:ext cx="8596668" cy="3880773"/>
+            <a:off x="1097280" y="1845734"/>
+            <a:ext cx="10058400" cy="4023360"/>
           </a:xfrm>
           <a:prstGeom prst="rect">
             <a:avLst/>
           </a:prstGeom>
         </p:spPr>
         <p:txBody>
-          <a:bodyPr vert="horz" lIns="91440" tIns="45720" rIns="91440" bIns="45720" rtlCol="0">
+          <a:bodyPr vert="horz" lIns="0" tIns="45720" rIns="0" bIns="45720" rtlCol="0">
             <a:normAutofit/>
           </a:bodyPr>
           <a:lstStyle/>
@@ -5727,8 +3709,8 @@
         </p:nvSpPr>
         <p:spPr>
           <a:xfrm>
-            <a:off x="7205133" y="6041362"/>
-            <a:ext cx="911939" cy="365125"/>
+            <a:off x="1097280" y="6459785"/>
+            <a:ext cx="2472271" cy="365125"/>
           </a:xfrm>
           <a:prstGeom prst="rect">
             <a:avLst/>
@@ -5737,12 +3719,10 @@
         <p:txBody>
           <a:bodyPr vert="horz" lIns="91440" tIns="45720" rIns="91440" bIns="45720" rtlCol="0" anchor="ctr"/>
           <a:lstStyle>
-            <a:lvl1pPr algn="r">
+            <a:lvl1pPr algn="l">
               <a:defRPr sz="900">
                 <a:solidFill>
-                  <a:schemeClr val="tx1">
-                    <a:tint val="75000"/>
-                  </a:schemeClr>
+                  <a:srgbClr val="FFFFFF"/>
                 </a:solidFill>
               </a:defRPr>
             </a:lvl1pPr>
@@ -5768,8 +3748,8 @@
         </p:nvSpPr>
         <p:spPr>
           <a:xfrm>
-            <a:off x="677334" y="6041362"/>
-            <a:ext cx="6297612" cy="365125"/>
+            <a:off x="3686185" y="6459785"/>
+            <a:ext cx="4822804" cy="365125"/>
           </a:xfrm>
           <a:prstGeom prst="rect">
             <a:avLst/>
@@ -5778,12 +3758,10 @@
         <p:txBody>
           <a:bodyPr vert="horz" lIns="91440" tIns="45720" rIns="91440" bIns="45720" rtlCol="0" anchor="ctr"/>
           <a:lstStyle>
-            <a:lvl1pPr algn="l">
-              <a:defRPr sz="900">
+            <a:lvl1pPr algn="ctr">
+              <a:defRPr sz="900" cap="all" baseline="0">
                 <a:solidFill>
-                  <a:schemeClr val="tx1">
-                    <a:tint val="75000"/>
-                  </a:schemeClr>
+                  <a:srgbClr val="FFFFFF"/>
                 </a:solidFill>
               </a:defRPr>
             </a:lvl1pPr>
@@ -5805,8 +3783,8 @@
         </p:nvSpPr>
         <p:spPr>
           <a:xfrm>
-            <a:off x="8590663" y="6041362"/>
-            <a:ext cx="683339" cy="365125"/>
+            <a:off x="9900458" y="6459785"/>
+            <a:ext cx="1312025" cy="365125"/>
           </a:xfrm>
           <a:prstGeom prst="rect">
             <a:avLst/>
@@ -5816,9 +3794,9 @@
           <a:bodyPr vert="horz" lIns="91440" tIns="45720" rIns="91440" bIns="45720" rtlCol="0" anchor="ctr"/>
           <a:lstStyle>
             <a:lvl1pPr algn="r">
-              <a:defRPr sz="900">
+              <a:defRPr sz="1050">
                 <a:solidFill>
-                  <a:schemeClr val="accent1"/>
+                  <a:srgbClr val="FFFFFF"/>
                 </a:solidFill>
               </a:defRPr>
             </a:lvl1pPr>
@@ -5832,120 +3810,133 @@
           </a:p>
         </p:txBody>
       </p:sp>
+      <p:cxnSp>
+        <p:nvCxnSpPr>
+          <p:cNvPr id="10" name="Straight Connector 9"/>
+          <p:cNvCxnSpPr/>
+          <p:nvPr/>
+        </p:nvCxnSpPr>
+        <p:spPr>
+          <a:xfrm>
+            <a:off x="1193532" y="1737845"/>
+            <a:ext cx="9966960" cy="0"/>
+          </a:xfrm>
+          <a:prstGeom prst="line">
+            <a:avLst/>
+          </a:prstGeom>
+          <a:ln w="6350">
+            <a:solidFill>
+              <a:schemeClr val="tx1">
+                <a:lumMod val="50000"/>
+                <a:lumOff val="50000"/>
+              </a:schemeClr>
+            </a:solidFill>
+          </a:ln>
+        </p:spPr>
+        <p:style>
+          <a:lnRef idx="1">
+            <a:schemeClr val="accent1"/>
+          </a:lnRef>
+          <a:fillRef idx="0">
+            <a:schemeClr val="accent1"/>
+          </a:fillRef>
+          <a:effectRef idx="0">
+            <a:schemeClr val="accent1"/>
+          </a:effectRef>
+          <a:fontRef idx="minor">
+            <a:schemeClr val="tx1"/>
+          </a:fontRef>
+        </p:style>
+      </p:cxnSp>
     </p:spTree>
     <p:extLst>
       <p:ext uri="{BB962C8B-B14F-4D97-AF65-F5344CB8AC3E}">
-        <p14:creationId xmlns:p14="http://schemas.microsoft.com/office/powerpoint/2010/main" val="1287102762"/>
+        <p14:creationId xmlns:p14="http://schemas.microsoft.com/office/powerpoint/2010/main" val="1571952199"/>
       </p:ext>
     </p:extLst>
   </p:cSld>
   <p:clrMap bg1="lt1" tx1="dk1" bg2="lt2" tx2="dk2" accent1="accent1" accent2="accent2" accent3="accent3" accent4="accent4" accent5="accent5" accent6="accent6" hlink="hlink" folHlink="folHlink"/>
   <p:sldLayoutIdLst>
-    <p:sldLayoutId id="2147483715" r:id="rId1"/>
-    <p:sldLayoutId id="2147483716" r:id="rId2"/>
-    <p:sldLayoutId id="2147483717" r:id="rId3"/>
-    <p:sldLayoutId id="2147483718" r:id="rId4"/>
-    <p:sldLayoutId id="2147483719" r:id="rId5"/>
-    <p:sldLayoutId id="2147483720" r:id="rId6"/>
-    <p:sldLayoutId id="2147483721" r:id="rId7"/>
-    <p:sldLayoutId id="2147483722" r:id="rId8"/>
-    <p:sldLayoutId id="2147483723" r:id="rId9"/>
-    <p:sldLayoutId id="2147483724" r:id="rId10"/>
-    <p:sldLayoutId id="2147483725" r:id="rId11"/>
-    <p:sldLayoutId id="2147483726" r:id="rId12"/>
-    <p:sldLayoutId id="2147483727" r:id="rId13"/>
-    <p:sldLayoutId id="2147483728" r:id="rId14"/>
-    <p:sldLayoutId id="2147483729" r:id="rId15"/>
-    <p:sldLayoutId id="2147483730" r:id="rId16"/>
+    <p:sldLayoutId id="2147483792" r:id="rId1"/>
+    <p:sldLayoutId id="2147483793" r:id="rId2"/>
+    <p:sldLayoutId id="2147483794" r:id="rId3"/>
+    <p:sldLayoutId id="2147483795" r:id="rId4"/>
+    <p:sldLayoutId id="2147483796" r:id="rId5"/>
+    <p:sldLayoutId id="2147483797" r:id="rId6"/>
+    <p:sldLayoutId id="2147483798" r:id="rId7"/>
+    <p:sldLayoutId id="2147483799" r:id="rId8"/>
+    <p:sldLayoutId id="2147483800" r:id="rId9"/>
+    <p:sldLayoutId id="2147483801" r:id="rId10"/>
+    <p:sldLayoutId id="2147483802" r:id="rId11"/>
   </p:sldLayoutIdLst>
   <p:hf hdr="0" ftr="0" dt="0"/>
   <p:txStyles>
     <p:titleStyle>
-      <a:lvl1pPr algn="l" defTabSz="457200" rtl="0" eaLnBrk="1" latinLnBrk="0" hangingPunct="1">
+      <a:lvl1pPr algn="l" defTabSz="914400" rtl="0" eaLnBrk="1" latinLnBrk="0" hangingPunct="1">
+        <a:lnSpc>
+          <a:spcPct val="85000"/>
+        </a:lnSpc>
         <a:spcBef>
           <a:spcPct val="0"/>
         </a:spcBef>
         <a:buNone/>
-        <a:defRPr sz="3600" kern="1200">
+        <a:defRPr sz="4800" kern="1200" spc="-50" baseline="0">
           <a:solidFill>
-            <a:schemeClr val="accent1"/>
+            <a:schemeClr val="tx1">
+              <a:lumMod val="75000"/>
+              <a:lumOff val="25000"/>
+            </a:schemeClr>
           </a:solidFill>
           <a:latin typeface="+mj-lt"/>
           <a:ea typeface="+mj-ea"/>
           <a:cs typeface="+mj-cs"/>
         </a:defRPr>
       </a:lvl1pPr>
-      <a:lvl2pPr eaLnBrk="1" hangingPunct="1">
-        <a:defRPr>
-          <a:solidFill>
-            <a:schemeClr val="tx2"/>
-          </a:solidFill>
-        </a:defRPr>
-      </a:lvl2pPr>
-      <a:lvl3pPr eaLnBrk="1" hangingPunct="1">
-        <a:defRPr>
-          <a:solidFill>
-            <a:schemeClr val="tx2"/>
-          </a:solidFill>
-        </a:defRPr>
-      </a:lvl3pPr>
-      <a:lvl4pPr eaLnBrk="1" hangingPunct="1">
-        <a:defRPr>
-          <a:solidFill>
-            <a:schemeClr val="tx2"/>
-          </a:solidFill>
-        </a:defRPr>
-      </a:lvl4pPr>
-      <a:lvl5pPr eaLnBrk="1" hangingPunct="1">
-        <a:defRPr>
-          <a:solidFill>
-            <a:schemeClr val="tx2"/>
-          </a:solidFill>
-        </a:defRPr>
-      </a:lvl5pPr>
-      <a:lvl6pPr eaLnBrk="1" hangingPunct="1">
-        <a:defRPr>
-          <a:solidFill>
-            <a:schemeClr val="tx2"/>
-          </a:solidFill>
-        </a:defRPr>
-      </a:lvl6pPr>
-      <a:lvl7pPr eaLnBrk="1" hangingPunct="1">
-        <a:defRPr>
-          <a:solidFill>
-            <a:schemeClr val="tx2"/>
-          </a:solidFill>
-        </a:defRPr>
-      </a:lvl7pPr>
-      <a:lvl8pPr eaLnBrk="1" hangingPunct="1">
-        <a:defRPr>
-          <a:solidFill>
-            <a:schemeClr val="tx2"/>
-          </a:solidFill>
-        </a:defRPr>
-      </a:lvl8pPr>
-      <a:lvl9pPr eaLnBrk="1" hangingPunct="1">
-        <a:defRPr>
-          <a:solidFill>
-            <a:schemeClr val="tx2"/>
-          </a:solidFill>
-        </a:defRPr>
-      </a:lvl9pPr>
     </p:titleStyle>
     <p:bodyStyle>
-      <a:lvl1pPr marL="342900" indent="-342900" algn="l" defTabSz="457200" rtl="0" eaLnBrk="1" latinLnBrk="0" hangingPunct="1">
+      <a:lvl1pPr marL="91440" indent="-91440" algn="l" defTabSz="914400" rtl="0" eaLnBrk="1" latinLnBrk="0" hangingPunct="1">
+        <a:lnSpc>
+          <a:spcPct val="90000"/>
+        </a:lnSpc>
         <a:spcBef>
-          <a:spcPts val="1000"/>
+          <a:spcPts val="1200"/>
         </a:spcBef>
         <a:spcAft>
-          <a:spcPts val="0"/>
+          <a:spcPts val="200"/>
         </a:spcAft>
         <a:buClr>
           <a:schemeClr val="accent1"/>
         </a:buClr>
-        <a:buSzPct val="80000"/>
-        <a:buFont typeface="Wingdings 3" charset="2"/>
-        <a:buChar char=""/>
+        <a:buSzPct val="100000"/>
+        <a:buFont typeface="Calibri" panose="020F0502020204030204" pitchFamily="34" charset="0"/>
+        <a:buChar char=" "/>
+        <a:defRPr sz="2000" kern="1200">
+          <a:solidFill>
+            <a:schemeClr val="tx1">
+              <a:lumMod val="75000"/>
+              <a:lumOff val="25000"/>
+            </a:schemeClr>
+          </a:solidFill>
+          <a:latin typeface="+mn-lt"/>
+          <a:ea typeface="+mn-ea"/>
+          <a:cs typeface="+mn-cs"/>
+        </a:defRPr>
+      </a:lvl1pPr>
+      <a:lvl2pPr marL="384048" indent="-182880" algn="l" defTabSz="914400" rtl="0" eaLnBrk="1" latinLnBrk="0" hangingPunct="1">
+        <a:lnSpc>
+          <a:spcPct val="90000"/>
+        </a:lnSpc>
+        <a:spcBef>
+          <a:spcPts val="200"/>
+        </a:spcBef>
+        <a:spcAft>
+          <a:spcPts val="400"/>
+        </a:spcAft>
+        <a:buClr>
+          <a:schemeClr val="accent1"/>
+        </a:buClr>
+        <a:buFont typeface="Calibri" pitchFamily="34" charset="0"/>
+        <a:buChar char="◦"/>
         <a:defRPr sz="1800" kern="1200">
           <a:solidFill>
             <a:schemeClr val="tx1">
@@ -5957,45 +3948,22 @@
           <a:ea typeface="+mn-ea"/>
           <a:cs typeface="+mn-cs"/>
         </a:defRPr>
-      </a:lvl1pPr>
-      <a:lvl2pPr marL="742950" indent="-285750" algn="l" defTabSz="457200" rtl="0" eaLnBrk="1" latinLnBrk="0" hangingPunct="1">
+      </a:lvl2pPr>
+      <a:lvl3pPr marL="566928" indent="-182880" algn="l" defTabSz="914400" rtl="0" eaLnBrk="1" latinLnBrk="0" hangingPunct="1">
+        <a:lnSpc>
+          <a:spcPct val="90000"/>
+        </a:lnSpc>
         <a:spcBef>
-          <a:spcPts val="1000"/>
+          <a:spcPts val="200"/>
         </a:spcBef>
         <a:spcAft>
-          <a:spcPts val="0"/>
+          <a:spcPts val="400"/>
         </a:spcAft>
         <a:buClr>
           <a:schemeClr val="accent1"/>
         </a:buClr>
-        <a:buSzPct val="80000"/>
-        <a:buFont typeface="Wingdings 3" charset="2"/>
-        <a:buChar char=""/>
-        <a:defRPr sz="1600" kern="1200">
-          <a:solidFill>
-            <a:schemeClr val="tx1">
-              <a:lumMod val="75000"/>
-              <a:lumOff val="25000"/>
-            </a:schemeClr>
-          </a:solidFill>
-          <a:latin typeface="+mn-lt"/>
-          <a:ea typeface="+mn-ea"/>
-          <a:cs typeface="+mn-cs"/>
-        </a:defRPr>
-      </a:lvl2pPr>
-      <a:lvl3pPr marL="1143000" indent="-228600" algn="l" defTabSz="457200" rtl="0" eaLnBrk="1" latinLnBrk="0" hangingPunct="1">
-        <a:spcBef>
-          <a:spcPts val="1000"/>
-        </a:spcBef>
-        <a:spcAft>
-          <a:spcPts val="0"/>
-        </a:spcAft>
-        <a:buClr>
-          <a:schemeClr val="accent1"/>
-        </a:buClr>
-        <a:buSzPct val="80000"/>
-        <a:buFont typeface="Wingdings 3" charset="2"/>
-        <a:buChar char=""/>
+        <a:buFont typeface="Calibri" pitchFamily="34" charset="0"/>
+        <a:buChar char="◦"/>
         <a:defRPr sz="1400" kern="1200">
           <a:solidFill>
             <a:schemeClr val="tx1">
@@ -6008,20 +3976,22 @@
           <a:cs typeface="+mn-cs"/>
         </a:defRPr>
       </a:lvl3pPr>
-      <a:lvl4pPr marL="1600200" indent="-228600" algn="l" defTabSz="457200" rtl="0" eaLnBrk="1" latinLnBrk="0" hangingPunct="1">
+      <a:lvl4pPr marL="749808" indent="-182880" algn="l" defTabSz="914400" rtl="0" eaLnBrk="1" latinLnBrk="0" hangingPunct="1">
+        <a:lnSpc>
+          <a:spcPct val="90000"/>
+        </a:lnSpc>
         <a:spcBef>
-          <a:spcPts val="1000"/>
+          <a:spcPts val="200"/>
         </a:spcBef>
         <a:spcAft>
-          <a:spcPts val="0"/>
+          <a:spcPts val="400"/>
         </a:spcAft>
         <a:buClr>
           <a:schemeClr val="accent1"/>
         </a:buClr>
-        <a:buSzPct val="80000"/>
-        <a:buFont typeface="Wingdings 3" charset="2"/>
-        <a:buChar char=""/>
-        <a:defRPr sz="1200" kern="1200">
+        <a:buFont typeface="Calibri" pitchFamily="34" charset="0"/>
+        <a:buChar char="◦"/>
+        <a:defRPr sz="1400" kern="1200">
           <a:solidFill>
             <a:schemeClr val="tx1">
               <a:lumMod val="75000"/>
@@ -6033,20 +4003,22 @@
           <a:cs typeface="+mn-cs"/>
         </a:defRPr>
       </a:lvl4pPr>
-      <a:lvl5pPr marL="2057400" indent="-228600" algn="l" defTabSz="457200" rtl="0" eaLnBrk="1" latinLnBrk="0" hangingPunct="1">
+      <a:lvl5pPr marL="932688" indent="-182880" algn="l" defTabSz="914400" rtl="0" eaLnBrk="1" latinLnBrk="0" hangingPunct="1">
+        <a:lnSpc>
+          <a:spcPct val="90000"/>
+        </a:lnSpc>
         <a:spcBef>
-          <a:spcPts val="1000"/>
+          <a:spcPts val="200"/>
         </a:spcBef>
         <a:spcAft>
-          <a:spcPts val="0"/>
+          <a:spcPts val="400"/>
         </a:spcAft>
         <a:buClr>
           <a:schemeClr val="accent1"/>
         </a:buClr>
-        <a:buSzPct val="80000"/>
-        <a:buFont typeface="Wingdings 3" charset="2"/>
-        <a:buChar char=""/>
-        <a:defRPr sz="1200" kern="1200">
+        <a:buFont typeface="Calibri" pitchFamily="34" charset="0"/>
+        <a:buChar char="◦"/>
+        <a:defRPr sz="1400" kern="1200">
           <a:solidFill>
             <a:schemeClr val="tx1">
               <a:lumMod val="75000"/>
@@ -6058,20 +4030,22 @@
           <a:cs typeface="+mn-cs"/>
         </a:defRPr>
       </a:lvl5pPr>
-      <a:lvl6pPr marL="2514600" indent="-228600" algn="l" defTabSz="457200" rtl="0" eaLnBrk="1" latinLnBrk="0" hangingPunct="1">
+      <a:lvl6pPr marL="1100000" indent="-228600" algn="l" defTabSz="914400" rtl="0" eaLnBrk="1" latinLnBrk="0" hangingPunct="1">
+        <a:lnSpc>
+          <a:spcPct val="90000"/>
+        </a:lnSpc>
         <a:spcBef>
-          <a:spcPts val="1000"/>
+          <a:spcPts val="200"/>
         </a:spcBef>
         <a:spcAft>
-          <a:spcPts val="0"/>
+          <a:spcPts val="400"/>
         </a:spcAft>
         <a:buClr>
           <a:schemeClr val="accent1"/>
         </a:buClr>
-        <a:buSzPct val="80000"/>
-        <a:buFont typeface="Wingdings 3" charset="2"/>
-        <a:buChar char=""/>
-        <a:defRPr sz="1200" kern="1200">
+        <a:buFont typeface="Calibri" pitchFamily="34" charset="0"/>
+        <a:buChar char="◦"/>
+        <a:defRPr sz="1400" kern="1200">
           <a:solidFill>
             <a:schemeClr val="tx1">
               <a:lumMod val="75000"/>
@@ -6083,20 +4057,22 @@
           <a:cs typeface="+mn-cs"/>
         </a:defRPr>
       </a:lvl6pPr>
-      <a:lvl7pPr marL="2971800" indent="-228600" algn="l" defTabSz="457200" rtl="0" eaLnBrk="1" latinLnBrk="0" hangingPunct="1">
+      <a:lvl7pPr marL="1300000" indent="-228600" algn="l" defTabSz="914400" rtl="0" eaLnBrk="1" latinLnBrk="0" hangingPunct="1">
+        <a:lnSpc>
+          <a:spcPct val="90000"/>
+        </a:lnSpc>
         <a:spcBef>
-          <a:spcPts val="1000"/>
+          <a:spcPts val="200"/>
         </a:spcBef>
         <a:spcAft>
-          <a:spcPts val="0"/>
+          <a:spcPts val="400"/>
         </a:spcAft>
         <a:buClr>
           <a:schemeClr val="accent1"/>
         </a:buClr>
-        <a:buSzPct val="80000"/>
-        <a:buFont typeface="Wingdings 3" charset="2"/>
-        <a:buChar char=""/>
-        <a:defRPr sz="1200" kern="1200">
+        <a:buFont typeface="Calibri" pitchFamily="34" charset="0"/>
+        <a:buChar char="◦"/>
+        <a:defRPr sz="1400" kern="1200">
           <a:solidFill>
             <a:schemeClr val="tx1">
               <a:lumMod val="75000"/>
@@ -6108,20 +4084,22 @@
           <a:cs typeface="+mn-cs"/>
         </a:defRPr>
       </a:lvl7pPr>
-      <a:lvl8pPr marL="3429000" indent="-228600" algn="l" defTabSz="457200" rtl="0" eaLnBrk="1" latinLnBrk="0" hangingPunct="1">
+      <a:lvl8pPr marL="1500000" indent="-228600" algn="l" defTabSz="914400" rtl="0" eaLnBrk="1" latinLnBrk="0" hangingPunct="1">
+        <a:lnSpc>
+          <a:spcPct val="90000"/>
+        </a:lnSpc>
         <a:spcBef>
-          <a:spcPts val="1000"/>
+          <a:spcPts val="200"/>
         </a:spcBef>
         <a:spcAft>
-          <a:spcPts val="0"/>
+          <a:spcPts val="400"/>
         </a:spcAft>
         <a:buClr>
           <a:schemeClr val="accent1"/>
         </a:buClr>
-        <a:buSzPct val="80000"/>
-        <a:buFont typeface="Wingdings 3" charset="2"/>
-        <a:buChar char=""/>
-        <a:defRPr sz="1200" kern="1200">
+        <a:buFont typeface="Calibri" pitchFamily="34" charset="0"/>
+        <a:buChar char="◦"/>
+        <a:defRPr sz="1400" kern="1200">
           <a:solidFill>
             <a:schemeClr val="tx1">
               <a:lumMod val="75000"/>
@@ -6133,20 +4111,22 @@
           <a:cs typeface="+mn-cs"/>
         </a:defRPr>
       </a:lvl8pPr>
-      <a:lvl9pPr marL="3886200" indent="-228600" algn="l" defTabSz="457200" rtl="0" eaLnBrk="1" latinLnBrk="0" hangingPunct="1">
+      <a:lvl9pPr marL="1700000" indent="-228600" algn="l" defTabSz="914400" rtl="0" eaLnBrk="1" latinLnBrk="0" hangingPunct="1">
+        <a:lnSpc>
+          <a:spcPct val="90000"/>
+        </a:lnSpc>
         <a:spcBef>
-          <a:spcPts val="1000"/>
+          <a:spcPts val="200"/>
         </a:spcBef>
         <a:spcAft>
-          <a:spcPts val="0"/>
+          <a:spcPts val="400"/>
         </a:spcAft>
         <a:buClr>
           <a:schemeClr val="accent1"/>
         </a:buClr>
-        <a:buSzPct val="80000"/>
-        <a:buFont typeface="Wingdings 3" charset="2"/>
-        <a:buChar char=""/>
-        <a:defRPr sz="1200" kern="1200">
+        <a:buFont typeface="Calibri" pitchFamily="34" charset="0"/>
+        <a:buChar char="◦"/>
+        <a:defRPr sz="1400" kern="1200">
           <a:solidFill>
             <a:schemeClr val="tx1">
               <a:lumMod val="75000"/>
@@ -6163,7 +4143,7 @@
       <a:defPPr>
         <a:defRPr lang="en-US"/>
       </a:defPPr>
-      <a:lvl1pPr marL="0" algn="l" defTabSz="457200" rtl="0" eaLnBrk="1" latinLnBrk="0" hangingPunct="1">
+      <a:lvl1pPr marL="0" algn="l" defTabSz="914400" rtl="0" eaLnBrk="1" latinLnBrk="0" hangingPunct="1">
         <a:defRPr sz="1800" kern="1200">
           <a:solidFill>
             <a:schemeClr val="tx1"/>
@@ -6173,7 +4153,7 @@
           <a:cs typeface="+mn-cs"/>
         </a:defRPr>
       </a:lvl1pPr>
-      <a:lvl2pPr marL="457200" algn="l" defTabSz="457200" rtl="0" eaLnBrk="1" latinLnBrk="0" hangingPunct="1">
+      <a:lvl2pPr marL="457200" algn="l" defTabSz="914400" rtl="0" eaLnBrk="1" latinLnBrk="0" hangingPunct="1">
         <a:defRPr sz="1800" kern="1200">
           <a:solidFill>
             <a:schemeClr val="tx1"/>
@@ -6183,7 +4163,7 @@
           <a:cs typeface="+mn-cs"/>
         </a:defRPr>
       </a:lvl2pPr>
-      <a:lvl3pPr marL="914400" algn="l" defTabSz="457200" rtl="0" eaLnBrk="1" latinLnBrk="0" hangingPunct="1">
+      <a:lvl3pPr marL="914400" algn="l" defTabSz="914400" rtl="0" eaLnBrk="1" latinLnBrk="0" hangingPunct="1">
         <a:defRPr sz="1800" kern="1200">
           <a:solidFill>
             <a:schemeClr val="tx1"/>
@@ -6193,7 +4173,7 @@
           <a:cs typeface="+mn-cs"/>
         </a:defRPr>
       </a:lvl3pPr>
-      <a:lvl4pPr marL="1371600" algn="l" defTabSz="457200" rtl="0" eaLnBrk="1" latinLnBrk="0" hangingPunct="1">
+      <a:lvl4pPr marL="1371600" algn="l" defTabSz="914400" rtl="0" eaLnBrk="1" latinLnBrk="0" hangingPunct="1">
         <a:defRPr sz="1800" kern="1200">
           <a:solidFill>
             <a:schemeClr val="tx1"/>
@@ -6203,7 +4183,7 @@
           <a:cs typeface="+mn-cs"/>
         </a:defRPr>
       </a:lvl4pPr>
-      <a:lvl5pPr marL="1828800" algn="l" defTabSz="457200" rtl="0" eaLnBrk="1" latinLnBrk="0" hangingPunct="1">
+      <a:lvl5pPr marL="1828800" algn="l" defTabSz="914400" rtl="0" eaLnBrk="1" latinLnBrk="0" hangingPunct="1">
         <a:defRPr sz="1800" kern="1200">
           <a:solidFill>
             <a:schemeClr val="tx1"/>
@@ -6213,7 +4193,7 @@
           <a:cs typeface="+mn-cs"/>
         </a:defRPr>
       </a:lvl5pPr>
-      <a:lvl6pPr marL="2286000" algn="l" defTabSz="457200" rtl="0" eaLnBrk="1" latinLnBrk="0" hangingPunct="1">
+      <a:lvl6pPr marL="2286000" algn="l" defTabSz="914400" rtl="0" eaLnBrk="1" latinLnBrk="0" hangingPunct="1">
         <a:defRPr sz="1800" kern="1200">
           <a:solidFill>
             <a:schemeClr val="tx1"/>
@@ -6223,7 +4203,7 @@
           <a:cs typeface="+mn-cs"/>
         </a:defRPr>
       </a:lvl6pPr>
-      <a:lvl7pPr marL="2743200" algn="l" defTabSz="457200" rtl="0" eaLnBrk="1" latinLnBrk="0" hangingPunct="1">
+      <a:lvl7pPr marL="2743200" algn="l" defTabSz="914400" rtl="0" eaLnBrk="1" latinLnBrk="0" hangingPunct="1">
         <a:defRPr sz="1800" kern="1200">
           <a:solidFill>
             <a:schemeClr val="tx1"/>
@@ -6233,7 +4213,7 @@
           <a:cs typeface="+mn-cs"/>
         </a:defRPr>
       </a:lvl7pPr>
-      <a:lvl8pPr marL="3200400" algn="l" defTabSz="457200" rtl="0" eaLnBrk="1" latinLnBrk="0" hangingPunct="1">
+      <a:lvl8pPr marL="3200400" algn="l" defTabSz="914400" rtl="0" eaLnBrk="1" latinLnBrk="0" hangingPunct="1">
         <a:defRPr sz="1800" kern="1200">
           <a:solidFill>
             <a:schemeClr val="tx1"/>
@@ -6243,7 +4223,7 @@
           <a:cs typeface="+mn-cs"/>
         </a:defRPr>
       </a:lvl8pPr>
-      <a:lvl9pPr marL="3657600" algn="l" defTabSz="457200" rtl="0" eaLnBrk="1" latinLnBrk="0" hangingPunct="1">
+      <a:lvl9pPr marL="3657600" algn="l" defTabSz="914400" rtl="0" eaLnBrk="1" latinLnBrk="0" hangingPunct="1">
         <a:defRPr sz="1800" kern="1200">
           <a:solidFill>
             <a:schemeClr val="tx1"/>
@@ -6311,7 +4291,7 @@
         <p:spPr/>
         <p:txBody>
           <a:bodyPr>
-            <a:normAutofit fontScale="92500" lnSpcReduction="10000"/>
+            <a:normAutofit fontScale="85000" lnSpcReduction="20000"/>
           </a:bodyPr>
           <a:lstStyle/>
           <a:p>
@@ -6423,49 +4403,75 @@
         </p:nvSpPr>
         <p:spPr/>
         <p:txBody>
-          <a:bodyPr/>
-          <a:lstStyle/>
-          <a:p>
+          <a:bodyPr>
+            <a:normAutofit/>
+          </a:bodyPr>
+          <a:lstStyle/>
+          <a:p>
+            <a:pPr>
+              <a:buFont typeface="Wingdings" panose="05000000000000000000" pitchFamily="2" charset="2"/>
+              <a:buChar char="§"/>
+            </a:pPr>
             <a:r>
               <a:rPr lang="en-US" dirty="0" smtClean="0"/>
               <a:t>Logic Game</a:t>
             </a:r>
           </a:p>
           <a:p>
-            <a:pPr lvl="1"/>
+            <a:pPr lvl="1">
+              <a:buFont typeface="Wingdings" panose="05000000000000000000" pitchFamily="2" charset="2"/>
+              <a:buChar char="§"/>
+            </a:pPr>
             <a:r>
               <a:rPr lang="en-US" dirty="0" smtClean="0"/>
               <a:t>Number on a space represents the number of mines next to it (1 – 8)</a:t>
             </a:r>
           </a:p>
           <a:p>
+            <a:pPr>
+              <a:buFont typeface="Wingdings" panose="05000000000000000000" pitchFamily="2" charset="2"/>
+              <a:buChar char="§"/>
+            </a:pPr>
             <a:r>
               <a:rPr lang="en-US" dirty="0" smtClean="0"/>
               <a:t>Object of the game</a:t>
             </a:r>
           </a:p>
           <a:p>
-            <a:pPr lvl="1"/>
+            <a:pPr lvl="1">
+              <a:buFont typeface="Wingdings" panose="05000000000000000000" pitchFamily="2" charset="2"/>
+              <a:buChar char="§"/>
+            </a:pPr>
             <a:r>
               <a:rPr lang="en-US" dirty="0" smtClean="0"/>
               <a:t>Click all spaces that do not have mines</a:t>
             </a:r>
           </a:p>
           <a:p>
-            <a:pPr lvl="1"/>
+            <a:pPr lvl="1">
+              <a:buFont typeface="Wingdings" panose="05000000000000000000" pitchFamily="2" charset="2"/>
+              <a:buChar char="§"/>
+            </a:pPr>
             <a:r>
               <a:rPr lang="en-US" dirty="0" smtClean="0"/>
               <a:t>Score is based on completion time</a:t>
             </a:r>
           </a:p>
           <a:p>
-            <a:pPr lvl="1"/>
+            <a:pPr lvl="1">
+              <a:buFont typeface="Wingdings" panose="05000000000000000000" pitchFamily="2" charset="2"/>
+              <a:buChar char="§"/>
+            </a:pPr>
             <a:r>
               <a:rPr lang="en-US" dirty="0" smtClean="0"/>
               <a:t>If you click on a space with a mine, the game is over</a:t>
             </a:r>
           </a:p>
           <a:p>
+            <a:pPr>
+              <a:buFont typeface="Wingdings" panose="05000000000000000000" pitchFamily="2" charset="2"/>
+              <a:buChar char="§"/>
+            </a:pPr>
             <a:endParaRPr lang="en-US" dirty="0" smtClean="0"/>
           </a:p>
         </p:txBody>
@@ -6494,8 +4500,8 @@
         </p:blipFill>
         <p:spPr>
           <a:xfrm>
-            <a:off x="5031931" y="1270000"/>
-            <a:ext cx="6401165" cy="4542761"/>
+            <a:off x="6035039" y="1918774"/>
+            <a:ext cx="5719070" cy="4058694"/>
           </a:xfrm>
         </p:spPr>
       </p:pic>
@@ -6592,39 +4598,65 @@
           </a:xfrm>
         </p:spPr>
         <p:txBody>
-          <a:bodyPr/>
-          <a:lstStyle/>
-          <a:p>
+          <a:bodyPr>
+            <a:normAutofit/>
+          </a:bodyPr>
+          <a:lstStyle/>
+          <a:p>
+            <a:pPr>
+              <a:buFont typeface="Wingdings" panose="05000000000000000000" pitchFamily="2" charset="2"/>
+              <a:buChar char="§"/>
+            </a:pPr>
             <a:r>
               <a:rPr lang="en-US" dirty="0" smtClean="0"/>
               <a:t>Construct an algorithm for setting number of bombs around each space</a:t>
             </a:r>
           </a:p>
           <a:p>
+            <a:pPr>
+              <a:buFont typeface="Wingdings" panose="05000000000000000000" pitchFamily="2" charset="2"/>
+              <a:buChar char="§"/>
+            </a:pPr>
             <a:r>
               <a:rPr lang="en-US" dirty="0" smtClean="0"/>
               <a:t>Mine field is generated after the first click</a:t>
             </a:r>
           </a:p>
           <a:p>
+            <a:pPr>
+              <a:buFont typeface="Wingdings" panose="05000000000000000000" pitchFamily="2" charset="2"/>
+              <a:buChar char="§"/>
+            </a:pPr>
             <a:r>
               <a:rPr lang="en-US" dirty="0" smtClean="0"/>
               <a:t>Map randomly generated</a:t>
             </a:r>
           </a:p>
           <a:p>
+            <a:pPr>
+              <a:buFont typeface="Wingdings" panose="05000000000000000000" pitchFamily="2" charset="2"/>
+              <a:buChar char="§"/>
+            </a:pPr>
             <a:r>
               <a:rPr lang="en-US" dirty="0" smtClean="0"/>
               <a:t>First space clicked is never a bomb space</a:t>
             </a:r>
           </a:p>
           <a:p>
+            <a:pPr>
+              <a:buFont typeface="Wingdings" panose="05000000000000000000" pitchFamily="2" charset="2"/>
+              <a:buChar char="§"/>
+            </a:pPr>
             <a:r>
               <a:rPr lang="en-US" dirty="0" smtClean="0"/>
               <a:t>Message box for winning and losing</a:t>
             </a:r>
           </a:p>
           <a:p>
+            <a:pPr>
+              <a:buFont typeface="Wingdings" panose="05000000000000000000" pitchFamily="2" charset="2"/>
+              <a:buChar char="§"/>
+            </a:pPr>
             <a:r>
               <a:rPr lang="en-US" dirty="0" smtClean="0"/>
               <a:t>Draw graphics</a:t>
@@ -6678,8 +4710,8 @@
         </p:blipFill>
         <p:spPr>
           <a:xfrm>
-            <a:off x="6035608" y="731176"/>
-            <a:ext cx="5674116" cy="4145624"/>
+            <a:off x="6451600" y="1885998"/>
+            <a:ext cx="5348996" cy="3908085"/>
           </a:xfrm>
           <a:prstGeom prst="rect">
             <a:avLst/>
@@ -6754,41 +4786,64 @@
           <a:bodyPr/>
           <a:lstStyle/>
           <a:p>
+            <a:pPr>
+              <a:buFont typeface="Wingdings" panose="05000000000000000000" pitchFamily="2" charset="2"/>
+              <a:buChar char="§"/>
+            </a:pPr>
             <a:r>
               <a:rPr lang="en-US" dirty="0" smtClean="0"/>
               <a:t>Have a high score window after completing the game</a:t>
             </a:r>
           </a:p>
           <a:p>
+            <a:pPr>
+              <a:buFont typeface="Wingdings" panose="05000000000000000000" pitchFamily="2" charset="2"/>
+              <a:buChar char="§"/>
+            </a:pPr>
             <a:r>
               <a:rPr lang="en-US" dirty="0" smtClean="0"/>
               <a:t>Keep track of time</a:t>
             </a:r>
           </a:p>
           <a:p>
+            <a:pPr>
+              <a:buFont typeface="Wingdings" panose="05000000000000000000" pitchFamily="2" charset="2"/>
+              <a:buChar char="§"/>
+            </a:pPr>
             <a:r>
               <a:rPr lang="en-US" dirty="0" smtClean="0"/>
               <a:t>Aesthetically pleasing</a:t>
             </a:r>
           </a:p>
           <a:p>
+            <a:pPr>
+              <a:buFont typeface="Wingdings" panose="05000000000000000000" pitchFamily="2" charset="2"/>
+              <a:buChar char="§"/>
+            </a:pPr>
             <a:r>
               <a:rPr lang="en-US" dirty="0" smtClean="0"/>
               <a:t>Multiple levels</a:t>
             </a:r>
           </a:p>
           <a:p>
+            <a:pPr>
+              <a:buFont typeface="Wingdings" panose="05000000000000000000" pitchFamily="2" charset="2"/>
+              <a:buChar char="§"/>
+            </a:pPr>
             <a:r>
               <a:rPr lang="en-US" dirty="0" smtClean="0"/>
               <a:t>Music</a:t>
             </a:r>
           </a:p>
           <a:p>
-            <a:r>
-              <a:rPr lang="en-US" smtClean="0"/>
+            <a:pPr>
+              <a:buFont typeface="Wingdings" panose="05000000000000000000" pitchFamily="2" charset="2"/>
+              <a:buChar char="§"/>
+            </a:pPr>
+            <a:r>
+              <a:rPr lang="en-US" dirty="0" smtClean="0"/>
               <a:t>Sound effects</a:t>
             </a:r>
-            <a:endParaRPr lang="en-US" dirty="0" smtClean="0"/>
           </a:p>
         </p:txBody>
       </p:sp>
@@ -6837,8 +4892,8 @@
         </p:blipFill>
         <p:spPr>
           <a:xfrm>
-            <a:off x="8369300" y="1270000"/>
-            <a:ext cx="3368692" cy="4331175"/>
+            <a:off x="7811938" y="1845734"/>
+            <a:ext cx="2909266" cy="3740484"/>
           </a:xfrm>
           <a:prstGeom prst="rect">
             <a:avLst/>
@@ -6867,7 +4922,7 @@
         </p:blipFill>
         <p:spPr>
           <a:xfrm>
-            <a:off x="5810337" y="4470400"/>
+            <a:off x="4489537" y="4599322"/>
             <a:ext cx="2095202" cy="1269772"/>
           </a:xfrm>
           <a:prstGeom prst="rect">
@@ -6946,40 +5001,64 @@
         </p:spPr>
         <p:txBody>
           <a:bodyPr>
-            <a:normAutofit/>
+            <a:normAutofit lnSpcReduction="10000"/>
           </a:bodyPr>
           <a:lstStyle/>
           <a:p>
+            <a:pPr>
+              <a:buFont typeface="Wingdings" panose="05000000000000000000" pitchFamily="2" charset="2"/>
+              <a:buChar char="§"/>
+            </a:pPr>
             <a:r>
               <a:rPr lang="en-US" dirty="0"/>
               <a:t>Construct an algorithm for setting number of bombs around each space</a:t>
             </a:r>
           </a:p>
           <a:p>
+            <a:pPr>
+              <a:buFont typeface="Wingdings" panose="05000000000000000000" pitchFamily="2" charset="2"/>
+              <a:buChar char="§"/>
+            </a:pPr>
             <a:r>
               <a:rPr lang="en-US" dirty="0"/>
               <a:t>Mine field is generated after the first click</a:t>
             </a:r>
           </a:p>
           <a:p>
+            <a:pPr>
+              <a:buFont typeface="Wingdings" panose="05000000000000000000" pitchFamily="2" charset="2"/>
+              <a:buChar char="§"/>
+            </a:pPr>
             <a:r>
               <a:rPr lang="en-US" dirty="0"/>
               <a:t>Map randomly generated</a:t>
             </a:r>
           </a:p>
           <a:p>
+            <a:pPr>
+              <a:buFont typeface="Wingdings" panose="05000000000000000000" pitchFamily="2" charset="2"/>
+              <a:buChar char="§"/>
+            </a:pPr>
             <a:r>
               <a:rPr lang="en-US" dirty="0"/>
               <a:t>First space clicked is never a bomb space</a:t>
             </a:r>
           </a:p>
           <a:p>
+            <a:pPr>
+              <a:buFont typeface="Wingdings" panose="05000000000000000000" pitchFamily="2" charset="2"/>
+              <a:buChar char="§"/>
+            </a:pPr>
             <a:r>
               <a:rPr lang="en-US" dirty="0"/>
               <a:t>Message box for winning and losing</a:t>
             </a:r>
           </a:p>
           <a:p>
+            <a:pPr>
+              <a:buFont typeface="Wingdings" panose="05000000000000000000" pitchFamily="2" charset="2"/>
+              <a:buChar char="§"/>
+            </a:pPr>
             <a:r>
               <a:rPr lang="en-US" dirty="0"/>
               <a:t>Draw </a:t>
@@ -6990,12 +5069,30 @@
             </a:r>
           </a:p>
           <a:p>
+            <a:pPr>
+              <a:buFont typeface="Wingdings" panose="05000000000000000000" pitchFamily="2" charset="2"/>
+              <a:buChar char="§"/>
+            </a:pPr>
+            <a:r>
+              <a:rPr lang="en-US" dirty="0" smtClean="0"/>
+              <a:t>Simple and colorful</a:t>
+            </a:r>
+          </a:p>
+          <a:p>
+            <a:pPr>
+              <a:buFont typeface="Wingdings" panose="05000000000000000000" pitchFamily="2" charset="2"/>
+              <a:buChar char="§"/>
+            </a:pPr>
             <a:r>
               <a:rPr lang="en-US" dirty="0" smtClean="0"/>
               <a:t>Music</a:t>
             </a:r>
           </a:p>
           <a:p>
+            <a:pPr>
+              <a:buFont typeface="Wingdings" panose="05000000000000000000" pitchFamily="2" charset="2"/>
+              <a:buChar char="§"/>
+            </a:pPr>
             <a:r>
               <a:rPr lang="en-US" dirty="0" smtClean="0"/>
               <a:t>Reset Button</a:t>
@@ -7003,6 +5100,10 @@
             <a:endParaRPr lang="en-US" dirty="0"/>
           </a:p>
           <a:p>
+            <a:pPr>
+              <a:buFont typeface="Wingdings" panose="05000000000000000000" pitchFamily="2" charset="2"/>
+              <a:buChar char="§"/>
+            </a:pPr>
             <a:endParaRPr lang="en-US" dirty="0"/>
           </a:p>
         </p:txBody>
@@ -7026,7 +5127,7 @@
               <a:rPr lang="en-US" smtClean="0"/>
               <a:t>5</a:t>
             </a:fld>
-            <a:endParaRPr lang="en-US"/>
+            <a:endParaRPr lang="en-US" dirty="0"/>
           </a:p>
         </p:txBody>
       </p:sp>
@@ -7046,8 +5147,8 @@
         </p:blipFill>
         <p:spPr>
           <a:xfrm>
-            <a:off x="5986462" y="1379985"/>
-            <a:ext cx="4302245" cy="4329303"/>
+            <a:off x="6783713" y="1803208"/>
+            <a:ext cx="4101894" cy="4127692"/>
           </a:xfrm>
           <a:prstGeom prst="rect">
             <a:avLst/>
@@ -7122,24 +5223,40 @@
           <a:bodyPr/>
           <a:lstStyle/>
           <a:p>
+            <a:pPr>
+              <a:buFont typeface="Wingdings" panose="05000000000000000000" pitchFamily="2" charset="2"/>
+              <a:buChar char="§"/>
+            </a:pPr>
             <a:r>
               <a:rPr lang="en-US" dirty="0" smtClean="0"/>
               <a:t>Microsoft PowerPoint</a:t>
             </a:r>
           </a:p>
           <a:p>
+            <a:pPr>
+              <a:buFont typeface="Wingdings" panose="05000000000000000000" pitchFamily="2" charset="2"/>
+              <a:buChar char="§"/>
+            </a:pPr>
             <a:r>
               <a:rPr lang="en-US" dirty="0" smtClean="0"/>
               <a:t>Microsoft Visual Studio 2013</a:t>
             </a:r>
           </a:p>
           <a:p>
+            <a:pPr>
+              <a:buFont typeface="Wingdings" panose="05000000000000000000" pitchFamily="2" charset="2"/>
+              <a:buChar char="§"/>
+            </a:pPr>
             <a:r>
               <a:rPr lang="en-US" dirty="0" smtClean="0"/>
               <a:t>Microsoft Paint</a:t>
             </a:r>
           </a:p>
           <a:p>
+            <a:pPr>
+              <a:buFont typeface="Wingdings" panose="05000000000000000000" pitchFamily="2" charset="2"/>
+              <a:buChar char="§"/>
+            </a:pPr>
             <a:r>
               <a:rPr lang="en-US" dirty="0"/>
               <a:t>http://www.youtube-mp3.org/</a:t>
@@ -7299,45 +5416,70 @@
           <a:bodyPr/>
           <a:lstStyle/>
           <a:p>
+            <a:pPr>
+              <a:buFont typeface="Wingdings" panose="05000000000000000000" pitchFamily="2" charset="2"/>
+              <a:buChar char="§"/>
+            </a:pPr>
             <a:r>
               <a:rPr lang="en-US" dirty="0" smtClean="0"/>
               <a:t>Programming manager</a:t>
             </a:r>
           </a:p>
           <a:p>
-            <a:pPr lvl="1"/>
+            <a:pPr lvl="1">
+              <a:buFont typeface="Wingdings" panose="05000000000000000000" pitchFamily="2" charset="2"/>
+              <a:buChar char="§"/>
+            </a:pPr>
             <a:r>
               <a:rPr lang="en-US" dirty="0" smtClean="0"/>
               <a:t>Josh</a:t>
             </a:r>
           </a:p>
           <a:p>
+            <a:pPr>
+              <a:buFont typeface="Wingdings" panose="05000000000000000000" pitchFamily="2" charset="2"/>
+              <a:buChar char="§"/>
+            </a:pPr>
             <a:r>
               <a:rPr lang="en-US" dirty="0" smtClean="0"/>
               <a:t>Graphic specialist</a:t>
             </a:r>
           </a:p>
           <a:p>
-            <a:pPr lvl="1"/>
+            <a:pPr lvl="1">
+              <a:buFont typeface="Wingdings" panose="05000000000000000000" pitchFamily="2" charset="2"/>
+              <a:buChar char="§"/>
+            </a:pPr>
             <a:r>
               <a:rPr lang="en-US" dirty="0" smtClean="0"/>
               <a:t>Kelley</a:t>
             </a:r>
           </a:p>
           <a:p>
+            <a:pPr>
+              <a:buFont typeface="Wingdings" panose="05000000000000000000" pitchFamily="2" charset="2"/>
+              <a:buChar char="§"/>
+            </a:pPr>
             <a:r>
               <a:rPr lang="en-US" dirty="0" smtClean="0"/>
               <a:t>User Interface</a:t>
             </a:r>
           </a:p>
           <a:p>
-            <a:pPr lvl="1"/>
+            <a:pPr lvl="1">
+              <a:buFont typeface="Wingdings" panose="05000000000000000000" pitchFamily="2" charset="2"/>
+              <a:buChar char="§"/>
+            </a:pPr>
             <a:r>
               <a:rPr lang="en-US" dirty="0" smtClean="0"/>
               <a:t>Michael</a:t>
             </a:r>
           </a:p>
           <a:p>
+            <a:pPr>
+              <a:buFont typeface="Wingdings" panose="05000000000000000000" pitchFamily="2" charset="2"/>
+              <a:buChar char="§"/>
+            </a:pPr>
             <a:r>
               <a:rPr lang="en-US" dirty="0" smtClean="0"/>
               <a:t>All collaborative programmers</a:t>
@@ -7434,122 +5576,95 @@
         </p:nvSpPr>
         <p:spPr>
           <a:xfrm>
-            <a:off x="677334" y="1308101"/>
-            <a:ext cx="8596668" cy="5098386"/>
+            <a:off x="1097280" y="1750060"/>
+            <a:ext cx="4071620" cy="4056986"/>
           </a:xfrm>
         </p:spPr>
         <p:txBody>
           <a:bodyPr>
-            <a:normAutofit fontScale="85000" lnSpcReduction="10000"/>
+            <a:noAutofit/>
           </a:bodyPr>
           <a:lstStyle/>
           <a:p>
+            <a:pPr marL="0" indent="0">
+              <a:buNone/>
+            </a:pPr>
             <a:r>
               <a:rPr lang="en-US" dirty="0" smtClean="0"/>
               <a:t>Week 1 – October 31</a:t>
             </a:r>
           </a:p>
           <a:p>
-            <a:pPr lvl="1"/>
-            <a:r>
-              <a:rPr lang="en-US" dirty="0" smtClean="0"/>
+            <a:pPr marL="201168" lvl="1" indent="0">
+              <a:buNone/>
+            </a:pPr>
+            <a:r>
+              <a:rPr lang="en-US" sz="2000" dirty="0" smtClean="0"/>
               <a:t>Presentation</a:t>
             </a:r>
           </a:p>
           <a:p>
+            <a:pPr marL="0" indent="0">
+              <a:buNone/>
+            </a:pPr>
             <a:r>
               <a:rPr lang="en-US" dirty="0" smtClean="0"/>
               <a:t>Week 2 – November 7</a:t>
             </a:r>
           </a:p>
           <a:p>
-            <a:pPr lvl="1"/>
-            <a:r>
-              <a:rPr lang="en-US" dirty="0" err="1" smtClean="0"/>
+            <a:pPr marL="201168" lvl="1" indent="0">
+              <a:buNone/>
+            </a:pPr>
+            <a:r>
+              <a:rPr lang="en-US" sz="2000" dirty="0" err="1" smtClean="0"/>
               <a:t>Pseudocode</a:t>
             </a:r>
             <a:r>
-              <a:rPr lang="en-US" dirty="0" smtClean="0"/>
+              <a:rPr lang="en-US" sz="2000" dirty="0" smtClean="0"/>
               <a:t>, create classes, interface</a:t>
             </a:r>
           </a:p>
           <a:p>
+            <a:pPr marL="0" indent="0">
+              <a:buNone/>
+            </a:pPr>
             <a:r>
               <a:rPr lang="en-US" dirty="0" smtClean="0"/>
               <a:t>Week 3 – November 14</a:t>
             </a:r>
           </a:p>
           <a:p>
-            <a:pPr lvl="1"/>
-            <a:r>
-              <a:rPr lang="en-US" dirty="0" smtClean="0"/>
+            <a:pPr marL="201168" lvl="1" indent="0">
+              <a:buNone/>
+            </a:pPr>
+            <a:r>
+              <a:rPr lang="en-US" sz="2000" dirty="0" smtClean="0"/>
               <a:t>Graphics, previous week</a:t>
             </a:r>
           </a:p>
           <a:p>
+            <a:pPr marL="0" indent="0">
+              <a:buNone/>
+            </a:pPr>
             <a:r>
               <a:rPr lang="en-US" dirty="0" smtClean="0"/>
               <a:t>Week 4 – November 21</a:t>
             </a:r>
           </a:p>
           <a:p>
-            <a:pPr lvl="1"/>
-            <a:r>
-              <a:rPr lang="en-US" dirty="0" smtClean="0"/>
-              <a:t>Generate random mine field, numbers correspond with number of adjacent bombs, check for surrounding mines and prevent tiles from being surrounded by mines (if possible)</a:t>
-            </a:r>
-          </a:p>
-          <a:p>
-            <a:r>
-              <a:rPr lang="en-US" dirty="0" smtClean="0"/>
-              <a:t>Week 5 – November 25</a:t>
-            </a:r>
-          </a:p>
-          <a:p>
-            <a:pPr lvl="1"/>
-            <a:r>
-              <a:rPr lang="en-US" dirty="0"/>
-              <a:t>Generate random mine field, numbers correspond with number of adjacent </a:t>
-            </a:r>
-            <a:r>
-              <a:rPr lang="en-US" dirty="0" smtClean="0"/>
-              <a:t>bombs, check for </a:t>
-            </a:r>
-            <a:r>
-              <a:rPr lang="en-US"/>
-              <a:t>surrounding mines and prevent tiles from being surrounded by mines (if possible</a:t>
-            </a:r>
-            <a:r>
-              <a:rPr lang="en-US" smtClean="0"/>
+            <a:pPr marL="201168" lvl="1" indent="0">
+              <a:buNone/>
+            </a:pPr>
+            <a:r>
+              <a:rPr lang="en-US" sz="2000" dirty="0" smtClean="0"/>
+              <a:t>Generate random mine field, numbers correspond with number of adjacent bombs, check for surrounding mines and prevent tiles from being surrounded by mines (if possible</a:t>
+            </a:r>
+            <a:r>
+              <a:rPr lang="en-US" sz="2000" dirty="0" smtClean="0"/>
               <a:t>)</a:t>
             </a:r>
-            <a:endParaRPr lang="en-US" dirty="0" smtClean="0"/>
-          </a:p>
-          <a:p>
-            <a:r>
-              <a:rPr lang="en-US" dirty="0" smtClean="0"/>
-              <a:t>Week 6 – December 5 (Thanksgiving Break)</a:t>
-            </a:r>
-          </a:p>
-          <a:p>
-            <a:pPr lvl="1"/>
-            <a:r>
-              <a:rPr lang="en-US" dirty="0" smtClean="0"/>
-              <a:t>Win/Lose conditions</a:t>
-            </a:r>
-          </a:p>
-          <a:p>
-            <a:r>
-              <a:rPr lang="en-US" dirty="0" smtClean="0"/>
-              <a:t>Week 7 – December 12</a:t>
-            </a:r>
-          </a:p>
-          <a:p>
-            <a:pPr lvl="1"/>
-            <a:r>
-              <a:rPr lang="en-US" dirty="0" smtClean="0"/>
-              <a:t>Final debugging/testing</a:t>
-            </a:r>
+            <a:endParaRPr lang="en-US" sz="2000" dirty="0" smtClean="0"/>
           </a:p>
         </p:txBody>
       </p:sp>
@@ -7573,6 +5688,118 @@
               <a:t>8</a:t>
             </a:fld>
             <a:endParaRPr lang="en-US" sz="2000" dirty="0"/>
+          </a:p>
+        </p:txBody>
+      </p:sp>
+      <p:sp>
+        <p:nvSpPr>
+          <p:cNvPr id="5" name="TextBox 4"/>
+          <p:cNvSpPr txBox="1"/>
+          <p:nvPr/>
+        </p:nvSpPr>
+        <p:spPr>
+          <a:xfrm>
+            <a:off x="6126480" y="1737360"/>
+            <a:ext cx="4203700" cy="2246769"/>
+          </a:xfrm>
+          <a:prstGeom prst="rect">
+            <a:avLst/>
+          </a:prstGeom>
+          <a:noFill/>
+        </p:spPr>
+        <p:txBody>
+          <a:bodyPr wrap="square" rtlCol="0">
+            <a:spAutoFit/>
+          </a:bodyPr>
+          <a:lstStyle/>
+          <a:p>
+            <a:r>
+              <a:rPr lang="en-US" sz="2000" dirty="0" smtClean="0">
+                <a:solidFill>
+                  <a:schemeClr val="tx1">
+                    <a:lumMod val="75000"/>
+                    <a:lumOff val="25000"/>
+                  </a:schemeClr>
+                </a:solidFill>
+              </a:rPr>
+              <a:t>Week 5 – November 25</a:t>
+            </a:r>
+          </a:p>
+          <a:p>
+            <a:pPr lvl="1"/>
+            <a:r>
+              <a:rPr lang="en-US" sz="2000" dirty="0" smtClean="0">
+                <a:solidFill>
+                  <a:schemeClr val="tx1">
+                    <a:lumMod val="75000"/>
+                    <a:lumOff val="25000"/>
+                  </a:schemeClr>
+                </a:solidFill>
+              </a:rPr>
+              <a:t>Same as Week 4</a:t>
+            </a:r>
+          </a:p>
+          <a:p>
+            <a:r>
+              <a:rPr lang="en-US" sz="2000" dirty="0" smtClean="0">
+                <a:solidFill>
+                  <a:schemeClr val="tx1">
+                    <a:lumMod val="75000"/>
+                    <a:lumOff val="25000"/>
+                  </a:schemeClr>
+                </a:solidFill>
+              </a:rPr>
+              <a:t>Week 6 – December 5 (Thanksgiving Break)</a:t>
+            </a:r>
+          </a:p>
+          <a:p>
+            <a:pPr lvl="1"/>
+            <a:r>
+              <a:rPr lang="en-US" sz="2000" dirty="0" smtClean="0">
+                <a:solidFill>
+                  <a:schemeClr val="tx1">
+                    <a:lumMod val="75000"/>
+                    <a:lumOff val="25000"/>
+                  </a:schemeClr>
+                </a:solidFill>
+              </a:rPr>
+              <a:t>Win/Lose conditions</a:t>
+            </a:r>
+          </a:p>
+          <a:p>
+            <a:r>
+              <a:rPr lang="en-US" sz="2000" dirty="0" smtClean="0">
+                <a:solidFill>
+                  <a:schemeClr val="tx1">
+                    <a:lumMod val="75000"/>
+                    <a:lumOff val="25000"/>
+                  </a:schemeClr>
+                </a:solidFill>
+              </a:rPr>
+              <a:t>Week 7 – December 12</a:t>
+            </a:r>
+          </a:p>
+          <a:p>
+            <a:pPr lvl="1"/>
+            <a:r>
+              <a:rPr lang="en-US" sz="2000" dirty="0" smtClean="0">
+                <a:solidFill>
+                  <a:schemeClr val="tx1">
+                    <a:lumMod val="75000"/>
+                    <a:lumOff val="25000"/>
+                  </a:schemeClr>
+                </a:solidFill>
+              </a:rPr>
+              <a:t>Final debugging/testing</a:t>
+            </a:r>
+            <a:endParaRPr lang="en-US" sz="2000" dirty="0">
+              <a:solidFill>
+                <a:schemeClr val="tx1">
+                  <a:lumMod val="75000"/>
+                  <a:lumOff val="25000"/>
+                </a:schemeClr>
+              </a:solidFill>
+            </a:endParaRPr>
           </a:p>
         </p:txBody>
       </p:sp>
@@ -7674,7 +5901,7 @@
         </p:blipFill>
         <p:spPr>
           <a:xfrm>
-            <a:off x="4683125" y="1571241"/>
+            <a:off x="4713605" y="2066541"/>
             <a:ext cx="2825750" cy="3715519"/>
           </a:xfrm>
           <a:prstGeom prst="rect">
@@ -7696,9 +5923,9 @@
 </file>
 
 <file path=ppt/theme/theme1.xml><?xml version="1.0" encoding="utf-8"?>
-<a:theme xmlns:a="http://schemas.openxmlformats.org/drawingml/2006/main" name="Facet">
+<a:theme xmlns:a="http://schemas.openxmlformats.org/drawingml/2006/main" name="Retrospect">
   <a:themeElements>
-    <a:clrScheme name="Facet">
+    <a:clrScheme name="Violet">
       <a:dk1>
         <a:sysClr val="windowText" lastClr="000000"/>
       </a:dk1>
@@ -7706,52 +5933,52 @@
         <a:sysClr val="window" lastClr="FFFFFF"/>
       </a:lt1>
       <a:dk2>
-        <a:srgbClr val="2C3C43"/>
+        <a:srgbClr val="373545"/>
       </a:dk2>
       <a:lt2>
-        <a:srgbClr val="EBEBEB"/>
+        <a:srgbClr val="DCD8DC"/>
       </a:lt2>
       <a:accent1>
-        <a:srgbClr val="90C226"/>
+        <a:srgbClr val="AD84C6"/>
       </a:accent1>
       <a:accent2>
-        <a:srgbClr val="54A021"/>
+        <a:srgbClr val="8784C7"/>
       </a:accent2>
       <a:accent3>
-        <a:srgbClr val="E6B91E"/>
+        <a:srgbClr val="5D739A"/>
       </a:accent3>
       <a:accent4>
-        <a:srgbClr val="E76618"/>
+        <a:srgbClr val="6997AF"/>
       </a:accent4>
       <a:accent5>
-        <a:srgbClr val="C42F1A"/>
+        <a:srgbClr val="84ACB6"/>
       </a:accent5>
       <a:accent6>
-        <a:srgbClr val="918655"/>
+        <a:srgbClr val="6F8183"/>
       </a:accent6>
       <a:hlink>
-        <a:srgbClr val="99CA3C"/>
+        <a:srgbClr val="69A020"/>
       </a:hlink>
       <a:folHlink>
-        <a:srgbClr val="B9D181"/>
+        <a:srgbClr val="8C8C8C"/>
       </a:folHlink>
     </a:clrScheme>
-    <a:fontScheme name="Facet">
+    <a:fontScheme name="Retrospect">
       <a:majorFont>
-        <a:latin typeface="Trebuchet MS" panose="020B0603020202020204"/>
+        <a:latin typeface="Calibri Light" panose="020F0302020204030204"/>
         <a:ea typeface=""/>
         <a:cs typeface=""/>
-        <a:font script="Jpan" typeface="メイリオ"/>
+        <a:font script="Jpan" typeface="ＭＳ Ｐゴシック"/>
         <a:font script="Hang" typeface="맑은 고딕"/>
-        <a:font script="Hans" typeface="方正姚体"/>
-        <a:font script="Hant" typeface="微軟正黑體"/>
-        <a:font script="Arab" typeface="Tahoma"/>
-        <a:font script="Hebr" typeface="Arial"/>
-        <a:font script="Thai" typeface="Cordia New"/>
+        <a:font script="Hans" typeface="宋体"/>
+        <a:font script="Hant" typeface="新細明體"/>
+        <a:font script="Arab" typeface="Times New Roman"/>
+        <a:font script="Hebr" typeface="Times New Roman"/>
+        <a:font script="Thai" typeface="Angsana New"/>
         <a:font script="Ethi" typeface="Nyala"/>
         <a:font script="Beng" typeface="Vrinda"/>
         <a:font script="Gujr" typeface="Shruti"/>
-        <a:font script="Khmr" typeface="DaunPenh"/>
+        <a:font script="Khmr" typeface="MoolBoran"/>
         <a:font script="Knda" typeface="Tunga"/>
         <a:font script="Guru" typeface="Raavi"/>
         <a:font script="Cans" typeface="Euphemia"/>
@@ -7768,21 +5995,21 @@
         <a:font script="Laoo" typeface="DokChampa"/>
         <a:font script="Sinh" typeface="Iskoola Pota"/>
         <a:font script="Mong" typeface="Mongolian Baiti"/>
-        <a:font script="Viet" typeface="Tahoma"/>
+        <a:font script="Viet" typeface="Times New Roman"/>
         <a:font script="Uigh" typeface="Microsoft Uighur"/>
         <a:font script="Geor" typeface="Sylfaen"/>
       </a:majorFont>
       <a:minorFont>
-        <a:latin typeface="Trebuchet MS" panose="020B0603020202020204"/>
+        <a:latin typeface="Calibri" panose="020F0502020204030204"/>
         <a:ea typeface=""/>
         <a:cs typeface=""/>
-        <a:font script="Jpan" typeface="メイリオ"/>
-        <a:font script="Hang" typeface="HY그래픽M"/>
-        <a:font script="Hans" typeface="华文新魏"/>
-        <a:font script="Hant" typeface="微軟正黑體"/>
-        <a:font script="Arab" typeface="Tahoma"/>
-        <a:font script="Hebr" typeface="Gisha"/>
-        <a:font script="Thai" typeface="IrisUPC"/>
+        <a:font script="Jpan" typeface="ＭＳ Ｐゴシック"/>
+        <a:font script="Hang" typeface="맑은 고딕"/>
+        <a:font script="Hans" typeface="宋体"/>
+        <a:font script="Hant" typeface="新細明體"/>
+        <a:font script="Arab" typeface="Arial"/>
+        <a:font script="Hebr" typeface="Arial"/>
+        <a:font script="Thai" typeface="Cordia New"/>
         <a:font script="Ethi" typeface="Nyala"/>
         <a:font script="Beng" typeface="Vrinda"/>
         <a:font script="Gujr" typeface="Shruti"/>
@@ -7808,7 +6035,7 @@
         <a:font script="Geor" typeface="Sylfaen"/>
       </a:minorFont>
     </a:fontScheme>
-    <a:fmtScheme name="Facet">
+    <a:fmtScheme name="Retrospect">
       <a:fillStyleLst>
         <a:solidFill>
           <a:schemeClr val="phClr"/>
@@ -7818,49 +6045,76 @@
             <a:gs pos="0">
               <a:schemeClr val="phClr">
                 <a:tint val="65000"/>
-                <a:lumMod val="110000"/>
+                <a:shade val="92000"/>
+                <a:satMod val="130000"/>
               </a:schemeClr>
             </a:gs>
-            <a:gs pos="88000">
+            <a:gs pos="45000">
               <a:schemeClr val="phClr">
-                <a:tint val="90000"/>
+                <a:tint val="60000"/>
+                <a:shade val="99000"/>
+                <a:satMod val="120000"/>
+              </a:schemeClr>
+            </a:gs>
+            <a:gs pos="100000">
+              <a:schemeClr val="phClr">
+                <a:tint val="55000"/>
+                <a:satMod val="140000"/>
               </a:schemeClr>
             </a:gs>
           </a:gsLst>
-          <a:lin ang="5400000" scaled="0"/>
+          <a:path path="circle">
+            <a:fillToRect l="100000" t="100000" r="100000" b="100000"/>
+          </a:path>
         </a:gradFill>
         <a:gradFill rotWithShape="1">
           <a:gsLst>
             <a:gs pos="0">
               <a:schemeClr val="phClr">
-                <a:tint val="96000"/>
-                <a:lumMod val="100000"/>
+                <a:shade val="85000"/>
+                <a:satMod val="130000"/>
               </a:schemeClr>
             </a:gs>
-            <a:gs pos="78000">
+            <a:gs pos="34000">
               <a:schemeClr val="phClr">
-                <a:shade val="94000"/>
-                <a:lumMod val="94000"/>
+                <a:shade val="87000"/>
+                <a:satMod val="125000"/>
+              </a:schemeClr>
+            </a:gs>
+            <a:gs pos="70000">
+              <a:schemeClr val="phClr">
+                <a:tint val="100000"/>
+                <a:shade val="90000"/>
+                <a:satMod val="130000"/>
+              </a:schemeClr>
+            </a:gs>
+            <a:gs pos="100000">
+              <a:schemeClr val="phClr">
+                <a:tint val="100000"/>
+                <a:shade val="100000"/>
+                <a:satMod val="110000"/>
               </a:schemeClr>
             </a:gs>
           </a:gsLst>
-          <a:lin ang="5400000" scaled="0"/>
+          <a:path path="circle">
+            <a:fillToRect l="100000" t="100000" r="100000" b="100000"/>
+          </a:path>
         </a:gradFill>
       </a:fillStyleLst>
       <a:lnStyleLst>
-        <a:ln w="12700" cap="rnd" cmpd="sng" algn="ctr">
+        <a:ln w="12700" cap="flat" cmpd="sng" algn="ctr">
           <a:solidFill>
             <a:schemeClr val="phClr"/>
           </a:solidFill>
           <a:prstDash val="solid"/>
         </a:ln>
-        <a:ln w="19050" cap="rnd" cmpd="sng" algn="ctr">
+        <a:ln w="15875" cap="flat" cmpd="sng" algn="ctr">
           <a:solidFill>
             <a:schemeClr val="phClr"/>
           </a:solidFill>
           <a:prstDash val="solid"/>
         </a:ln>
-        <a:ln w="25400" cap="rnd" cmpd="sng" algn="ctr">
+        <a:ln w="25400" cap="flat" cmpd="sng" algn="ctr">
           <a:solidFill>
             <a:schemeClr val="phClr"/>
           </a:solidFill>
@@ -7873,18 +6127,18 @@
         </a:effectStyle>
         <a:effectStyle>
           <a:effectLst>
-            <a:outerShdw blurRad="38100" dist="25400" dir="5400000" rotWithShape="0">
+            <a:outerShdw blurRad="38100" dist="25400" dir="2700000" algn="br" rotWithShape="0">
               <a:srgbClr val="000000">
-                <a:alpha val="35000"/>
+                <a:alpha val="60000"/>
               </a:srgbClr>
             </a:outerShdw>
           </a:effectLst>
         </a:effectStyle>
         <a:effectStyle>
           <a:effectLst>
-            <a:outerShdw blurRad="50800" dist="38100" dir="5400000" rotWithShape="0">
+            <a:outerShdw blurRad="44450" dist="25400" dir="2700000" algn="br" rotWithShape="0">
               <a:srgbClr val="000000">
-                <a:alpha val="35000"/>
+                <a:alpha val="60000"/>
               </a:srgbClr>
             </a:outerShdw>
           </a:effectLst>
@@ -7892,10 +6146,12 @@
             <a:camera prst="orthographicFront">
               <a:rot lat="0" lon="0" rev="0"/>
             </a:camera>
-            <a:lightRig rig="threePt" dir="tl"/>
+            <a:lightRig rig="threePt" dir="t">
+              <a:rot lat="0" lon="0" rev="19800000"/>
+            </a:lightRig>
           </a:scene3d>
-          <a:sp3d prstMaterial="plastic">
-            <a:bevelT w="0" h="0"/>
+          <a:sp3d prstMaterial="flat">
+            <a:bevelT w="25400" h="31750"/>
           </a:sp3d>
         </a:effectStyle>
       </a:effectStyleLst>
@@ -7903,41 +6159,38 @@
         <a:solidFill>
           <a:schemeClr val="phClr"/>
         </a:solidFill>
+        <a:solidFill>
+          <a:schemeClr val="phClr">
+            <a:tint val="90000"/>
+            <a:shade val="97000"/>
+            <a:satMod val="130000"/>
+          </a:schemeClr>
+        </a:solidFill>
         <a:gradFill rotWithShape="1">
           <a:gsLst>
             <a:gs pos="0">
               <a:schemeClr val="phClr">
-                <a:tint val="90000"/>
-                <a:lumMod val="104000"/>
+                <a:tint val="96000"/>
+                <a:shade val="99000"/>
+                <a:satMod val="140000"/>
               </a:schemeClr>
             </a:gs>
-            <a:gs pos="94000">
+            <a:gs pos="65000">
               <a:schemeClr val="phClr">
-                <a:shade val="96000"/>
-                <a:lumMod val="82000"/>
-              </a:schemeClr>
-            </a:gs>
-          </a:gsLst>
-          <a:lin ang="5400000" scaled="0"/>
-        </a:gradFill>
-        <a:gradFill rotWithShape="1">
-          <a:gsLst>
-            <a:gs pos="0">
-              <a:schemeClr val="phClr">
-                <a:tint val="90000"/>
-                <a:lumMod val="110000"/>
+                <a:tint val="100000"/>
+                <a:shade val="80000"/>
+                <a:satMod val="130000"/>
               </a:schemeClr>
             </a:gs>
             <a:gs pos="100000">
               <a:schemeClr val="phClr">
-                <a:shade val="94000"/>
-                <a:lumMod val="96000"/>
+                <a:tint val="100000"/>
+                <a:shade val="48000"/>
+                <a:satMod val="120000"/>
               </a:schemeClr>
             </a:gs>
           </a:gsLst>
-          <a:path path="circle">
-            <a:fillToRect l="50000" t="50000" r="100000" b="100000"/>
-          </a:path>
+          <a:lin ang="16200000" scaled="0"/>
         </a:gradFill>
       </a:bgFillStyleLst>
     </a:fmtScheme>
@@ -7946,7 +6199,7 @@
   <a:extraClrSchemeLst/>
   <a:extLst>
     <a:ext uri="{05A4C25C-085E-4340-85A3-A5531E510DB2}">
-      <thm15:themeFamily xmlns:thm15="http://schemas.microsoft.com/office/thememl/2012/main" name="Facet" id="{C0C680CD-088A-49FC-A102-D699147F32B2}" vid="{CFBC31BA-B70F-4F30-BCAA-4F3011E16C4D}"/>
+      <thm15:themeFamily xmlns:thm15="http://schemas.microsoft.com/office/thememl/2012/main" name="Retrospect" id="{5F128B03-DCCA-4EEB-AB3B-CF2899314A46}" vid="{3F1AAB62-24C6-49D2-8E01-B56FAC9A3DCD}"/>
     </a:ext>
   </a:extLst>
 </a:theme>

--- a/FinalPowerpoint.pptx
+++ b/FinalPowerpoint.pptx
@@ -4297,21 +4297,34 @@
           <a:p>
             <a:r>
               <a:rPr lang="en-US" dirty="0" smtClean="0"/>
-              <a:t>Joshua Rand</a:t>
-            </a:r>
-          </a:p>
-          <a:p>
+              <a:t>Joshua </a:t>
+            </a:r>
             <a:r>
               <a:rPr lang="en-US" dirty="0" smtClean="0"/>
-              <a:t>Kelley Stoll</a:t>
-            </a:r>
-          </a:p>
-          <a:p>
+              <a:t>Rand</a:t>
+            </a:r>
+          </a:p>
+          <a:p>
+            <a:r>
+              <a:rPr lang="en-US" dirty="0"/>
+              <a:t>Michael Santo Jr</a:t>
+            </a:r>
             <a:r>
               <a:rPr lang="en-US" dirty="0" smtClean="0"/>
-              <a:t>Michael Santo Jr.</a:t>
-            </a:r>
-            <a:endParaRPr lang="en-US" dirty="0"/>
+              <a:t>.</a:t>
+            </a:r>
+            <a:endParaRPr lang="en-US" dirty="0" smtClean="0"/>
+          </a:p>
+          <a:p>
+            <a:r>
+              <a:rPr lang="en-US" dirty="0" smtClean="0"/>
+              <a:t>Kelley </a:t>
+            </a:r>
+            <a:r>
+              <a:rPr lang="en-US" dirty="0" smtClean="0"/>
+              <a:t>Stoll</a:t>
+            </a:r>
+            <a:endParaRPr lang="en-US" dirty="0" smtClean="0"/>
           </a:p>
         </p:txBody>
       </p:sp>
@@ -5261,7 +5274,6 @@
               <a:rPr lang="en-US" dirty="0"/>
               <a:t>http://www.youtube-mp3.org/</a:t>
             </a:r>
-            <a:endParaRPr lang="en-US" dirty="0"/>
           </a:p>
         </p:txBody>
       </p:sp>
@@ -5658,13 +5670,8 @@
             </a:pPr>
             <a:r>
               <a:rPr lang="en-US" sz="2000" dirty="0" smtClean="0"/>
-              <a:t>Generate random mine field, numbers correspond with number of adjacent bombs, check for surrounding mines and prevent tiles from being surrounded by mines (if possible</a:t>
-            </a:r>
-            <a:r>
-              <a:rPr lang="en-US" sz="2000" dirty="0" smtClean="0"/>
-              <a:t>)</a:t>
-            </a:r>
-            <a:endParaRPr lang="en-US" sz="2000" dirty="0" smtClean="0"/>
+              <a:t>Generate random mine field, numbers correspond with number of adjacent bombs, check for surrounding mines and prevent tiles from being surrounded by mines (if possible)</a:t>
+            </a:r>
           </a:p>
         </p:txBody>
       </p:sp>

--- a/FinalPowerpoint.pptx
+++ b/FinalPowerpoint.pptx
@@ -5,7 +5,7 @@
     <p:sldMasterId id="2147483791" r:id="rId1"/>
   </p:sldMasterIdLst>
   <p:notesMasterIdLst>
-    <p:notesMasterId r:id="rId11"/>
+    <p:notesMasterId r:id="rId14"/>
   </p:notesMasterIdLst>
   <p:sldIdLst>
     <p:sldId id="256" r:id="rId2"/>
@@ -16,7 +16,10 @@
     <p:sldId id="260" r:id="rId7"/>
     <p:sldId id="261" r:id="rId8"/>
     <p:sldId id="263" r:id="rId9"/>
-    <p:sldId id="262" r:id="rId10"/>
+    <p:sldId id="266" r:id="rId10"/>
+    <p:sldId id="267" r:id="rId11"/>
+    <p:sldId id="265" r:id="rId12"/>
+    <p:sldId id="262" r:id="rId13"/>
   </p:sldIdLst>
   <p:sldSz cx="12192000" cy="6858000"/>
   <p:notesSz cx="6858000" cy="9144000"/>
@@ -205,7 +208,7 @@
           <a:p>
             <a:fld id="{5A52ABC2-5F98-4F70-AEC7-00F03C4FA36D}" type="datetimeFigureOut">
               <a:rPr lang="en-US" smtClean="0"/>
-              <a:t>12/10/2014</a:t>
+              <a:t>12/15/2014</a:t>
             </a:fld>
             <a:endParaRPr lang="en-US"/>
           </a:p>
@@ -783,7 +786,7 @@
           <a:p>
             <a:fld id="{FA879868-0C26-404D-8707-3CD21EBB19E4}" type="datetime1">
               <a:rPr lang="en-US" smtClean="0"/>
-              <a:t>12/10/2014</a:t>
+              <a:t>12/15/2014</a:t>
             </a:fld>
             <a:endParaRPr lang="en-US"/>
           </a:p>
@@ -991,7 +994,7 @@
           <a:p>
             <a:fld id="{F37C9A0E-2C1F-4AFB-A70C-CE456CE694A9}" type="datetime1">
               <a:rPr lang="en-US" smtClean="0"/>
-              <a:t>12/10/2014</a:t>
+              <a:t>12/15/2014</a:t>
             </a:fld>
             <a:endParaRPr lang="en-US"/>
           </a:p>
@@ -1247,7 +1250,7 @@
           <a:p>
             <a:fld id="{AFC65954-8EDC-47ED-9E90-2904E8061A23}" type="datetime1">
               <a:rPr lang="en-US" smtClean="0"/>
-              <a:t>12/10/2014</a:t>
+              <a:t>12/15/2014</a:t>
             </a:fld>
             <a:endParaRPr lang="en-US"/>
           </a:p>
@@ -1421,7 +1424,7 @@
           <a:p>
             <a:fld id="{34B92F38-C38C-42A8-B007-C3FF86114C48}" type="datetime1">
               <a:rPr lang="en-US" smtClean="0"/>
-              <a:t>12/10/2014</a:t>
+              <a:t>12/15/2014</a:t>
             </a:fld>
             <a:endParaRPr lang="en-US"/>
           </a:p>
@@ -1764,7 +1767,7 @@
           <a:p>
             <a:fld id="{FD832716-E41A-435D-91AC-DF4DCAC3319E}" type="datetime1">
               <a:rPr lang="en-US" smtClean="0"/>
-              <a:t>12/10/2014</a:t>
+              <a:t>12/15/2014</a:t>
             </a:fld>
             <a:endParaRPr lang="en-US"/>
           </a:p>
@@ -2039,7 +2042,7 @@
           <a:p>
             <a:fld id="{6B069249-F202-4544-9F05-3A3CF6BAE9B6}" type="datetime1">
               <a:rPr lang="en-US" smtClean="0"/>
-              <a:t>12/10/2014</a:t>
+              <a:t>12/15/2014</a:t>
             </a:fld>
             <a:endParaRPr lang="en-US"/>
           </a:p>
@@ -2418,7 +2421,7 @@
           <a:p>
             <a:fld id="{61577304-20C4-4E59-AC5E-8D54DC6CAE6E}" type="datetime1">
               <a:rPr lang="en-US" smtClean="0"/>
-              <a:t>12/10/2014</a:t>
+              <a:t>12/15/2014</a:t>
             </a:fld>
             <a:endParaRPr lang="en-US"/>
           </a:p>
@@ -2536,7 +2539,7 @@
           <a:p>
             <a:fld id="{4BE136B4-3996-425C-875C-58CC56922B3A}" type="datetime1">
               <a:rPr lang="en-US" smtClean="0"/>
-              <a:t>12/10/2014</a:t>
+              <a:t>12/15/2014</a:t>
             </a:fld>
             <a:endParaRPr lang="en-US"/>
           </a:p>
@@ -2707,7 +2710,7 @@
           <a:p>
             <a:fld id="{C512BC76-DB65-4855-B3A1-0B6F4AE09274}" type="datetime1">
               <a:rPr lang="en-US" smtClean="0"/>
-              <a:t>12/10/2014</a:t>
+              <a:t>12/15/2014</a:t>
             </a:fld>
             <a:endParaRPr lang="en-US"/>
           </a:p>
@@ -3061,7 +3064,7 @@
           <a:p>
             <a:fld id="{0BFDBD8B-4FB8-46F1-96F7-FD34B2070C79}" type="datetime1">
               <a:rPr lang="en-US" smtClean="0"/>
-              <a:t>12/10/2014</a:t>
+              <a:t>12/15/2014</a:t>
             </a:fld>
             <a:endParaRPr lang="en-US"/>
           </a:p>
@@ -3443,7 +3446,7 @@
           <a:p>
             <a:fld id="{A6D55C88-3AC8-48B6-9022-F3D88055379E}" type="datetime1">
               <a:rPr lang="en-US" smtClean="0"/>
-              <a:t>12/10/2014</a:t>
+              <a:t>12/15/2014</a:t>
             </a:fld>
             <a:endParaRPr lang="en-US"/>
           </a:p>
@@ -3730,7 +3733,7 @@
           <a:p>
             <a:fld id="{CAF79F6E-2400-4948-9DDF-FB4CC4CAA7E5}" type="datetime1">
               <a:rPr lang="en-US" smtClean="0"/>
-              <a:t>12/10/2014</a:t>
+              <a:t>12/15/2014</a:t>
             </a:fld>
             <a:endParaRPr lang="en-US"/>
           </a:p>
@@ -4297,11 +4300,7 @@
           <a:p>
             <a:r>
               <a:rPr lang="en-US" dirty="0" smtClean="0"/>
-              <a:t>Joshua </a:t>
-            </a:r>
-            <a:r>
-              <a:rPr lang="en-US" dirty="0" smtClean="0"/>
-              <a:t>Rand</a:t>
+              <a:t>Joshua Rand</a:t>
             </a:r>
           </a:p>
           <a:p>
@@ -4313,18 +4312,12 @@
               <a:rPr lang="en-US" dirty="0" smtClean="0"/>
               <a:t>.</a:t>
             </a:r>
-            <a:endParaRPr lang="en-US" dirty="0" smtClean="0"/>
           </a:p>
           <a:p>
             <a:r>
               <a:rPr lang="en-US" dirty="0" smtClean="0"/>
-              <a:t>Kelley </a:t>
-            </a:r>
-            <a:r>
-              <a:rPr lang="en-US" dirty="0" smtClean="0"/>
-              <a:t>Stoll</a:t>
-            </a:r>
-            <a:endParaRPr lang="en-US" dirty="0" smtClean="0"/>
+              <a:t>Kelley Stoll</a:t>
+            </a:r>
           </a:p>
         </p:txBody>
       </p:sp>
@@ -4355,6 +4348,398 @@
     <p:extLst>
       <p:ext uri="{BB962C8B-B14F-4D97-AF65-F5344CB8AC3E}">
         <p14:creationId xmlns:p14="http://schemas.microsoft.com/office/powerpoint/2010/main" val="3269974665"/>
+      </p:ext>
+    </p:extLst>
+  </p:cSld>
+  <p:clrMapOvr>
+    <a:masterClrMapping/>
+  </p:clrMapOvr>
+</p:sld>
+</file>
+
+<file path=ppt/slides/slide10.xml><?xml version="1.0" encoding="utf-8"?>
+<p:sld xmlns:a="http://schemas.openxmlformats.org/drawingml/2006/main" xmlns:r="http://schemas.openxmlformats.org/officeDocument/2006/relationships" xmlns:p="http://schemas.openxmlformats.org/presentationml/2006/main">
+  <p:cSld>
+    <p:spTree>
+      <p:nvGrpSpPr>
+        <p:cNvPr id="1" name=""/>
+        <p:cNvGrpSpPr/>
+        <p:nvPr/>
+      </p:nvGrpSpPr>
+      <p:grpSpPr>
+        <a:xfrm>
+          <a:off x="0" y="0"/>
+          <a:ext cx="0" cy="0"/>
+          <a:chOff x="0" y="0"/>
+          <a:chExt cx="0" cy="0"/>
+        </a:xfrm>
+      </p:grpSpPr>
+      <p:sp>
+        <p:nvSpPr>
+          <p:cNvPr id="2" name="Title 1"/>
+          <p:cNvSpPr>
+            <a:spLocks noGrp="1"/>
+          </p:cNvSpPr>
+          <p:nvPr>
+            <p:ph type="title"/>
+          </p:nvPr>
+        </p:nvSpPr>
+        <p:spPr/>
+        <p:txBody>
+          <a:bodyPr/>
+          <a:lstStyle/>
+          <a:p>
+            <a:r>
+              <a:rPr lang="en-US" dirty="0" smtClean="0"/>
+              <a:t>Working in a Group</a:t>
+            </a:r>
+            <a:endParaRPr lang="en-US" dirty="0"/>
+          </a:p>
+        </p:txBody>
+      </p:sp>
+      <p:sp>
+        <p:nvSpPr>
+          <p:cNvPr id="3" name="Content Placeholder 2"/>
+          <p:cNvSpPr>
+            <a:spLocks noGrp="1"/>
+          </p:cNvSpPr>
+          <p:nvPr>
+            <p:ph idx="1"/>
+          </p:nvPr>
+        </p:nvSpPr>
+        <p:spPr/>
+        <p:txBody>
+          <a:bodyPr/>
+          <a:lstStyle/>
+          <a:p>
+            <a:pPr>
+              <a:buFont typeface="Wingdings" panose="05000000000000000000" pitchFamily="2" charset="2"/>
+              <a:buChar char="§"/>
+            </a:pPr>
+            <a:r>
+              <a:rPr lang="en-US" dirty="0" smtClean="0"/>
+              <a:t>Communication is key</a:t>
+            </a:r>
+          </a:p>
+          <a:p>
+            <a:pPr>
+              <a:buFont typeface="Wingdings" panose="05000000000000000000" pitchFamily="2" charset="2"/>
+              <a:buChar char="§"/>
+            </a:pPr>
+            <a:r>
+              <a:rPr lang="en-US" dirty="0" smtClean="0"/>
+              <a:t>Easier to complete work when evenly distributed</a:t>
+            </a:r>
+          </a:p>
+          <a:p>
+            <a:pPr>
+              <a:buFont typeface="Wingdings" panose="05000000000000000000" pitchFamily="2" charset="2"/>
+              <a:buChar char="§"/>
+            </a:pPr>
+            <a:r>
+              <a:rPr lang="en-US" dirty="0" smtClean="0"/>
+              <a:t>Holding people accountable</a:t>
+            </a:r>
+          </a:p>
+          <a:p>
+            <a:pPr>
+              <a:buFont typeface="Wingdings" panose="05000000000000000000" pitchFamily="2" charset="2"/>
+              <a:buChar char="§"/>
+            </a:pPr>
+            <a:r>
+              <a:rPr lang="en-US" dirty="0" smtClean="0"/>
+              <a:t>Participation</a:t>
+            </a:r>
+            <a:endParaRPr lang="en-US" dirty="0"/>
+          </a:p>
+        </p:txBody>
+      </p:sp>
+      <p:sp>
+        <p:nvSpPr>
+          <p:cNvPr id="4" name="Slide Number Placeholder 3"/>
+          <p:cNvSpPr>
+            <a:spLocks noGrp="1"/>
+          </p:cNvSpPr>
+          <p:nvPr>
+            <p:ph type="sldNum" sz="quarter" idx="12"/>
+          </p:nvPr>
+        </p:nvSpPr>
+        <p:spPr/>
+        <p:txBody>
+          <a:bodyPr/>
+          <a:lstStyle/>
+          <a:p>
+            <a:fld id="{C67CCC65-C2A4-4966-8592-A835F56C992F}" type="slidenum">
+              <a:rPr lang="en-US" smtClean="0"/>
+              <a:t>10</a:t>
+            </a:fld>
+            <a:endParaRPr lang="en-US"/>
+          </a:p>
+        </p:txBody>
+      </p:sp>
+    </p:spTree>
+    <p:extLst>
+      <p:ext uri="{BB962C8B-B14F-4D97-AF65-F5344CB8AC3E}">
+        <p14:creationId xmlns:p14="http://schemas.microsoft.com/office/powerpoint/2010/main" val="2182710589"/>
+      </p:ext>
+    </p:extLst>
+  </p:cSld>
+  <p:clrMapOvr>
+    <a:masterClrMapping/>
+  </p:clrMapOvr>
+</p:sld>
+</file>
+
+<file path=ppt/slides/slide11.xml><?xml version="1.0" encoding="utf-8"?>
+<p:sld xmlns:a="http://schemas.openxmlformats.org/drawingml/2006/main" xmlns:r="http://schemas.openxmlformats.org/officeDocument/2006/relationships" xmlns:p="http://schemas.openxmlformats.org/presentationml/2006/main">
+  <p:cSld>
+    <p:spTree>
+      <p:nvGrpSpPr>
+        <p:cNvPr id="1" name=""/>
+        <p:cNvGrpSpPr/>
+        <p:nvPr/>
+      </p:nvGrpSpPr>
+      <p:grpSpPr>
+        <a:xfrm>
+          <a:off x="0" y="0"/>
+          <a:ext cx="0" cy="0"/>
+          <a:chOff x="0" y="0"/>
+          <a:chExt cx="0" cy="0"/>
+        </a:xfrm>
+      </p:grpSpPr>
+      <p:sp>
+        <p:nvSpPr>
+          <p:cNvPr id="2" name="Title 1"/>
+          <p:cNvSpPr>
+            <a:spLocks noGrp="1"/>
+          </p:cNvSpPr>
+          <p:nvPr>
+            <p:ph type="title"/>
+          </p:nvPr>
+        </p:nvSpPr>
+        <p:spPr/>
+        <p:txBody>
+          <a:bodyPr/>
+          <a:lstStyle/>
+          <a:p>
+            <a:r>
+              <a:rPr lang="en-US" dirty="0" smtClean="0"/>
+              <a:t>Summary - What We Learned</a:t>
+            </a:r>
+            <a:endParaRPr lang="en-US" dirty="0"/>
+          </a:p>
+        </p:txBody>
+      </p:sp>
+      <p:sp>
+        <p:nvSpPr>
+          <p:cNvPr id="3" name="Content Placeholder 2"/>
+          <p:cNvSpPr>
+            <a:spLocks noGrp="1"/>
+          </p:cNvSpPr>
+          <p:nvPr>
+            <p:ph idx="1"/>
+          </p:nvPr>
+        </p:nvSpPr>
+        <p:spPr/>
+        <p:txBody>
+          <a:bodyPr/>
+          <a:lstStyle/>
+          <a:p>
+            <a:pPr>
+              <a:buFont typeface="Wingdings" panose="05000000000000000000" pitchFamily="2" charset="2"/>
+              <a:buChar char="§"/>
+            </a:pPr>
+            <a:r>
+              <a:rPr lang="en-US" dirty="0" smtClean="0"/>
+              <a:t>Time management</a:t>
+            </a:r>
+          </a:p>
+          <a:p>
+            <a:pPr>
+              <a:buFont typeface="Wingdings" panose="05000000000000000000" pitchFamily="2" charset="2"/>
+              <a:buChar char="§"/>
+            </a:pPr>
+            <a:r>
+              <a:rPr lang="en-US" dirty="0" smtClean="0"/>
+              <a:t>Outline/Schedule Tasks and using deadlines</a:t>
+            </a:r>
+          </a:p>
+          <a:p>
+            <a:pPr>
+              <a:buFont typeface="Wingdings" panose="05000000000000000000" pitchFamily="2" charset="2"/>
+              <a:buChar char="§"/>
+            </a:pPr>
+            <a:r>
+              <a:rPr lang="en-US" dirty="0" smtClean="0"/>
+              <a:t>Communicating with members is essential</a:t>
+            </a:r>
+          </a:p>
+          <a:p>
+            <a:pPr>
+              <a:buFont typeface="Wingdings" panose="05000000000000000000" pitchFamily="2" charset="2"/>
+              <a:buChar char="§"/>
+            </a:pPr>
+            <a:r>
+              <a:rPr lang="en-US" dirty="0" smtClean="0"/>
+              <a:t>Lot of resources online</a:t>
+            </a:r>
+          </a:p>
+          <a:p>
+            <a:pPr>
+              <a:buFont typeface="Wingdings" panose="05000000000000000000" pitchFamily="2" charset="2"/>
+              <a:buChar char="§"/>
+            </a:pPr>
+            <a:endParaRPr lang="en-US" dirty="0" smtClean="0"/>
+          </a:p>
+          <a:p>
+            <a:pPr>
+              <a:buFont typeface="Wingdings" panose="05000000000000000000" pitchFamily="2" charset="2"/>
+              <a:buChar char="§"/>
+            </a:pPr>
+            <a:endParaRPr lang="en-US" dirty="0" smtClean="0"/>
+          </a:p>
+          <a:p>
+            <a:pPr>
+              <a:buFont typeface="Wingdings" panose="05000000000000000000" pitchFamily="2" charset="2"/>
+              <a:buChar char="§"/>
+            </a:pPr>
+            <a:endParaRPr lang="en-US" dirty="0" smtClean="0"/>
+          </a:p>
+        </p:txBody>
+      </p:sp>
+      <p:sp>
+        <p:nvSpPr>
+          <p:cNvPr id="4" name="Slide Number Placeholder 3"/>
+          <p:cNvSpPr>
+            <a:spLocks noGrp="1"/>
+          </p:cNvSpPr>
+          <p:nvPr>
+            <p:ph type="sldNum" sz="quarter" idx="12"/>
+          </p:nvPr>
+        </p:nvSpPr>
+        <p:spPr/>
+        <p:txBody>
+          <a:bodyPr/>
+          <a:lstStyle/>
+          <a:p>
+            <a:fld id="{C67CCC65-C2A4-4966-8592-A835F56C992F}" type="slidenum">
+              <a:rPr lang="en-US" smtClean="0"/>
+              <a:t>11</a:t>
+            </a:fld>
+            <a:endParaRPr lang="en-US"/>
+          </a:p>
+        </p:txBody>
+      </p:sp>
+    </p:spTree>
+    <p:extLst>
+      <p:ext uri="{BB962C8B-B14F-4D97-AF65-F5344CB8AC3E}">
+        <p14:creationId xmlns:p14="http://schemas.microsoft.com/office/powerpoint/2010/main" val="1187846799"/>
+      </p:ext>
+    </p:extLst>
+  </p:cSld>
+  <p:clrMapOvr>
+    <a:masterClrMapping/>
+  </p:clrMapOvr>
+</p:sld>
+</file>
+
+<file path=ppt/slides/slide12.xml><?xml version="1.0" encoding="utf-8"?>
+<p:sld xmlns:a="http://schemas.openxmlformats.org/drawingml/2006/main" xmlns:r="http://schemas.openxmlformats.org/officeDocument/2006/relationships" xmlns:p="http://schemas.openxmlformats.org/presentationml/2006/main">
+  <p:cSld>
+    <p:spTree>
+      <p:nvGrpSpPr>
+        <p:cNvPr id="1" name=""/>
+        <p:cNvGrpSpPr/>
+        <p:nvPr/>
+      </p:nvGrpSpPr>
+      <p:grpSpPr>
+        <a:xfrm>
+          <a:off x="0" y="0"/>
+          <a:ext cx="0" cy="0"/>
+          <a:chOff x="0" y="0"/>
+          <a:chExt cx="0" cy="0"/>
+        </a:xfrm>
+      </p:grpSpPr>
+      <p:sp>
+        <p:nvSpPr>
+          <p:cNvPr id="2" name="Title 1"/>
+          <p:cNvSpPr>
+            <a:spLocks noGrp="1"/>
+          </p:cNvSpPr>
+          <p:nvPr>
+            <p:ph type="title"/>
+          </p:nvPr>
+        </p:nvSpPr>
+        <p:spPr/>
+        <p:txBody>
+          <a:bodyPr/>
+          <a:lstStyle/>
+          <a:p>
+            <a:r>
+              <a:rPr lang="en-US" dirty="0" smtClean="0"/>
+              <a:t>Questions</a:t>
+            </a:r>
+            <a:endParaRPr lang="en-US" dirty="0"/>
+          </a:p>
+        </p:txBody>
+      </p:sp>
+      <p:sp>
+        <p:nvSpPr>
+          <p:cNvPr id="4" name="Slide Number Placeholder 3"/>
+          <p:cNvSpPr>
+            <a:spLocks noGrp="1"/>
+          </p:cNvSpPr>
+          <p:nvPr>
+            <p:ph type="sldNum" sz="quarter" idx="12"/>
+          </p:nvPr>
+        </p:nvSpPr>
+        <p:spPr/>
+        <p:txBody>
+          <a:bodyPr/>
+          <a:lstStyle/>
+          <a:p>
+            <a:fld id="{C67CCC65-C2A4-4966-8592-A835F56C992F}" type="slidenum">
+              <a:rPr lang="en-US" sz="2000" smtClean="0"/>
+              <a:t>12</a:t>
+            </a:fld>
+            <a:endParaRPr lang="en-US" sz="2000" dirty="0"/>
+          </a:p>
+        </p:txBody>
+      </p:sp>
+      <p:pic>
+        <p:nvPicPr>
+          <p:cNvPr id="5" name="Picture 4"/>
+          <p:cNvPicPr>
+            <a:picLocks noChangeAspect="1"/>
+          </p:cNvPicPr>
+          <p:nvPr/>
+        </p:nvPicPr>
+        <p:blipFill>
+          <a:blip r:embed="rId2">
+            <a:extLst>
+              <a:ext uri="{28A0092B-C50C-407E-A947-70E740481C1C}">
+                <a14:useLocalDpi xmlns:a14="http://schemas.microsoft.com/office/drawing/2010/main" val="0"/>
+              </a:ext>
+            </a:extLst>
+          </a:blip>
+          <a:stretch>
+            <a:fillRect/>
+          </a:stretch>
+        </p:blipFill>
+        <p:spPr>
+          <a:xfrm>
+            <a:off x="4713605" y="2066541"/>
+            <a:ext cx="2825750" cy="3715519"/>
+          </a:xfrm>
+          <a:prstGeom prst="rect">
+            <a:avLst/>
+          </a:prstGeom>
+        </p:spPr>
+      </p:pic>
+    </p:spTree>
+    <p:extLst>
+      <p:ext uri="{BB962C8B-B14F-4D97-AF65-F5344CB8AC3E}">
+        <p14:creationId xmlns:p14="http://schemas.microsoft.com/office/powerpoint/2010/main" val="3552604018"/>
       </p:ext>
     </p:extLst>
   </p:cSld>
@@ -5322,7 +5707,7 @@
         </p:blipFill>
         <p:spPr>
           <a:xfrm>
-            <a:off x="7183040" y="396283"/>
+            <a:off x="8548945" y="1845734"/>
             <a:ext cx="2007525" cy="2007525"/>
           </a:xfrm>
           <a:prstGeom prst="rect">
@@ -5332,32 +5717,43 @@
       </p:pic>
       <p:pic>
         <p:nvPicPr>
-          <p:cNvPr id="6" name="Picture 5"/>
+          <p:cNvPr id="1026" name="Picture 2" descr="http://img2.wikia.nocookie.net/__cb20140217105242/b__/bloons/images/b/bf/Paint_Windows_7_icon.png"/>
           <p:cNvPicPr>
-            <a:picLocks noChangeAspect="1"/>
+            <a:picLocks noChangeAspect="1" noChangeArrowheads="1"/>
           </p:cNvPicPr>
           <p:nvPr/>
         </p:nvPicPr>
         <p:blipFill>
-          <a:blip r:embed="rId3" cstate="print">
+          <a:blip r:embed="rId3">
             <a:extLst>
               <a:ext uri="{28A0092B-C50C-407E-A947-70E740481C1C}">
                 <a14:useLocalDpi xmlns:a14="http://schemas.microsoft.com/office/drawing/2010/main" val="0"/>
               </a:ext>
             </a:extLst>
           </a:blip>
+          <a:srcRect/>
           <a:stretch>
             <a:fillRect/>
           </a:stretch>
         </p:blipFill>
-        <p:spPr>
+        <p:spPr bwMode="auto">
           <a:xfrm>
-            <a:off x="7183040" y="3803648"/>
-            <a:ext cx="2007525" cy="2007525"/>
+            <a:off x="5511335" y="1737360"/>
+            <a:ext cx="2438400" cy="2438400"/>
           </a:xfrm>
           <a:prstGeom prst="rect">
             <a:avLst/>
           </a:prstGeom>
+          <a:noFill/>
+          <a:extLst>
+            <a:ext uri="{909E8E84-426E-40DD-AFC4-6F175D3DCCD1}">
+              <a14:hiddenFill xmlns:a14="http://schemas.microsoft.com/office/drawing/2010/main">
+                <a:solidFill>
+                  <a:srgbClr val="FFFFFF"/>
+                </a:solidFill>
+              </a14:hiddenFill>
+            </a:ext>
+          </a:extLst>
         </p:spPr>
       </p:pic>
     </p:spTree>
@@ -5857,7 +6253,7 @@
           <a:p>
             <a:r>
               <a:rPr lang="en-US" dirty="0" smtClean="0"/>
-              <a:t>Questions</a:t>
+              <a:t>Technical Details</a:t>
             </a:r>
             <a:endParaRPr lang="en-US" dirty="0"/>
           </a:p>
@@ -5865,6 +6261,72 @@
       </p:sp>
       <p:sp>
         <p:nvSpPr>
+          <p:cNvPr id="3" name="Content Placeholder 2"/>
+          <p:cNvSpPr>
+            <a:spLocks noGrp="1"/>
+          </p:cNvSpPr>
+          <p:nvPr>
+            <p:ph idx="1"/>
+          </p:nvPr>
+        </p:nvSpPr>
+        <p:spPr/>
+        <p:txBody>
+          <a:bodyPr/>
+          <a:lstStyle/>
+          <a:p>
+            <a:pPr>
+              <a:buFont typeface="Wingdings" panose="05000000000000000000" pitchFamily="2" charset="2"/>
+              <a:buChar char="§"/>
+            </a:pPr>
+            <a:r>
+              <a:rPr lang="en-US" dirty="0" smtClean="0"/>
+              <a:t>Fixed problem with end of array – was clickable</a:t>
+            </a:r>
+          </a:p>
+          <a:p>
+            <a:pPr>
+              <a:buFont typeface="Wingdings" panose="05000000000000000000" pitchFamily="2" charset="2"/>
+              <a:buChar char="§"/>
+            </a:pPr>
+            <a:r>
+              <a:rPr lang="en-US" dirty="0" err="1" smtClean="0"/>
+              <a:t>Github</a:t>
+            </a:r>
+            <a:r>
+              <a:rPr lang="en-US" dirty="0" smtClean="0"/>
+              <a:t> is useful</a:t>
+            </a:r>
+          </a:p>
+          <a:p>
+            <a:pPr>
+              <a:buFont typeface="Wingdings" panose="05000000000000000000" pitchFamily="2" charset="2"/>
+              <a:buChar char="§"/>
+            </a:pPr>
+            <a:r>
+              <a:rPr lang="en-US" dirty="0" smtClean="0"/>
+              <a:t>Added music</a:t>
+            </a:r>
+          </a:p>
+          <a:p>
+            <a:pPr>
+              <a:buFont typeface="Wingdings" panose="05000000000000000000" pitchFamily="2" charset="2"/>
+              <a:buChar char="§"/>
+            </a:pPr>
+            <a:r>
+              <a:rPr lang="en-US" dirty="0" smtClean="0"/>
+              <a:t>Learned how to implement graphics</a:t>
+            </a:r>
+          </a:p>
+          <a:p>
+            <a:endParaRPr lang="en-US" dirty="0" smtClean="0"/>
+          </a:p>
+          <a:p>
+            <a:endParaRPr lang="en-US" dirty="0"/>
+          </a:p>
+        </p:txBody>
+      </p:sp>
+      <p:sp>
+        <p:nvSpPr>
           <p:cNvPr id="4" name="Slide Number Placeholder 3"/>
           <p:cNvSpPr>
             <a:spLocks noGrp="1"/>
@@ -5879,47 +6341,17 @@
           <a:lstStyle/>
           <a:p>
             <a:fld id="{C67CCC65-C2A4-4966-8592-A835F56C992F}" type="slidenum">
-              <a:rPr lang="en-US" sz="2000" smtClean="0"/>
+              <a:rPr lang="en-US" smtClean="0"/>
               <a:t>9</a:t>
             </a:fld>
-            <a:endParaRPr lang="en-US" sz="2000" dirty="0"/>
-          </a:p>
-        </p:txBody>
-      </p:sp>
-      <p:pic>
-        <p:nvPicPr>
-          <p:cNvPr id="5" name="Picture 4"/>
-          <p:cNvPicPr>
-            <a:picLocks noChangeAspect="1"/>
-          </p:cNvPicPr>
-          <p:nvPr/>
-        </p:nvPicPr>
-        <p:blipFill>
-          <a:blip r:embed="rId2">
-            <a:extLst>
-              <a:ext uri="{28A0092B-C50C-407E-A947-70E740481C1C}">
-                <a14:useLocalDpi xmlns:a14="http://schemas.microsoft.com/office/drawing/2010/main" val="0"/>
-              </a:ext>
-            </a:extLst>
-          </a:blip>
-          <a:stretch>
-            <a:fillRect/>
-          </a:stretch>
-        </p:blipFill>
-        <p:spPr>
-          <a:xfrm>
-            <a:off x="4713605" y="2066541"/>
-            <a:ext cx="2825750" cy="3715519"/>
-          </a:xfrm>
-          <a:prstGeom prst="rect">
-            <a:avLst/>
-          </a:prstGeom>
-        </p:spPr>
-      </p:pic>
+            <a:endParaRPr lang="en-US"/>
+          </a:p>
+        </p:txBody>
+      </p:sp>
     </p:spTree>
     <p:extLst>
       <p:ext uri="{BB962C8B-B14F-4D97-AF65-F5344CB8AC3E}">
-        <p14:creationId xmlns:p14="http://schemas.microsoft.com/office/powerpoint/2010/main" val="3552604018"/>
+        <p14:creationId xmlns:p14="http://schemas.microsoft.com/office/powerpoint/2010/main" val="315798837"/>
       </p:ext>
     </p:extLst>
   </p:cSld>

--- a/FinalPowerpoint.pptx
+++ b/FinalPowerpoint.pptx
@@ -208,7 +208,7 @@
           <a:p>
             <a:fld id="{5A52ABC2-5F98-4F70-AEC7-00F03C4FA36D}" type="datetimeFigureOut">
               <a:rPr lang="en-US" smtClean="0"/>
-              <a:t>12/15/2014</a:t>
+              <a:t>12/16/2014</a:t>
             </a:fld>
             <a:endParaRPr lang="en-US"/>
           </a:p>
@@ -786,7 +786,7 @@
           <a:p>
             <a:fld id="{FA879868-0C26-404D-8707-3CD21EBB19E4}" type="datetime1">
               <a:rPr lang="en-US" smtClean="0"/>
-              <a:t>12/15/2014</a:t>
+              <a:t>12/16/2014</a:t>
             </a:fld>
             <a:endParaRPr lang="en-US"/>
           </a:p>
@@ -994,7 +994,7 @@
           <a:p>
             <a:fld id="{F37C9A0E-2C1F-4AFB-A70C-CE456CE694A9}" type="datetime1">
               <a:rPr lang="en-US" smtClean="0"/>
-              <a:t>12/15/2014</a:t>
+              <a:t>12/16/2014</a:t>
             </a:fld>
             <a:endParaRPr lang="en-US"/>
           </a:p>
@@ -1250,7 +1250,7 @@
           <a:p>
             <a:fld id="{AFC65954-8EDC-47ED-9E90-2904E8061A23}" type="datetime1">
               <a:rPr lang="en-US" smtClean="0"/>
-              <a:t>12/15/2014</a:t>
+              <a:t>12/16/2014</a:t>
             </a:fld>
             <a:endParaRPr lang="en-US"/>
           </a:p>
@@ -1424,7 +1424,7 @@
           <a:p>
             <a:fld id="{34B92F38-C38C-42A8-B007-C3FF86114C48}" type="datetime1">
               <a:rPr lang="en-US" smtClean="0"/>
-              <a:t>12/15/2014</a:t>
+              <a:t>12/16/2014</a:t>
             </a:fld>
             <a:endParaRPr lang="en-US"/>
           </a:p>
@@ -1767,7 +1767,7 @@
           <a:p>
             <a:fld id="{FD832716-E41A-435D-91AC-DF4DCAC3319E}" type="datetime1">
               <a:rPr lang="en-US" smtClean="0"/>
-              <a:t>12/15/2014</a:t>
+              <a:t>12/16/2014</a:t>
             </a:fld>
             <a:endParaRPr lang="en-US"/>
           </a:p>
@@ -2042,7 +2042,7 @@
           <a:p>
             <a:fld id="{6B069249-F202-4544-9F05-3A3CF6BAE9B6}" type="datetime1">
               <a:rPr lang="en-US" smtClean="0"/>
-              <a:t>12/15/2014</a:t>
+              <a:t>12/16/2014</a:t>
             </a:fld>
             <a:endParaRPr lang="en-US"/>
           </a:p>
@@ -2421,7 +2421,7 @@
           <a:p>
             <a:fld id="{61577304-20C4-4E59-AC5E-8D54DC6CAE6E}" type="datetime1">
               <a:rPr lang="en-US" smtClean="0"/>
-              <a:t>12/15/2014</a:t>
+              <a:t>12/16/2014</a:t>
             </a:fld>
             <a:endParaRPr lang="en-US"/>
           </a:p>
@@ -2539,7 +2539,7 @@
           <a:p>
             <a:fld id="{4BE136B4-3996-425C-875C-58CC56922B3A}" type="datetime1">
               <a:rPr lang="en-US" smtClean="0"/>
-              <a:t>12/15/2014</a:t>
+              <a:t>12/16/2014</a:t>
             </a:fld>
             <a:endParaRPr lang="en-US"/>
           </a:p>
@@ -2710,7 +2710,7 @@
           <a:p>
             <a:fld id="{C512BC76-DB65-4855-B3A1-0B6F4AE09274}" type="datetime1">
               <a:rPr lang="en-US" smtClean="0"/>
-              <a:t>12/15/2014</a:t>
+              <a:t>12/16/2014</a:t>
             </a:fld>
             <a:endParaRPr lang="en-US"/>
           </a:p>
@@ -3064,7 +3064,7 @@
           <a:p>
             <a:fld id="{0BFDBD8B-4FB8-46F1-96F7-FD34B2070C79}" type="datetime1">
               <a:rPr lang="en-US" smtClean="0"/>
-              <a:t>12/15/2014</a:t>
+              <a:t>12/16/2014</a:t>
             </a:fld>
             <a:endParaRPr lang="en-US"/>
           </a:p>
@@ -3446,7 +3446,7 @@
           <a:p>
             <a:fld id="{A6D55C88-3AC8-48B6-9022-F3D88055379E}" type="datetime1">
               <a:rPr lang="en-US" smtClean="0"/>
-              <a:t>12/15/2014</a:t>
+              <a:t>12/16/2014</a:t>
             </a:fld>
             <a:endParaRPr lang="en-US"/>
           </a:p>
@@ -3733,7 +3733,7 @@
           <a:p>
             <a:fld id="{CAF79F6E-2400-4948-9DDF-FB4CC4CAA7E5}" type="datetime1">
               <a:rPr lang="en-US" smtClean="0"/>
-              <a:t>12/15/2014</a:t>
+              <a:t>12/16/2014</a:t>
             </a:fld>
             <a:endParaRPr lang="en-US"/>
           </a:p>
@@ -4551,8 +4551,27 @@
             </a:pPr>
             <a:r>
               <a:rPr lang="en-US" dirty="0" smtClean="0"/>
-              <a:t>Time management</a:t>
-            </a:r>
+              <a:t>Time </a:t>
+            </a:r>
+            <a:r>
+              <a:rPr lang="en-US" dirty="0" smtClean="0"/>
+              <a:t>management</a:t>
+            </a:r>
+          </a:p>
+          <a:p>
+            <a:pPr>
+              <a:buFont typeface="Wingdings" panose="05000000000000000000" pitchFamily="2" charset="2"/>
+              <a:buChar char="§"/>
+            </a:pPr>
+            <a:r>
+              <a:rPr lang="en-US" dirty="0" smtClean="0"/>
+              <a:t>Learned how to use </a:t>
+            </a:r>
+            <a:r>
+              <a:rPr lang="en-US" dirty="0" err="1" smtClean="0"/>
+              <a:t>Github</a:t>
+            </a:r>
+            <a:endParaRPr lang="en-US" dirty="0" smtClean="0"/>
           </a:p>
           <a:p>
             <a:pPr>

--- a/FinalPowerpoint.pptx
+++ b/FinalPowerpoint.pptx
@@ -4551,11 +4551,7 @@
             </a:pPr>
             <a:r>
               <a:rPr lang="en-US" dirty="0" smtClean="0"/>
-              <a:t>Time </a:t>
-            </a:r>
-            <a:r>
-              <a:rPr lang="en-US" dirty="0" smtClean="0"/>
-              <a:t>management</a:t>
+              <a:t>Time management</a:t>
             </a:r>
           </a:p>
           <a:p>
@@ -5675,9 +5671,29 @@
               <a:buChar char="§"/>
             </a:pPr>
             <a:r>
-              <a:rPr lang="en-US" dirty="0"/>
-              <a:t>http://www.youtube-mp3.org/</a:t>
-            </a:r>
+              <a:rPr lang="en-US" dirty="0">
+                <a:hlinkClick r:id="rId2"/>
+              </a:rPr>
+              <a:t>http://www.youtube-mp3.org</a:t>
+            </a:r>
+            <a:r>
+              <a:rPr lang="en-US" dirty="0" smtClean="0">
+                <a:hlinkClick r:id="rId2"/>
+              </a:rPr>
+              <a:t>/</a:t>
+            </a:r>
+            <a:endParaRPr lang="en-US" dirty="0" smtClean="0"/>
+          </a:p>
+          <a:p>
+            <a:pPr>
+              <a:buFont typeface="Wingdings" panose="05000000000000000000" pitchFamily="2" charset="2"/>
+              <a:buChar char="§"/>
+            </a:pPr>
+            <a:r>
+              <a:rPr lang="en-US"/>
+              <a:t>http://www.icoconverter.com/</a:t>
+            </a:r>
+            <a:endParaRPr lang="en-US" dirty="0"/>
           </a:p>
         </p:txBody>
       </p:sp>
@@ -5713,7 +5729,7 @@
           <p:nvPr/>
         </p:nvPicPr>
         <p:blipFill>
-          <a:blip r:embed="rId2">
+          <a:blip r:embed="rId3">
             <a:extLst>
               <a:ext uri="{28A0092B-C50C-407E-A947-70E740481C1C}">
                 <a14:useLocalDpi xmlns:a14="http://schemas.microsoft.com/office/drawing/2010/main" val="0"/>
@@ -5743,7 +5759,7 @@
           <p:nvPr/>
         </p:nvPicPr>
         <p:blipFill>
-          <a:blip r:embed="rId3">
+          <a:blip r:embed="rId4">
             <a:extLst>
               <a:ext uri="{28A0092B-C50C-407E-A947-70E740481C1C}">
                 <a14:useLocalDpi xmlns:a14="http://schemas.microsoft.com/office/drawing/2010/main" val="0"/>
